--- a/Final Presentation/presentation_cs455.pptx
+++ b/Final Presentation/presentation_cs455.pptx
@@ -5,7 +5,7 @@
     <p:sldMasterId id="2147483648" r:id="rId1"/>
   </p:sldMasterIdLst>
   <p:notesMasterIdLst>
-    <p:notesMasterId r:id="rId17"/>
+    <p:notesMasterId r:id="rId16"/>
   </p:notesMasterIdLst>
   <p:sldIdLst>
     <p:sldId id="256" r:id="rId2"/>
@@ -17,12 +17,11 @@
     <p:sldId id="268" r:id="rId8"/>
     <p:sldId id="267" r:id="rId9"/>
     <p:sldId id="263" r:id="rId10"/>
-    <p:sldId id="264" r:id="rId11"/>
-    <p:sldId id="262" r:id="rId12"/>
-    <p:sldId id="265" r:id="rId13"/>
-    <p:sldId id="269" r:id="rId14"/>
-    <p:sldId id="270" r:id="rId15"/>
-    <p:sldId id="261" r:id="rId16"/>
+    <p:sldId id="262" r:id="rId11"/>
+    <p:sldId id="265" r:id="rId12"/>
+    <p:sldId id="269" r:id="rId13"/>
+    <p:sldId id="270" r:id="rId14"/>
+    <p:sldId id="261" r:id="rId15"/>
   </p:sldIdLst>
   <p:sldSz cx="9144000" cy="6858000" type="screen4x3"/>
   <p:notesSz cx="6858000" cy="9144000"/>
@@ -206,7 +205,7 @@
           <a:p>
             <a:fld id="{4AE26C0E-0B54-4037-96F6-3906E753DA43}" type="datetimeFigureOut">
               <a:rPr lang="en-US" smtClean="0"/>
-              <a:t>11/19/2013</a:t>
+              <a:t>11/20/2013</a:t>
             </a:fld>
             <a:endParaRPr lang="en-US"/>
           </a:p>
@@ -539,7 +538,7 @@
           <a:p>
             <a:fld id="{51A83241-294B-4136-A361-F5F6371DB2C5}" type="slidenum">
               <a:rPr lang="en-US" smtClean="0"/>
-              <a:t>11</a:t>
+              <a:t>10</a:t>
             </a:fld>
             <a:endParaRPr lang="en-US"/>
           </a:p>
@@ -739,7 +738,7 @@
           <a:p>
             <a:fld id="{6BB3853C-AB62-49B1-8974-2A1DFE5B38B6}" type="datetimeFigureOut">
               <a:rPr lang="en-US" smtClean="0"/>
-              <a:t>11/19/2013</a:t>
+              <a:t>11/20/2013</a:t>
             </a:fld>
             <a:endParaRPr lang="en-US"/>
           </a:p>
@@ -909,7 +908,7 @@
           <a:p>
             <a:fld id="{6BB3853C-AB62-49B1-8974-2A1DFE5B38B6}" type="datetimeFigureOut">
               <a:rPr lang="en-US" smtClean="0"/>
-              <a:t>11/19/2013</a:t>
+              <a:t>11/20/2013</a:t>
             </a:fld>
             <a:endParaRPr lang="en-US"/>
           </a:p>
@@ -1089,7 +1088,7 @@
           <a:p>
             <a:fld id="{6BB3853C-AB62-49B1-8974-2A1DFE5B38B6}" type="datetimeFigureOut">
               <a:rPr lang="en-US" smtClean="0"/>
-              <a:t>11/19/2013</a:t>
+              <a:t>11/20/2013</a:t>
             </a:fld>
             <a:endParaRPr lang="en-US"/>
           </a:p>
@@ -1259,7 +1258,7 @@
           <a:p>
             <a:fld id="{6BB3853C-AB62-49B1-8974-2A1DFE5B38B6}" type="datetimeFigureOut">
               <a:rPr lang="en-US" smtClean="0"/>
-              <a:t>11/19/2013</a:t>
+              <a:t>11/20/2013</a:t>
             </a:fld>
             <a:endParaRPr lang="en-US"/>
           </a:p>
@@ -1505,7 +1504,7 @@
           <a:p>
             <a:fld id="{6BB3853C-AB62-49B1-8974-2A1DFE5B38B6}" type="datetimeFigureOut">
               <a:rPr lang="en-US" smtClean="0"/>
-              <a:t>11/19/2013</a:t>
+              <a:t>11/20/2013</a:t>
             </a:fld>
             <a:endParaRPr lang="en-US"/>
           </a:p>
@@ -1793,7 +1792,7 @@
           <a:p>
             <a:fld id="{6BB3853C-AB62-49B1-8974-2A1DFE5B38B6}" type="datetimeFigureOut">
               <a:rPr lang="en-US" smtClean="0"/>
-              <a:t>11/19/2013</a:t>
+              <a:t>11/20/2013</a:t>
             </a:fld>
             <a:endParaRPr lang="en-US"/>
           </a:p>
@@ -2215,7 +2214,7 @@
           <a:p>
             <a:fld id="{6BB3853C-AB62-49B1-8974-2A1DFE5B38B6}" type="datetimeFigureOut">
               <a:rPr lang="en-US" smtClean="0"/>
-              <a:t>11/19/2013</a:t>
+              <a:t>11/20/2013</a:t>
             </a:fld>
             <a:endParaRPr lang="en-US"/>
           </a:p>
@@ -2333,7 +2332,7 @@
           <a:p>
             <a:fld id="{6BB3853C-AB62-49B1-8974-2A1DFE5B38B6}" type="datetimeFigureOut">
               <a:rPr lang="en-US" smtClean="0"/>
-              <a:t>11/19/2013</a:t>
+              <a:t>11/20/2013</a:t>
             </a:fld>
             <a:endParaRPr lang="en-US"/>
           </a:p>
@@ -2428,7 +2427,7 @@
           <a:p>
             <a:fld id="{6BB3853C-AB62-49B1-8974-2A1DFE5B38B6}" type="datetimeFigureOut">
               <a:rPr lang="en-US" smtClean="0"/>
-              <a:t>11/19/2013</a:t>
+              <a:t>11/20/2013</a:t>
             </a:fld>
             <a:endParaRPr lang="en-US"/>
           </a:p>
@@ -2705,7 +2704,7 @@
           <a:p>
             <a:fld id="{6BB3853C-AB62-49B1-8974-2A1DFE5B38B6}" type="datetimeFigureOut">
               <a:rPr lang="en-US" smtClean="0"/>
-              <a:t>11/19/2013</a:t>
+              <a:t>11/20/2013</a:t>
             </a:fld>
             <a:endParaRPr lang="en-US"/>
           </a:p>
@@ -2958,7 +2957,7 @@
           <a:p>
             <a:fld id="{6BB3853C-AB62-49B1-8974-2A1DFE5B38B6}" type="datetimeFigureOut">
               <a:rPr lang="en-US" smtClean="0"/>
-              <a:t>11/19/2013</a:t>
+              <a:t>11/20/2013</a:t>
             </a:fld>
             <a:endParaRPr lang="en-US"/>
           </a:p>
@@ -3171,7 +3170,7 @@
           <a:p>
             <a:fld id="{6BB3853C-AB62-49B1-8974-2A1DFE5B38B6}" type="datetimeFigureOut">
               <a:rPr lang="en-US" smtClean="0"/>
-              <a:t>11/19/2013</a:t>
+              <a:t>11/20/2013</a:t>
             </a:fld>
             <a:endParaRPr lang="en-US"/>
           </a:p>
@@ -3735,57 +3734,16 @@
       </p:grpSpPr>
       <p:sp>
         <p:nvSpPr>
-          <p:cNvPr id="4" name="Rectangle 3"/>
+          <p:cNvPr id="4" name="Oval 3"/>
           <p:cNvSpPr/>
           <p:nvPr/>
         </p:nvSpPr>
         <p:spPr>
           <a:xfrm>
-            <a:off x="1981200" y="457200"/>
-            <a:ext cx="4647426" cy="1323439"/>
-          </a:xfrm>
-          <a:prstGeom prst="rect">
-            <a:avLst/>
-          </a:prstGeom>
-        </p:spPr>
-        <p:txBody>
-          <a:bodyPr wrap="none">
-            <a:spAutoFit/>
-          </a:bodyPr>
-          <a:lstStyle/>
-          <a:p>
-            <a:pPr algn="ctr"/>
-            <a:r>
-              <a:rPr lang="en-US" sz="4400" b="1" dirty="0"/>
-              <a:t>Development </a:t>
-            </a:r>
-            <a:r>
-              <a:rPr lang="en-US" sz="4400" b="1" dirty="0" smtClean="0"/>
-              <a:t>View</a:t>
-            </a:r>
-          </a:p>
-          <a:p>
-            <a:pPr algn="ctr"/>
-            <a:r>
-              <a:rPr lang="en-US" sz="3600" b="1" dirty="0" smtClean="0"/>
-              <a:t>(Database Design)</a:t>
-            </a:r>
-            <a:endParaRPr lang="en-US" sz="3600" b="1" dirty="0"/>
-          </a:p>
-        </p:txBody>
-      </p:sp>
-      <p:sp>
-        <p:nvSpPr>
-          <p:cNvPr id="6" name="Rectangle 5"/>
-          <p:cNvSpPr/>
-          <p:nvPr/>
-        </p:nvSpPr>
-        <p:spPr>
-          <a:xfrm>
-            <a:off x="774562" y="2482850"/>
-            <a:ext cx="2667000" cy="533400"/>
-          </a:xfrm>
-          <a:prstGeom prst="rect">
+            <a:off x="4133850" y="91425"/>
+            <a:ext cx="211428" cy="211428"/>
+          </a:xfrm>
+          <a:prstGeom prst="ellipse">
             <a:avLst/>
           </a:prstGeom>
         </p:spPr>
@@ -3810,31 +3768,24 @@
           <a:lstStyle/>
           <a:p>
             <a:pPr algn="ctr"/>
-            <a:r>
-              <a:rPr lang="en-US" sz="2400" dirty="0" smtClean="0"/>
-              <a:t>Account</a:t>
-            </a:r>
-            <a:endParaRPr lang="en-US" sz="2400" dirty="0"/>
-          </a:p>
-        </p:txBody>
-      </p:sp>
-      <p:sp>
-        <p:nvSpPr>
-          <p:cNvPr id="7" name="Rectangle 6"/>
+            <a:endParaRPr lang="en-US"/>
+          </a:p>
+        </p:txBody>
+      </p:sp>
+      <p:sp>
+        <p:nvSpPr>
+          <p:cNvPr id="5" name="Rectangle 4"/>
           <p:cNvSpPr/>
           <p:nvPr/>
         </p:nvSpPr>
         <p:spPr>
           <a:xfrm>
-            <a:off x="774562" y="3003550"/>
-            <a:ext cx="2667000" cy="1543050"/>
+            <a:off x="3581400" y="697806"/>
+            <a:ext cx="1295400" cy="304800"/>
           </a:xfrm>
           <a:prstGeom prst="rect">
             <a:avLst/>
           </a:prstGeom>
-          <a:solidFill>
-            <a:schemeClr val="bg1"/>
-          </a:solidFill>
         </p:spPr>
         <p:style>
           <a:lnRef idx="2">
@@ -3856,136 +3807,27 @@
           <a:bodyPr rtlCol="0" anchor="ctr"/>
           <a:lstStyle/>
           <a:p>
-            <a:pPr marL="285750" indent="-285750">
-              <a:buFont typeface="Arial" pitchFamily="34" charset="0"/>
-              <a:buChar char="•"/>
-            </a:pPr>
-            <a:r>
-              <a:rPr lang="en-US" dirty="0" smtClean="0">
-                <a:solidFill>
-                  <a:schemeClr val="tx1"/>
-                </a:solidFill>
-              </a:rPr>
-              <a:t>Username</a:t>
-            </a:r>
-          </a:p>
-          <a:p>
-            <a:pPr marL="285750" indent="-285750">
-              <a:buFont typeface="Arial" pitchFamily="34" charset="0"/>
-              <a:buChar char="•"/>
-            </a:pPr>
-            <a:r>
-              <a:rPr lang="en-US" dirty="0" err="1" smtClean="0">
-                <a:solidFill>
-                  <a:schemeClr val="tx1"/>
-                </a:solidFill>
-              </a:rPr>
-              <a:t>Dropbox</a:t>
-            </a:r>
-            <a:r>
-              <a:rPr lang="en-US" dirty="0" smtClean="0">
-                <a:solidFill>
-                  <a:schemeClr val="tx1"/>
-                </a:solidFill>
-              </a:rPr>
-              <a:t> </a:t>
-            </a:r>
-            <a:r>
-              <a:rPr lang="en-US" dirty="0" err="1" smtClean="0">
-                <a:solidFill>
-                  <a:schemeClr val="tx1"/>
-                </a:solidFill>
-              </a:rPr>
-              <a:t>Auth</a:t>
-            </a:r>
-            <a:r>
-              <a:rPr lang="en-US" dirty="0" smtClean="0">
-                <a:solidFill>
-                  <a:schemeClr val="tx1"/>
-                </a:solidFill>
-              </a:rPr>
-              <a:t>-token</a:t>
-            </a:r>
-          </a:p>
-          <a:p>
-            <a:pPr marL="285750" indent="-285750">
-              <a:buFont typeface="Arial" pitchFamily="34" charset="0"/>
-              <a:buChar char="•"/>
-            </a:pPr>
-            <a:r>
-              <a:rPr lang="en-US" dirty="0" smtClean="0">
-                <a:solidFill>
-                  <a:schemeClr val="tx1"/>
-                </a:solidFill>
-              </a:rPr>
-              <a:t>Drive </a:t>
-            </a:r>
-            <a:r>
-              <a:rPr lang="en-US" dirty="0" err="1" smtClean="0">
-                <a:solidFill>
-                  <a:schemeClr val="tx1"/>
-                </a:solidFill>
-              </a:rPr>
-              <a:t>Auth</a:t>
-            </a:r>
-            <a:r>
-              <a:rPr lang="en-US" dirty="0" smtClean="0">
-                <a:solidFill>
-                  <a:schemeClr val="tx1"/>
-                </a:solidFill>
-              </a:rPr>
-              <a:t>-token</a:t>
-            </a:r>
-          </a:p>
-          <a:p>
-            <a:pPr marL="285750" indent="-285750">
-              <a:buFont typeface="Arial" pitchFamily="34" charset="0"/>
-              <a:buChar char="•"/>
-            </a:pPr>
-            <a:r>
-              <a:rPr lang="en-US" dirty="0" smtClean="0">
-                <a:solidFill>
-                  <a:schemeClr val="tx1"/>
-                </a:solidFill>
-              </a:rPr>
-              <a:t>Box </a:t>
-            </a:r>
-            <a:r>
-              <a:rPr lang="en-US" dirty="0" err="1" smtClean="0">
-                <a:solidFill>
-                  <a:schemeClr val="tx1"/>
-                </a:solidFill>
-              </a:rPr>
-              <a:t>Auth</a:t>
-            </a:r>
-            <a:r>
-              <a:rPr lang="en-US" dirty="0" smtClean="0">
-                <a:solidFill>
-                  <a:schemeClr val="tx1"/>
-                </a:solidFill>
-              </a:rPr>
-              <a:t>-token</a:t>
-            </a:r>
-            <a:endParaRPr lang="en-US" dirty="0">
-              <a:solidFill>
-                <a:schemeClr val="tx1"/>
-              </a:solidFill>
-            </a:endParaRPr>
-          </a:p>
-        </p:txBody>
-      </p:sp>
-      <p:sp>
-        <p:nvSpPr>
-          <p:cNvPr id="5" name="Rectangle 4"/>
+            <a:pPr algn="ctr"/>
+            <a:r>
+              <a:rPr lang="en-US" sz="1200" dirty="0" smtClean="0"/>
+              <a:t>open application</a:t>
+            </a:r>
+            <a:endParaRPr lang="en-US" sz="1200" dirty="0"/>
+          </a:p>
+        </p:txBody>
+      </p:sp>
+      <p:sp>
+        <p:nvSpPr>
+          <p:cNvPr id="7" name="Diamond 6"/>
           <p:cNvSpPr/>
           <p:nvPr/>
         </p:nvSpPr>
         <p:spPr>
           <a:xfrm>
-            <a:off x="5867400" y="2495550"/>
-            <a:ext cx="2667000" cy="533400"/>
-          </a:xfrm>
-          <a:prstGeom prst="rect">
+            <a:off x="4076700" y="1384957"/>
+            <a:ext cx="304800" cy="304800"/>
+          </a:xfrm>
+          <a:prstGeom prst="diamond">
             <a:avLst/>
           </a:prstGeom>
         </p:spPr>
@@ -4010,11 +3852,7 @@
           <a:lstStyle/>
           <a:p>
             <a:pPr algn="ctr"/>
-            <a:r>
-              <a:rPr lang="en-US" sz="2400" dirty="0" smtClean="0"/>
-              <a:t>File Lists</a:t>
-            </a:r>
-            <a:endParaRPr lang="en-US" sz="2400" dirty="0"/>
+            <a:endParaRPr lang="en-US"/>
           </a:p>
         </p:txBody>
       </p:sp>
@@ -4026,15 +3864,12 @@
         </p:nvSpPr>
         <p:spPr>
           <a:xfrm>
-            <a:off x="5867400" y="3016250"/>
-            <a:ext cx="2667000" cy="1543050"/>
+            <a:off x="6629400" y="1982751"/>
+            <a:ext cx="1295400" cy="392806"/>
           </a:xfrm>
           <a:prstGeom prst="rect">
             <a:avLst/>
           </a:prstGeom>
-          <a:solidFill>
-            <a:schemeClr val="bg1"/>
-          </a:solidFill>
         </p:spPr>
         <p:style>
           <a:lnRef idx="2">
@@ -4056,94 +3891,1859 @@
           <a:bodyPr rtlCol="0" anchor="ctr"/>
           <a:lstStyle/>
           <a:p>
-            <a:pPr marL="285750" indent="-285750">
-              <a:buFont typeface="Arial" pitchFamily="34" charset="0"/>
-              <a:buChar char="•"/>
-            </a:pPr>
-            <a:r>
-              <a:rPr lang="en-US" dirty="0" smtClean="0">
-                <a:solidFill>
-                  <a:schemeClr val="tx1"/>
-                </a:solidFill>
-              </a:rPr>
-              <a:t>Username</a:t>
-            </a:r>
-          </a:p>
-          <a:p>
-            <a:pPr marL="285750" indent="-285750">
-              <a:buFont typeface="Arial" pitchFamily="34" charset="0"/>
-              <a:buChar char="•"/>
-            </a:pPr>
-            <a:r>
-              <a:rPr lang="en-US" dirty="0" err="1" smtClean="0">
-                <a:solidFill>
-                  <a:schemeClr val="tx1"/>
-                </a:solidFill>
-              </a:rPr>
+            <a:pPr algn="ctr"/>
+            <a:r>
+              <a:rPr lang="en-US" sz="1200" dirty="0" smtClean="0"/>
+              <a:t>Authenticate </a:t>
+            </a:r>
+            <a:r>
+              <a:rPr lang="en-US" sz="1200" dirty="0" err="1"/>
+              <a:t>s</a:t>
+            </a:r>
+            <a:r>
+              <a:rPr lang="en-US" sz="1200" dirty="0" err="1" smtClean="0"/>
+              <a:t>kyDrive</a:t>
+            </a:r>
+            <a:endParaRPr lang="en-US" sz="1200" dirty="0"/>
+          </a:p>
+        </p:txBody>
+      </p:sp>
+      <p:sp>
+        <p:nvSpPr>
+          <p:cNvPr id="9" name="Rectangle 8"/>
+          <p:cNvSpPr/>
+          <p:nvPr/>
+        </p:nvSpPr>
+        <p:spPr>
+          <a:xfrm>
+            <a:off x="3464954" y="1969872"/>
+            <a:ext cx="1524000" cy="304800"/>
+          </a:xfrm>
+          <a:prstGeom prst="rect">
+            <a:avLst/>
+          </a:prstGeom>
+        </p:spPr>
+        <p:style>
+          <a:lnRef idx="2">
+            <a:schemeClr val="accent1">
+              <a:shade val="50000"/>
+            </a:schemeClr>
+          </a:lnRef>
+          <a:fillRef idx="1">
+            <a:schemeClr val="accent1"/>
+          </a:fillRef>
+          <a:effectRef idx="0">
+            <a:schemeClr val="accent1"/>
+          </a:effectRef>
+          <a:fontRef idx="minor">
+            <a:schemeClr val="lt1"/>
+          </a:fontRef>
+        </p:style>
+        <p:txBody>
+          <a:bodyPr rtlCol="0" anchor="ctr"/>
+          <a:lstStyle/>
+          <a:p>
+            <a:pPr algn="ctr"/>
+            <a:r>
+              <a:rPr lang="en-US" sz="1200" dirty="0" smtClean="0"/>
+              <a:t>Authenticate Drive</a:t>
+            </a:r>
+            <a:endParaRPr lang="en-US" sz="1200" dirty="0"/>
+          </a:p>
+        </p:txBody>
+      </p:sp>
+      <p:sp>
+        <p:nvSpPr>
+          <p:cNvPr id="10" name="Rectangle 9"/>
+          <p:cNvSpPr/>
+          <p:nvPr/>
+        </p:nvSpPr>
+        <p:spPr>
+          <a:xfrm>
+            <a:off x="342900" y="1983824"/>
+            <a:ext cx="1600200" cy="303727"/>
+          </a:xfrm>
+          <a:prstGeom prst="rect">
+            <a:avLst/>
+          </a:prstGeom>
+        </p:spPr>
+        <p:style>
+          <a:lnRef idx="2">
+            <a:schemeClr val="accent1">
+              <a:shade val="50000"/>
+            </a:schemeClr>
+          </a:lnRef>
+          <a:fillRef idx="1">
+            <a:schemeClr val="accent1"/>
+          </a:fillRef>
+          <a:effectRef idx="0">
+            <a:schemeClr val="accent1"/>
+          </a:effectRef>
+          <a:fontRef idx="minor">
+            <a:schemeClr val="lt1"/>
+          </a:fontRef>
+        </p:style>
+        <p:txBody>
+          <a:bodyPr rtlCol="0" anchor="ctr"/>
+          <a:lstStyle/>
+          <a:p>
+            <a:pPr algn="ctr"/>
+            <a:r>
+              <a:rPr lang="en-US" sz="1200" dirty="0" smtClean="0"/>
+              <a:t>Authenticate </a:t>
+            </a:r>
+            <a:r>
+              <a:rPr lang="en-US" sz="1200" dirty="0" err="1" smtClean="0"/>
               <a:t>Dropbox</a:t>
             </a:r>
-            <a:r>
-              <a:rPr lang="en-US" dirty="0" smtClean="0">
-                <a:solidFill>
-                  <a:schemeClr val="tx1"/>
-                </a:solidFill>
-              </a:rPr>
-              <a:t> File list</a:t>
-            </a:r>
-          </a:p>
-          <a:p>
-            <a:pPr marL="285750" indent="-285750">
-              <a:buFont typeface="Arial" pitchFamily="34" charset="0"/>
-              <a:buChar char="•"/>
-            </a:pPr>
-            <a:r>
-              <a:rPr lang="en-US" dirty="0" smtClean="0">
-                <a:solidFill>
-                  <a:schemeClr val="tx1"/>
-                </a:solidFill>
-              </a:rPr>
-              <a:t>Drive </a:t>
-            </a:r>
-            <a:r>
-              <a:rPr lang="en-US" dirty="0">
-                <a:solidFill>
-                  <a:schemeClr val="tx1"/>
-                </a:solidFill>
-              </a:rPr>
-              <a:t>File list</a:t>
-            </a:r>
-            <a:endParaRPr lang="en-US" dirty="0" smtClean="0">
-              <a:solidFill>
-                <a:schemeClr val="tx1"/>
-              </a:solidFill>
-            </a:endParaRPr>
-          </a:p>
-          <a:p>
-            <a:pPr marL="285750" indent="-285750">
-              <a:buFont typeface="Arial" pitchFamily="34" charset="0"/>
-              <a:buChar char="•"/>
-            </a:pPr>
-            <a:r>
-              <a:rPr lang="en-US" dirty="0">
-                <a:solidFill>
-                  <a:schemeClr val="tx1"/>
-                </a:solidFill>
-              </a:rPr>
-              <a:t>Box File list</a:t>
-            </a:r>
-          </a:p>
-        </p:txBody>
-      </p:sp>
-      <p:sp>
-        <p:nvSpPr>
-          <p:cNvPr id="2" name="TextBox 1"/>
+            <a:endParaRPr lang="en-US" sz="1200" dirty="0"/>
+          </a:p>
+        </p:txBody>
+      </p:sp>
+      <p:sp>
+        <p:nvSpPr>
+          <p:cNvPr id="11" name="Diamond 10"/>
+          <p:cNvSpPr/>
+          <p:nvPr/>
+        </p:nvSpPr>
+        <p:spPr>
+          <a:xfrm>
+            <a:off x="4076700" y="3560269"/>
+            <a:ext cx="304800" cy="304800"/>
+          </a:xfrm>
+          <a:prstGeom prst="diamond">
+            <a:avLst/>
+          </a:prstGeom>
+        </p:spPr>
+        <p:style>
+          <a:lnRef idx="2">
+            <a:schemeClr val="accent1">
+              <a:shade val="50000"/>
+            </a:schemeClr>
+          </a:lnRef>
+          <a:fillRef idx="1">
+            <a:schemeClr val="accent1"/>
+          </a:fillRef>
+          <a:effectRef idx="0">
+            <a:schemeClr val="accent1"/>
+          </a:effectRef>
+          <a:fontRef idx="minor">
+            <a:schemeClr val="lt1"/>
+          </a:fontRef>
+        </p:style>
+        <p:txBody>
+          <a:bodyPr rtlCol="0" anchor="ctr"/>
+          <a:lstStyle/>
+          <a:p>
+            <a:pPr algn="ctr"/>
+            <a:endParaRPr lang="en-US"/>
+          </a:p>
+        </p:txBody>
+      </p:sp>
+      <p:sp>
+        <p:nvSpPr>
+          <p:cNvPr id="12" name="Rectangle 11"/>
+          <p:cNvSpPr/>
+          <p:nvPr/>
+        </p:nvSpPr>
+        <p:spPr>
+          <a:xfrm>
+            <a:off x="5839496" y="4145856"/>
+            <a:ext cx="1524000" cy="304800"/>
+          </a:xfrm>
+          <a:prstGeom prst="rect">
+            <a:avLst/>
+          </a:prstGeom>
+        </p:spPr>
+        <p:style>
+          <a:lnRef idx="2">
+            <a:schemeClr val="accent1">
+              <a:shade val="50000"/>
+            </a:schemeClr>
+          </a:lnRef>
+          <a:fillRef idx="1">
+            <a:schemeClr val="accent1"/>
+          </a:fillRef>
+          <a:effectRef idx="0">
+            <a:schemeClr val="accent1"/>
+          </a:effectRef>
+          <a:fontRef idx="minor">
+            <a:schemeClr val="lt1"/>
+          </a:fontRef>
+        </p:style>
+        <p:txBody>
+          <a:bodyPr rtlCol="0" anchor="ctr"/>
+          <a:lstStyle/>
+          <a:p>
+            <a:pPr algn="ctr"/>
+            <a:r>
+              <a:rPr lang="en-US" sz="1200" dirty="0" smtClean="0"/>
+              <a:t>Upload</a:t>
+            </a:r>
+            <a:endParaRPr lang="en-US" sz="1200" dirty="0"/>
+          </a:p>
+        </p:txBody>
+      </p:sp>
+      <p:sp>
+        <p:nvSpPr>
+          <p:cNvPr id="13" name="Rectangle 12"/>
+          <p:cNvSpPr/>
+          <p:nvPr/>
+        </p:nvSpPr>
+        <p:spPr>
+          <a:xfrm>
+            <a:off x="3464954" y="4145856"/>
+            <a:ext cx="1524000" cy="304800"/>
+          </a:xfrm>
+          <a:prstGeom prst="rect">
+            <a:avLst/>
+          </a:prstGeom>
+        </p:spPr>
+        <p:style>
+          <a:lnRef idx="2">
+            <a:schemeClr val="accent1">
+              <a:shade val="50000"/>
+            </a:schemeClr>
+          </a:lnRef>
+          <a:fillRef idx="1">
+            <a:schemeClr val="accent1"/>
+          </a:fillRef>
+          <a:effectRef idx="0">
+            <a:schemeClr val="accent1"/>
+          </a:effectRef>
+          <a:fontRef idx="minor">
+            <a:schemeClr val="lt1"/>
+          </a:fontRef>
+        </p:style>
+        <p:txBody>
+          <a:bodyPr rtlCol="0" anchor="ctr"/>
+          <a:lstStyle/>
+          <a:p>
+            <a:pPr algn="ctr"/>
+            <a:r>
+              <a:rPr lang="en-US" sz="1200" dirty="0" smtClean="0"/>
+              <a:t>Download</a:t>
+            </a:r>
+            <a:endParaRPr lang="en-US" sz="1200" dirty="0"/>
+          </a:p>
+        </p:txBody>
+      </p:sp>
+      <p:sp>
+        <p:nvSpPr>
+          <p:cNvPr id="14" name="Rectangle 13"/>
+          <p:cNvSpPr/>
+          <p:nvPr/>
+        </p:nvSpPr>
+        <p:spPr>
+          <a:xfrm>
+            <a:off x="1066800" y="4145856"/>
+            <a:ext cx="1524000" cy="304800"/>
+          </a:xfrm>
+          <a:prstGeom prst="rect">
+            <a:avLst/>
+          </a:prstGeom>
+        </p:spPr>
+        <p:style>
+          <a:lnRef idx="2">
+            <a:schemeClr val="accent1">
+              <a:shade val="50000"/>
+            </a:schemeClr>
+          </a:lnRef>
+          <a:fillRef idx="1">
+            <a:schemeClr val="accent1"/>
+          </a:fillRef>
+          <a:effectRef idx="0">
+            <a:schemeClr val="accent1"/>
+          </a:effectRef>
+          <a:fontRef idx="minor">
+            <a:schemeClr val="lt1"/>
+          </a:fontRef>
+        </p:style>
+        <p:txBody>
+          <a:bodyPr rtlCol="0" anchor="ctr"/>
+          <a:lstStyle/>
+          <a:p>
+            <a:pPr algn="ctr"/>
+            <a:r>
+              <a:rPr lang="en-US" sz="1200" dirty="0" smtClean="0"/>
+              <a:t>Delete</a:t>
+            </a:r>
+            <a:endParaRPr lang="en-US" sz="1200" dirty="0"/>
+          </a:p>
+        </p:txBody>
+      </p:sp>
+      <p:cxnSp>
+        <p:nvCxnSpPr>
+          <p:cNvPr id="30" name="Straight Arrow Connector 29"/>
+          <p:cNvCxnSpPr>
+            <a:stCxn id="5" idx="2"/>
+            <a:endCxn id="7" idx="0"/>
+          </p:cNvCxnSpPr>
+          <p:nvPr/>
+        </p:nvCxnSpPr>
+        <p:spPr>
+          <a:xfrm>
+            <a:off x="4229100" y="1002606"/>
+            <a:ext cx="0" cy="382351"/>
+          </a:xfrm>
+          <a:prstGeom prst="straightConnector1">
+            <a:avLst/>
+          </a:prstGeom>
+          <a:ln>
+            <a:tailEnd type="arrow"/>
+          </a:ln>
+        </p:spPr>
+        <p:style>
+          <a:lnRef idx="1">
+            <a:schemeClr val="accent1"/>
+          </a:lnRef>
+          <a:fillRef idx="0">
+            <a:schemeClr val="accent1"/>
+          </a:fillRef>
+          <a:effectRef idx="0">
+            <a:schemeClr val="accent1"/>
+          </a:effectRef>
+          <a:fontRef idx="minor">
+            <a:schemeClr val="tx1"/>
+          </a:fontRef>
+        </p:style>
+      </p:cxnSp>
+      <p:cxnSp>
+        <p:nvCxnSpPr>
+          <p:cNvPr id="38" name="Straight Arrow Connector 37"/>
+          <p:cNvCxnSpPr>
+            <a:stCxn id="4" idx="4"/>
+            <a:endCxn id="5" idx="0"/>
+          </p:cNvCxnSpPr>
+          <p:nvPr/>
+        </p:nvCxnSpPr>
+        <p:spPr>
+          <a:xfrm flipH="1">
+            <a:off x="4229100" y="302853"/>
+            <a:ext cx="10464" cy="394953"/>
+          </a:xfrm>
+          <a:prstGeom prst="straightConnector1">
+            <a:avLst/>
+          </a:prstGeom>
+          <a:ln>
+            <a:tailEnd type="arrow"/>
+          </a:ln>
+        </p:spPr>
+        <p:style>
+          <a:lnRef idx="1">
+            <a:schemeClr val="accent1"/>
+          </a:lnRef>
+          <a:fillRef idx="0">
+            <a:schemeClr val="accent1"/>
+          </a:fillRef>
+          <a:effectRef idx="0">
+            <a:schemeClr val="accent1"/>
+          </a:effectRef>
+          <a:fontRef idx="minor">
+            <a:schemeClr val="tx1"/>
+          </a:fontRef>
+        </p:style>
+      </p:cxnSp>
+      <p:cxnSp>
+        <p:nvCxnSpPr>
+          <p:cNvPr id="42" name="Straight Arrow Connector 41"/>
+          <p:cNvCxnSpPr>
+            <a:stCxn id="7" idx="2"/>
+            <a:endCxn id="9" idx="0"/>
+          </p:cNvCxnSpPr>
+          <p:nvPr/>
+        </p:nvCxnSpPr>
+        <p:spPr>
+          <a:xfrm flipH="1">
+            <a:off x="4226954" y="1689757"/>
+            <a:ext cx="2146" cy="280115"/>
+          </a:xfrm>
+          <a:prstGeom prst="straightConnector1">
+            <a:avLst/>
+          </a:prstGeom>
+          <a:ln>
+            <a:tailEnd type="arrow"/>
+          </a:ln>
+        </p:spPr>
+        <p:style>
+          <a:lnRef idx="1">
+            <a:schemeClr val="accent1"/>
+          </a:lnRef>
+          <a:fillRef idx="0">
+            <a:schemeClr val="accent1"/>
+          </a:fillRef>
+          <a:effectRef idx="0">
+            <a:schemeClr val="accent1"/>
+          </a:effectRef>
+          <a:fontRef idx="minor">
+            <a:schemeClr val="tx1"/>
+          </a:fontRef>
+        </p:style>
+      </p:cxnSp>
+      <p:cxnSp>
+        <p:nvCxnSpPr>
+          <p:cNvPr id="55" name="Straight Connector 54"/>
+          <p:cNvCxnSpPr/>
+          <p:nvPr/>
+        </p:nvCxnSpPr>
+        <p:spPr>
+          <a:xfrm>
+            <a:off x="5181600" y="1537357"/>
+            <a:ext cx="0" cy="838200"/>
+          </a:xfrm>
+          <a:prstGeom prst="line">
+            <a:avLst/>
+          </a:prstGeom>
+        </p:spPr>
+        <p:style>
+          <a:lnRef idx="1">
+            <a:schemeClr val="accent1"/>
+          </a:lnRef>
+          <a:fillRef idx="0">
+            <a:schemeClr val="accent1"/>
+          </a:fillRef>
+          <a:effectRef idx="0">
+            <a:schemeClr val="accent1"/>
+          </a:effectRef>
+          <a:fontRef idx="minor">
+            <a:schemeClr val="tx1"/>
+          </a:fontRef>
+        </p:style>
+      </p:cxnSp>
+      <p:cxnSp>
+        <p:nvCxnSpPr>
+          <p:cNvPr id="58" name="Straight Arrow Connector 57"/>
+          <p:cNvCxnSpPr>
+            <a:stCxn id="9" idx="2"/>
+            <a:endCxn id="79" idx="0"/>
+          </p:cNvCxnSpPr>
+          <p:nvPr/>
+        </p:nvCxnSpPr>
+        <p:spPr>
+          <a:xfrm>
+            <a:off x="4226954" y="2274672"/>
+            <a:ext cx="7378" cy="544728"/>
+          </a:xfrm>
+          <a:prstGeom prst="straightConnector1">
+            <a:avLst/>
+          </a:prstGeom>
+          <a:ln>
+            <a:tailEnd type="arrow"/>
+          </a:ln>
+        </p:spPr>
+        <p:style>
+          <a:lnRef idx="1">
+            <a:schemeClr val="accent1"/>
+          </a:lnRef>
+          <a:fillRef idx="0">
+            <a:schemeClr val="accent1"/>
+          </a:fillRef>
+          <a:effectRef idx="0">
+            <a:schemeClr val="accent1"/>
+          </a:effectRef>
+          <a:fontRef idx="minor">
+            <a:schemeClr val="tx1"/>
+          </a:fontRef>
+        </p:style>
+      </p:cxnSp>
+      <p:cxnSp>
+        <p:nvCxnSpPr>
+          <p:cNvPr id="62" name="Straight Arrow Connector 61"/>
+          <p:cNvCxnSpPr/>
+          <p:nvPr/>
+        </p:nvCxnSpPr>
+        <p:spPr>
+          <a:xfrm flipH="1">
+            <a:off x="4226954" y="2375557"/>
+            <a:ext cx="954646" cy="0"/>
+          </a:xfrm>
+          <a:prstGeom prst="straightConnector1">
+            <a:avLst/>
+          </a:prstGeom>
+          <a:ln>
+            <a:tailEnd type="arrow"/>
+          </a:ln>
+        </p:spPr>
+        <p:style>
+          <a:lnRef idx="1">
+            <a:schemeClr val="accent1"/>
+          </a:lnRef>
+          <a:fillRef idx="0">
+            <a:schemeClr val="accent1"/>
+          </a:fillRef>
+          <a:effectRef idx="0">
+            <a:schemeClr val="accent1"/>
+          </a:effectRef>
+          <a:fontRef idx="minor">
+            <a:schemeClr val="tx1"/>
+          </a:fontRef>
+        </p:style>
+      </p:cxnSp>
+      <p:cxnSp>
+        <p:nvCxnSpPr>
+          <p:cNvPr id="66" name="Straight Connector 65"/>
+          <p:cNvCxnSpPr>
+            <a:endCxn id="7" idx="3"/>
+          </p:cNvCxnSpPr>
+          <p:nvPr/>
+        </p:nvCxnSpPr>
+        <p:spPr>
+          <a:xfrm flipH="1">
+            <a:off x="4381500" y="1537357"/>
+            <a:ext cx="800100" cy="0"/>
+          </a:xfrm>
+          <a:prstGeom prst="line">
+            <a:avLst/>
+          </a:prstGeom>
+        </p:spPr>
+        <p:style>
+          <a:lnRef idx="1">
+            <a:schemeClr val="accent1"/>
+          </a:lnRef>
+          <a:fillRef idx="0">
+            <a:schemeClr val="accent1"/>
+          </a:fillRef>
+          <a:effectRef idx="0">
+            <a:schemeClr val="accent1"/>
+          </a:effectRef>
+          <a:fontRef idx="minor">
+            <a:schemeClr val="tx1"/>
+          </a:fontRef>
+        </p:style>
+      </p:cxnSp>
+      <p:cxnSp>
+        <p:nvCxnSpPr>
+          <p:cNvPr id="72" name="Straight Arrow Connector 71"/>
+          <p:cNvCxnSpPr>
+            <a:stCxn id="95" idx="2"/>
+            <a:endCxn id="8" idx="0"/>
+          </p:cNvCxnSpPr>
+          <p:nvPr/>
+        </p:nvCxnSpPr>
+        <p:spPr>
+          <a:xfrm flipH="1">
+            <a:off x="7277100" y="1689757"/>
+            <a:ext cx="5433" cy="292994"/>
+          </a:xfrm>
+          <a:prstGeom prst="straightConnector1">
+            <a:avLst/>
+          </a:prstGeom>
+          <a:ln>
+            <a:tailEnd type="arrow"/>
+          </a:ln>
+        </p:spPr>
+        <p:style>
+          <a:lnRef idx="1">
+            <a:schemeClr val="accent1"/>
+          </a:lnRef>
+          <a:fillRef idx="0">
+            <a:schemeClr val="accent1"/>
+          </a:fillRef>
+          <a:effectRef idx="0">
+            <a:schemeClr val="accent1"/>
+          </a:effectRef>
+          <a:fontRef idx="minor">
+            <a:schemeClr val="tx1"/>
+          </a:fontRef>
+        </p:style>
+      </p:cxnSp>
+      <p:cxnSp>
+        <p:nvCxnSpPr>
+          <p:cNvPr id="78" name="Straight Connector 77"/>
+          <p:cNvCxnSpPr/>
+          <p:nvPr/>
+        </p:nvCxnSpPr>
+        <p:spPr>
+          <a:xfrm>
+            <a:off x="8229600" y="1537357"/>
+            <a:ext cx="0" cy="983087"/>
+          </a:xfrm>
+          <a:prstGeom prst="line">
+            <a:avLst/>
+          </a:prstGeom>
+        </p:spPr>
+        <p:style>
+          <a:lnRef idx="1">
+            <a:schemeClr val="accent1"/>
+          </a:lnRef>
+          <a:fillRef idx="0">
+            <a:schemeClr val="accent1"/>
+          </a:fillRef>
+          <a:effectRef idx="0">
+            <a:schemeClr val="accent1"/>
+          </a:effectRef>
+          <a:fontRef idx="minor">
+            <a:schemeClr val="tx1"/>
+          </a:fontRef>
+        </p:style>
+      </p:cxnSp>
+      <p:cxnSp>
+        <p:nvCxnSpPr>
+          <p:cNvPr id="83" name="Straight Arrow Connector 82"/>
+          <p:cNvCxnSpPr/>
+          <p:nvPr/>
+        </p:nvCxnSpPr>
+        <p:spPr>
+          <a:xfrm flipH="1">
+            <a:off x="4239564" y="2520444"/>
+            <a:ext cx="3990036" cy="0"/>
+          </a:xfrm>
+          <a:prstGeom prst="straightConnector1">
+            <a:avLst/>
+          </a:prstGeom>
+          <a:ln>
+            <a:tailEnd type="arrow"/>
+          </a:ln>
+        </p:spPr>
+        <p:style>
+          <a:lnRef idx="1">
+            <a:schemeClr val="accent1"/>
+          </a:lnRef>
+          <a:fillRef idx="0">
+            <a:schemeClr val="accent1"/>
+          </a:fillRef>
+          <a:effectRef idx="0">
+            <a:schemeClr val="accent1"/>
+          </a:effectRef>
+          <a:fontRef idx="minor">
+            <a:schemeClr val="tx1"/>
+          </a:fontRef>
+        </p:style>
+      </p:cxnSp>
+      <p:cxnSp>
+        <p:nvCxnSpPr>
+          <p:cNvPr id="92" name="Straight Connector 91"/>
+          <p:cNvCxnSpPr/>
+          <p:nvPr/>
+        </p:nvCxnSpPr>
+        <p:spPr>
+          <a:xfrm>
+            <a:off x="4226954" y="1232557"/>
+            <a:ext cx="3055579" cy="0"/>
+          </a:xfrm>
+          <a:prstGeom prst="line">
+            <a:avLst/>
+          </a:prstGeom>
+        </p:spPr>
+        <p:style>
+          <a:lnRef idx="1">
+            <a:schemeClr val="accent1"/>
+          </a:lnRef>
+          <a:fillRef idx="0">
+            <a:schemeClr val="accent1"/>
+          </a:fillRef>
+          <a:effectRef idx="0">
+            <a:schemeClr val="accent1"/>
+          </a:effectRef>
+          <a:fontRef idx="minor">
+            <a:schemeClr val="tx1"/>
+          </a:fontRef>
+        </p:style>
+      </p:cxnSp>
+      <p:sp>
+        <p:nvSpPr>
+          <p:cNvPr id="95" name="Diamond 94"/>
+          <p:cNvSpPr/>
+          <p:nvPr/>
+        </p:nvSpPr>
+        <p:spPr>
+          <a:xfrm>
+            <a:off x="7130133" y="1384957"/>
+            <a:ext cx="304800" cy="304800"/>
+          </a:xfrm>
+          <a:prstGeom prst="diamond">
+            <a:avLst/>
+          </a:prstGeom>
+        </p:spPr>
+        <p:style>
+          <a:lnRef idx="2">
+            <a:schemeClr val="accent1">
+              <a:shade val="50000"/>
+            </a:schemeClr>
+          </a:lnRef>
+          <a:fillRef idx="1">
+            <a:schemeClr val="accent1"/>
+          </a:fillRef>
+          <a:effectRef idx="0">
+            <a:schemeClr val="accent1"/>
+          </a:effectRef>
+          <a:fontRef idx="minor">
+            <a:schemeClr val="lt1"/>
+          </a:fontRef>
+        </p:style>
+        <p:txBody>
+          <a:bodyPr rtlCol="0" anchor="ctr"/>
+          <a:lstStyle/>
+          <a:p>
+            <a:pPr algn="ctr"/>
+            <a:endParaRPr lang="en-US"/>
+          </a:p>
+        </p:txBody>
+      </p:sp>
+      <p:cxnSp>
+        <p:nvCxnSpPr>
+          <p:cNvPr id="98" name="Straight Arrow Connector 97"/>
+          <p:cNvCxnSpPr>
+            <a:endCxn id="95" idx="0"/>
+          </p:cNvCxnSpPr>
+          <p:nvPr/>
+        </p:nvCxnSpPr>
+        <p:spPr>
+          <a:xfrm>
+            <a:off x="7282533" y="1232557"/>
+            <a:ext cx="0" cy="152400"/>
+          </a:xfrm>
+          <a:prstGeom prst="straightConnector1">
+            <a:avLst/>
+          </a:prstGeom>
+          <a:ln>
+            <a:tailEnd type="arrow"/>
+          </a:ln>
+        </p:spPr>
+        <p:style>
+          <a:lnRef idx="1">
+            <a:schemeClr val="accent1"/>
+          </a:lnRef>
+          <a:fillRef idx="0">
+            <a:schemeClr val="accent1"/>
+          </a:fillRef>
+          <a:effectRef idx="0">
+            <a:schemeClr val="accent1"/>
+          </a:effectRef>
+          <a:fontRef idx="minor">
+            <a:schemeClr val="tx1"/>
+          </a:fontRef>
+        </p:style>
+      </p:cxnSp>
+      <p:cxnSp>
+        <p:nvCxnSpPr>
+          <p:cNvPr id="101" name="Straight Connector 100"/>
+          <p:cNvCxnSpPr>
+            <a:stCxn id="95" idx="3"/>
+          </p:cNvCxnSpPr>
+          <p:nvPr/>
+        </p:nvCxnSpPr>
+        <p:spPr>
+          <a:xfrm>
+            <a:off x="7434933" y="1537357"/>
+            <a:ext cx="794667" cy="0"/>
+          </a:xfrm>
+          <a:prstGeom prst="line">
+            <a:avLst/>
+          </a:prstGeom>
+        </p:spPr>
+        <p:style>
+          <a:lnRef idx="1">
+            <a:schemeClr val="accent1"/>
+          </a:lnRef>
+          <a:fillRef idx="0">
+            <a:schemeClr val="accent1"/>
+          </a:fillRef>
+          <a:effectRef idx="0">
+            <a:schemeClr val="accent1"/>
+          </a:effectRef>
+          <a:fontRef idx="minor">
+            <a:schemeClr val="tx1"/>
+          </a:fontRef>
+        </p:style>
+      </p:cxnSp>
+      <p:cxnSp>
+        <p:nvCxnSpPr>
+          <p:cNvPr id="108" name="Straight Arrow Connector 107"/>
+          <p:cNvCxnSpPr>
+            <a:stCxn id="8" idx="2"/>
+          </p:cNvCxnSpPr>
+          <p:nvPr/>
+        </p:nvCxnSpPr>
+        <p:spPr>
+          <a:xfrm>
+            <a:off x="7277100" y="2375557"/>
+            <a:ext cx="5433" cy="144887"/>
+          </a:xfrm>
+          <a:prstGeom prst="straightConnector1">
+            <a:avLst/>
+          </a:prstGeom>
+          <a:ln>
+            <a:tailEnd type="arrow"/>
+          </a:ln>
+        </p:spPr>
+        <p:style>
+          <a:lnRef idx="1">
+            <a:schemeClr val="accent1"/>
+          </a:lnRef>
+          <a:fillRef idx="0">
+            <a:schemeClr val="accent1"/>
+          </a:fillRef>
+          <a:effectRef idx="0">
+            <a:schemeClr val="accent1"/>
+          </a:effectRef>
+          <a:fontRef idx="minor">
+            <a:schemeClr val="tx1"/>
+          </a:fontRef>
+        </p:style>
+      </p:cxnSp>
+      <p:sp>
+        <p:nvSpPr>
+          <p:cNvPr id="110" name="Diamond 109"/>
+          <p:cNvSpPr/>
+          <p:nvPr/>
+        </p:nvSpPr>
+        <p:spPr>
+          <a:xfrm>
+            <a:off x="990600" y="1371600"/>
+            <a:ext cx="304800" cy="304800"/>
+          </a:xfrm>
+          <a:prstGeom prst="diamond">
+            <a:avLst/>
+          </a:prstGeom>
+        </p:spPr>
+        <p:style>
+          <a:lnRef idx="2">
+            <a:schemeClr val="accent1">
+              <a:shade val="50000"/>
+            </a:schemeClr>
+          </a:lnRef>
+          <a:fillRef idx="1">
+            <a:schemeClr val="accent1"/>
+          </a:fillRef>
+          <a:effectRef idx="0">
+            <a:schemeClr val="accent1"/>
+          </a:effectRef>
+          <a:fontRef idx="minor">
+            <a:schemeClr val="lt1"/>
+          </a:fontRef>
+        </p:style>
+        <p:txBody>
+          <a:bodyPr rtlCol="0" anchor="ctr"/>
+          <a:lstStyle/>
+          <a:p>
+            <a:pPr algn="ctr"/>
+            <a:endParaRPr lang="en-US"/>
+          </a:p>
+        </p:txBody>
+      </p:sp>
+      <p:cxnSp>
+        <p:nvCxnSpPr>
+          <p:cNvPr id="112" name="Straight Connector 111"/>
+          <p:cNvCxnSpPr/>
+          <p:nvPr/>
+        </p:nvCxnSpPr>
+        <p:spPr>
+          <a:xfrm flipH="1">
+            <a:off x="1143000" y="1232557"/>
+            <a:ext cx="3083954" cy="0"/>
+          </a:xfrm>
+          <a:prstGeom prst="line">
+            <a:avLst/>
+          </a:prstGeom>
+        </p:spPr>
+        <p:style>
+          <a:lnRef idx="1">
+            <a:schemeClr val="accent1"/>
+          </a:lnRef>
+          <a:fillRef idx="0">
+            <a:schemeClr val="accent1"/>
+          </a:fillRef>
+          <a:effectRef idx="0">
+            <a:schemeClr val="accent1"/>
+          </a:effectRef>
+          <a:fontRef idx="minor">
+            <a:schemeClr val="tx1"/>
+          </a:fontRef>
+        </p:style>
+      </p:cxnSp>
+      <p:cxnSp>
+        <p:nvCxnSpPr>
+          <p:cNvPr id="115" name="Straight Arrow Connector 114"/>
+          <p:cNvCxnSpPr>
+            <a:endCxn id="110" idx="0"/>
+          </p:cNvCxnSpPr>
+          <p:nvPr/>
+        </p:nvCxnSpPr>
+        <p:spPr>
+          <a:xfrm>
+            <a:off x="1143000" y="1219200"/>
+            <a:ext cx="0" cy="152400"/>
+          </a:xfrm>
+          <a:prstGeom prst="straightConnector1">
+            <a:avLst/>
+          </a:prstGeom>
+          <a:ln>
+            <a:tailEnd type="arrow"/>
+          </a:ln>
+        </p:spPr>
+        <p:style>
+          <a:lnRef idx="1">
+            <a:schemeClr val="accent1"/>
+          </a:lnRef>
+          <a:fillRef idx="0">
+            <a:schemeClr val="accent1"/>
+          </a:fillRef>
+          <a:effectRef idx="0">
+            <a:schemeClr val="accent1"/>
+          </a:effectRef>
+          <a:fontRef idx="minor">
+            <a:schemeClr val="tx1"/>
+          </a:fontRef>
+        </p:style>
+      </p:cxnSp>
+      <p:cxnSp>
+        <p:nvCxnSpPr>
+          <p:cNvPr id="118" name="Straight Arrow Connector 117"/>
+          <p:cNvCxnSpPr>
+            <a:stCxn id="110" idx="2"/>
+          </p:cNvCxnSpPr>
+          <p:nvPr/>
+        </p:nvCxnSpPr>
+        <p:spPr>
+          <a:xfrm>
+            <a:off x="1143000" y="1676400"/>
+            <a:ext cx="0" cy="307424"/>
+          </a:xfrm>
+          <a:prstGeom prst="straightConnector1">
+            <a:avLst/>
+          </a:prstGeom>
+          <a:ln>
+            <a:tailEnd type="arrow"/>
+          </a:ln>
+        </p:spPr>
+        <p:style>
+          <a:lnRef idx="1">
+            <a:schemeClr val="accent1"/>
+          </a:lnRef>
+          <a:fillRef idx="0">
+            <a:schemeClr val="accent1"/>
+          </a:fillRef>
+          <a:effectRef idx="0">
+            <a:schemeClr val="accent1"/>
+          </a:effectRef>
+          <a:fontRef idx="minor">
+            <a:schemeClr val="tx1"/>
+          </a:fontRef>
+        </p:style>
+      </p:cxnSp>
+      <p:cxnSp>
+        <p:nvCxnSpPr>
+          <p:cNvPr id="125" name="Straight Connector 124"/>
+          <p:cNvCxnSpPr>
+            <a:stCxn id="110" idx="3"/>
+          </p:cNvCxnSpPr>
+          <p:nvPr/>
+        </p:nvCxnSpPr>
+        <p:spPr>
+          <a:xfrm>
+            <a:off x="1295400" y="1524000"/>
+            <a:ext cx="1147293" cy="0"/>
+          </a:xfrm>
+          <a:prstGeom prst="line">
+            <a:avLst/>
+          </a:prstGeom>
+        </p:spPr>
+        <p:style>
+          <a:lnRef idx="1">
+            <a:schemeClr val="accent1"/>
+          </a:lnRef>
+          <a:fillRef idx="0">
+            <a:schemeClr val="accent1"/>
+          </a:fillRef>
+          <a:effectRef idx="0">
+            <a:schemeClr val="accent1"/>
+          </a:effectRef>
+          <a:fontRef idx="minor">
+            <a:schemeClr val="tx1"/>
+          </a:fontRef>
+        </p:style>
+      </p:cxnSp>
+      <p:cxnSp>
+        <p:nvCxnSpPr>
+          <p:cNvPr id="131" name="Straight Connector 130"/>
+          <p:cNvCxnSpPr>
+            <a:stCxn id="10" idx="2"/>
+          </p:cNvCxnSpPr>
+          <p:nvPr/>
+        </p:nvCxnSpPr>
+        <p:spPr>
+          <a:xfrm>
+            <a:off x="1143000" y="2287551"/>
+            <a:ext cx="0" cy="221087"/>
+          </a:xfrm>
+          <a:prstGeom prst="line">
+            <a:avLst/>
+          </a:prstGeom>
+        </p:spPr>
+        <p:style>
+          <a:lnRef idx="1">
+            <a:schemeClr val="accent1"/>
+          </a:lnRef>
+          <a:fillRef idx="0">
+            <a:schemeClr val="accent1"/>
+          </a:fillRef>
+          <a:effectRef idx="0">
+            <a:schemeClr val="accent1"/>
+          </a:effectRef>
+          <a:fontRef idx="minor">
+            <a:schemeClr val="tx1"/>
+          </a:fontRef>
+        </p:style>
+      </p:cxnSp>
+      <p:cxnSp>
+        <p:nvCxnSpPr>
+          <p:cNvPr id="134" name="Straight Arrow Connector 133"/>
+          <p:cNvCxnSpPr/>
+          <p:nvPr/>
+        </p:nvCxnSpPr>
+        <p:spPr>
+          <a:xfrm>
+            <a:off x="1143000" y="2508638"/>
+            <a:ext cx="3096564" cy="11806"/>
+          </a:xfrm>
+          <a:prstGeom prst="straightConnector1">
+            <a:avLst/>
+          </a:prstGeom>
+          <a:ln>
+            <a:tailEnd type="arrow"/>
+          </a:ln>
+        </p:spPr>
+        <p:style>
+          <a:lnRef idx="1">
+            <a:schemeClr val="accent1"/>
+          </a:lnRef>
+          <a:fillRef idx="0">
+            <a:schemeClr val="accent1"/>
+          </a:fillRef>
+          <a:effectRef idx="0">
+            <a:schemeClr val="accent1"/>
+          </a:effectRef>
+          <a:fontRef idx="minor">
+            <a:schemeClr val="tx1"/>
+          </a:fontRef>
+        </p:style>
+      </p:cxnSp>
+      <p:cxnSp>
+        <p:nvCxnSpPr>
+          <p:cNvPr id="137" name="Straight Arrow Connector 136"/>
+          <p:cNvCxnSpPr/>
+          <p:nvPr/>
+        </p:nvCxnSpPr>
+        <p:spPr>
+          <a:xfrm>
+            <a:off x="2442693" y="1537357"/>
+            <a:ext cx="0" cy="983087"/>
+          </a:xfrm>
+          <a:prstGeom prst="straightConnector1">
+            <a:avLst/>
+          </a:prstGeom>
+          <a:ln>
+            <a:tailEnd type="arrow"/>
+          </a:ln>
+        </p:spPr>
+        <p:style>
+          <a:lnRef idx="1">
+            <a:schemeClr val="accent1"/>
+          </a:lnRef>
+          <a:fillRef idx="0">
+            <a:schemeClr val="accent1"/>
+          </a:fillRef>
+          <a:effectRef idx="0">
+            <a:schemeClr val="accent1"/>
+          </a:effectRef>
+          <a:fontRef idx="minor">
+            <a:schemeClr val="tx1"/>
+          </a:fontRef>
+        </p:style>
+      </p:cxnSp>
+      <p:cxnSp>
+        <p:nvCxnSpPr>
+          <p:cNvPr id="140" name="Straight Arrow Connector 139"/>
+          <p:cNvCxnSpPr>
+            <a:stCxn id="11" idx="2"/>
+            <a:endCxn id="13" idx="0"/>
+          </p:cNvCxnSpPr>
+          <p:nvPr/>
+        </p:nvCxnSpPr>
+        <p:spPr>
+          <a:xfrm flipH="1">
+            <a:off x="4226954" y="3865069"/>
+            <a:ext cx="2146" cy="280787"/>
+          </a:xfrm>
+          <a:prstGeom prst="straightConnector1">
+            <a:avLst/>
+          </a:prstGeom>
+          <a:ln>
+            <a:tailEnd type="arrow"/>
+          </a:ln>
+        </p:spPr>
+        <p:style>
+          <a:lnRef idx="1">
+            <a:schemeClr val="accent1"/>
+          </a:lnRef>
+          <a:fillRef idx="0">
+            <a:schemeClr val="accent1"/>
+          </a:fillRef>
+          <a:effectRef idx="0">
+            <a:schemeClr val="accent1"/>
+          </a:effectRef>
+          <a:fontRef idx="minor">
+            <a:schemeClr val="tx1"/>
+          </a:fontRef>
+        </p:style>
+      </p:cxnSp>
+      <p:cxnSp>
+        <p:nvCxnSpPr>
+          <p:cNvPr id="146" name="Straight Connector 145"/>
+          <p:cNvCxnSpPr>
+            <a:stCxn id="11" idx="1"/>
+          </p:cNvCxnSpPr>
+          <p:nvPr/>
+        </p:nvCxnSpPr>
+        <p:spPr>
+          <a:xfrm flipH="1">
+            <a:off x="1828800" y="3712669"/>
+            <a:ext cx="2247900" cy="0"/>
+          </a:xfrm>
+          <a:prstGeom prst="line">
+            <a:avLst/>
+          </a:prstGeom>
+        </p:spPr>
+        <p:style>
+          <a:lnRef idx="1">
+            <a:schemeClr val="accent1"/>
+          </a:lnRef>
+          <a:fillRef idx="0">
+            <a:schemeClr val="accent1"/>
+          </a:fillRef>
+          <a:effectRef idx="0">
+            <a:schemeClr val="accent1"/>
+          </a:effectRef>
+          <a:fontRef idx="minor">
+            <a:schemeClr val="tx1"/>
+          </a:fontRef>
+        </p:style>
+      </p:cxnSp>
+      <p:cxnSp>
+        <p:nvCxnSpPr>
+          <p:cNvPr id="152" name="Straight Arrow Connector 151"/>
+          <p:cNvCxnSpPr>
+            <a:endCxn id="14" idx="0"/>
+          </p:cNvCxnSpPr>
+          <p:nvPr/>
+        </p:nvCxnSpPr>
+        <p:spPr>
+          <a:xfrm>
+            <a:off x="1828800" y="3712669"/>
+            <a:ext cx="0" cy="433187"/>
+          </a:xfrm>
+          <a:prstGeom prst="straightConnector1">
+            <a:avLst/>
+          </a:prstGeom>
+          <a:ln>
+            <a:tailEnd type="arrow"/>
+          </a:ln>
+        </p:spPr>
+        <p:style>
+          <a:lnRef idx="1">
+            <a:schemeClr val="accent1"/>
+          </a:lnRef>
+          <a:fillRef idx="0">
+            <a:schemeClr val="accent1"/>
+          </a:fillRef>
+          <a:effectRef idx="0">
+            <a:schemeClr val="accent1"/>
+          </a:effectRef>
+          <a:fontRef idx="minor">
+            <a:schemeClr val="tx1"/>
+          </a:fontRef>
+        </p:style>
+      </p:cxnSp>
+      <p:cxnSp>
+        <p:nvCxnSpPr>
+          <p:cNvPr id="155" name="Straight Connector 154"/>
+          <p:cNvCxnSpPr>
+            <a:stCxn id="11" idx="3"/>
+          </p:cNvCxnSpPr>
+          <p:nvPr/>
+        </p:nvCxnSpPr>
+        <p:spPr>
+          <a:xfrm>
+            <a:off x="4381500" y="3712669"/>
+            <a:ext cx="2219996" cy="0"/>
+          </a:xfrm>
+          <a:prstGeom prst="line">
+            <a:avLst/>
+          </a:prstGeom>
+        </p:spPr>
+        <p:style>
+          <a:lnRef idx="1">
+            <a:schemeClr val="accent1"/>
+          </a:lnRef>
+          <a:fillRef idx="0">
+            <a:schemeClr val="accent1"/>
+          </a:fillRef>
+          <a:effectRef idx="0">
+            <a:schemeClr val="accent1"/>
+          </a:effectRef>
+          <a:fontRef idx="minor">
+            <a:schemeClr val="tx1"/>
+          </a:fontRef>
+        </p:style>
+      </p:cxnSp>
+      <p:cxnSp>
+        <p:nvCxnSpPr>
+          <p:cNvPr id="158" name="Straight Arrow Connector 157"/>
+          <p:cNvCxnSpPr>
+            <a:endCxn id="12" idx="0"/>
+          </p:cNvCxnSpPr>
+          <p:nvPr/>
+        </p:nvCxnSpPr>
+        <p:spPr>
+          <a:xfrm>
+            <a:off x="6601496" y="3712669"/>
+            <a:ext cx="0" cy="433187"/>
+          </a:xfrm>
+          <a:prstGeom prst="straightConnector1">
+            <a:avLst/>
+          </a:prstGeom>
+          <a:ln>
+            <a:tailEnd type="arrow"/>
+          </a:ln>
+        </p:spPr>
+        <p:style>
+          <a:lnRef idx="1">
+            <a:schemeClr val="accent1"/>
+          </a:lnRef>
+          <a:fillRef idx="0">
+            <a:schemeClr val="accent1"/>
+          </a:fillRef>
+          <a:effectRef idx="0">
+            <a:schemeClr val="accent1"/>
+          </a:effectRef>
+          <a:fontRef idx="minor">
+            <a:schemeClr val="tx1"/>
+          </a:fontRef>
+        </p:style>
+      </p:cxnSp>
+      <p:sp>
+        <p:nvSpPr>
+          <p:cNvPr id="182" name="Diamond 181"/>
+          <p:cNvSpPr/>
+          <p:nvPr/>
+        </p:nvSpPr>
+        <p:spPr>
+          <a:xfrm>
+            <a:off x="6438543" y="4816898"/>
+            <a:ext cx="304800" cy="304800"/>
+          </a:xfrm>
+          <a:prstGeom prst="diamond">
+            <a:avLst/>
+          </a:prstGeom>
+        </p:spPr>
+        <p:style>
+          <a:lnRef idx="2">
+            <a:schemeClr val="accent1">
+              <a:shade val="50000"/>
+            </a:schemeClr>
+          </a:lnRef>
+          <a:fillRef idx="1">
+            <a:schemeClr val="accent1"/>
+          </a:fillRef>
+          <a:effectRef idx="0">
+            <a:schemeClr val="accent1"/>
+          </a:effectRef>
+          <a:fontRef idx="minor">
+            <a:schemeClr val="lt1"/>
+          </a:fontRef>
+        </p:style>
+        <p:txBody>
+          <a:bodyPr rtlCol="0" anchor="ctr"/>
+          <a:lstStyle/>
+          <a:p>
+            <a:pPr algn="ctr"/>
+            <a:endParaRPr lang="en-US"/>
+          </a:p>
+        </p:txBody>
+      </p:sp>
+      <p:sp>
+        <p:nvSpPr>
+          <p:cNvPr id="183" name="Rectangle 182"/>
+          <p:cNvSpPr/>
+          <p:nvPr/>
+        </p:nvSpPr>
+        <p:spPr>
+          <a:xfrm>
+            <a:off x="6952893" y="5581044"/>
+            <a:ext cx="1524000" cy="304800"/>
+          </a:xfrm>
+          <a:prstGeom prst="rect">
+            <a:avLst/>
+          </a:prstGeom>
+        </p:spPr>
+        <p:style>
+          <a:lnRef idx="2">
+            <a:schemeClr val="accent1">
+              <a:shade val="50000"/>
+            </a:schemeClr>
+          </a:lnRef>
+          <a:fillRef idx="1">
+            <a:schemeClr val="accent1"/>
+          </a:fillRef>
+          <a:effectRef idx="0">
+            <a:schemeClr val="accent1"/>
+          </a:effectRef>
+          <a:fontRef idx="minor">
+            <a:schemeClr val="lt1"/>
+          </a:fontRef>
+        </p:style>
+        <p:txBody>
+          <a:bodyPr rtlCol="0" anchor="ctr"/>
+          <a:lstStyle/>
+          <a:p>
+            <a:pPr algn="ctr"/>
+            <a:r>
+              <a:rPr lang="en-US" sz="1200" dirty="0" smtClean="0"/>
+              <a:t>Upload to any</a:t>
+            </a:r>
+            <a:endParaRPr lang="en-US" sz="1200" dirty="0"/>
+          </a:p>
+        </p:txBody>
+      </p:sp>
+      <p:sp>
+        <p:nvSpPr>
+          <p:cNvPr id="184" name="Rectangle 183"/>
+          <p:cNvSpPr/>
+          <p:nvPr/>
+        </p:nvSpPr>
+        <p:spPr>
+          <a:xfrm>
+            <a:off x="4990743" y="5581044"/>
+            <a:ext cx="1524000" cy="304800"/>
+          </a:xfrm>
+          <a:prstGeom prst="rect">
+            <a:avLst/>
+          </a:prstGeom>
+        </p:spPr>
+        <p:style>
+          <a:lnRef idx="2">
+            <a:schemeClr val="accent1">
+              <a:shade val="50000"/>
+            </a:schemeClr>
+          </a:lnRef>
+          <a:fillRef idx="1">
+            <a:schemeClr val="accent1"/>
+          </a:fillRef>
+          <a:effectRef idx="0">
+            <a:schemeClr val="accent1"/>
+          </a:effectRef>
+          <a:fontRef idx="minor">
+            <a:schemeClr val="lt1"/>
+          </a:fontRef>
+        </p:style>
+        <p:txBody>
+          <a:bodyPr rtlCol="0" anchor="ctr"/>
+          <a:lstStyle/>
+          <a:p>
+            <a:pPr algn="ctr"/>
+            <a:r>
+              <a:rPr lang="en-US" sz="1200" dirty="0" smtClean="0"/>
+              <a:t>Upload to specific</a:t>
+            </a:r>
+            <a:endParaRPr lang="en-US" sz="1200" dirty="0"/>
+          </a:p>
+        </p:txBody>
+      </p:sp>
+      <p:cxnSp>
+        <p:nvCxnSpPr>
+          <p:cNvPr id="185" name="Straight Connector 184"/>
+          <p:cNvCxnSpPr>
+            <a:stCxn id="182" idx="1"/>
+          </p:cNvCxnSpPr>
+          <p:nvPr/>
+        </p:nvCxnSpPr>
+        <p:spPr>
+          <a:xfrm flipH="1">
+            <a:off x="5752743" y="4969298"/>
+            <a:ext cx="685800" cy="0"/>
+          </a:xfrm>
+          <a:prstGeom prst="line">
+            <a:avLst/>
+          </a:prstGeom>
+        </p:spPr>
+        <p:style>
+          <a:lnRef idx="1">
+            <a:schemeClr val="accent1"/>
+          </a:lnRef>
+          <a:fillRef idx="0">
+            <a:schemeClr val="accent1"/>
+          </a:fillRef>
+          <a:effectRef idx="0">
+            <a:schemeClr val="accent1"/>
+          </a:effectRef>
+          <a:fontRef idx="minor">
+            <a:schemeClr val="tx1"/>
+          </a:fontRef>
+        </p:style>
+      </p:cxnSp>
+      <p:cxnSp>
+        <p:nvCxnSpPr>
+          <p:cNvPr id="186" name="Straight Arrow Connector 185"/>
+          <p:cNvCxnSpPr>
+            <a:endCxn id="184" idx="0"/>
+          </p:cNvCxnSpPr>
+          <p:nvPr/>
+        </p:nvCxnSpPr>
+        <p:spPr>
+          <a:xfrm>
+            <a:off x="5752743" y="4969298"/>
+            <a:ext cx="0" cy="611746"/>
+          </a:xfrm>
+          <a:prstGeom prst="straightConnector1">
+            <a:avLst/>
+          </a:prstGeom>
+          <a:ln>
+            <a:tailEnd type="arrow"/>
+          </a:ln>
+        </p:spPr>
+        <p:style>
+          <a:lnRef idx="1">
+            <a:schemeClr val="accent1"/>
+          </a:lnRef>
+          <a:fillRef idx="0">
+            <a:schemeClr val="accent1"/>
+          </a:fillRef>
+          <a:effectRef idx="0">
+            <a:schemeClr val="accent1"/>
+          </a:effectRef>
+          <a:fontRef idx="minor">
+            <a:schemeClr val="tx1"/>
+          </a:fontRef>
+        </p:style>
+      </p:cxnSp>
+      <p:cxnSp>
+        <p:nvCxnSpPr>
+          <p:cNvPr id="187" name="Straight Connector 186"/>
+          <p:cNvCxnSpPr>
+            <a:stCxn id="182" idx="3"/>
+          </p:cNvCxnSpPr>
+          <p:nvPr/>
+        </p:nvCxnSpPr>
+        <p:spPr>
+          <a:xfrm>
+            <a:off x="6743343" y="4969298"/>
+            <a:ext cx="971550" cy="0"/>
+          </a:xfrm>
+          <a:prstGeom prst="line">
+            <a:avLst/>
+          </a:prstGeom>
+        </p:spPr>
+        <p:style>
+          <a:lnRef idx="1">
+            <a:schemeClr val="accent1"/>
+          </a:lnRef>
+          <a:fillRef idx="0">
+            <a:schemeClr val="accent1"/>
+          </a:fillRef>
+          <a:effectRef idx="0">
+            <a:schemeClr val="accent1"/>
+          </a:effectRef>
+          <a:fontRef idx="minor">
+            <a:schemeClr val="tx1"/>
+          </a:fontRef>
+        </p:style>
+      </p:cxnSp>
+      <p:cxnSp>
+        <p:nvCxnSpPr>
+          <p:cNvPr id="188" name="Straight Arrow Connector 187"/>
+          <p:cNvCxnSpPr>
+            <a:endCxn id="183" idx="0"/>
+          </p:cNvCxnSpPr>
+          <p:nvPr/>
+        </p:nvCxnSpPr>
+        <p:spPr>
+          <a:xfrm>
+            <a:off x="7714893" y="4971444"/>
+            <a:ext cx="0" cy="609600"/>
+          </a:xfrm>
+          <a:prstGeom prst="straightConnector1">
+            <a:avLst/>
+          </a:prstGeom>
+          <a:ln>
+            <a:tailEnd type="arrow"/>
+          </a:ln>
+        </p:spPr>
+        <p:style>
+          <a:lnRef idx="1">
+            <a:schemeClr val="accent1"/>
+          </a:lnRef>
+          <a:fillRef idx="0">
+            <a:schemeClr val="accent1"/>
+          </a:fillRef>
+          <a:effectRef idx="0">
+            <a:schemeClr val="accent1"/>
+          </a:effectRef>
+          <a:fontRef idx="minor">
+            <a:schemeClr val="tx1"/>
+          </a:fontRef>
+        </p:style>
+      </p:cxnSp>
+      <p:cxnSp>
+        <p:nvCxnSpPr>
+          <p:cNvPr id="190" name="Straight Arrow Connector 189"/>
+          <p:cNvCxnSpPr>
+            <a:stCxn id="12" idx="2"/>
+            <a:endCxn id="182" idx="0"/>
+          </p:cNvCxnSpPr>
+          <p:nvPr/>
+        </p:nvCxnSpPr>
+        <p:spPr>
+          <a:xfrm flipH="1">
+            <a:off x="6590943" y="4450656"/>
+            <a:ext cx="10553" cy="366242"/>
+          </a:xfrm>
+          <a:prstGeom prst="straightConnector1">
+            <a:avLst/>
+          </a:prstGeom>
+          <a:ln>
+            <a:tailEnd type="arrow"/>
+          </a:ln>
+        </p:spPr>
+        <p:style>
+          <a:lnRef idx="1">
+            <a:schemeClr val="accent1"/>
+          </a:lnRef>
+          <a:fillRef idx="0">
+            <a:schemeClr val="accent1"/>
+          </a:fillRef>
+          <a:effectRef idx="0">
+            <a:schemeClr val="accent1"/>
+          </a:effectRef>
+          <a:fontRef idx="minor">
+            <a:schemeClr val="tx1"/>
+          </a:fontRef>
+        </p:style>
+      </p:cxnSp>
+      <p:sp>
+        <p:nvSpPr>
+          <p:cNvPr id="202" name="Diamond 201"/>
+          <p:cNvSpPr/>
+          <p:nvPr/>
+        </p:nvSpPr>
+        <p:spPr>
+          <a:xfrm>
+            <a:off x="4076700" y="5894763"/>
+            <a:ext cx="304800" cy="304800"/>
+          </a:xfrm>
+          <a:prstGeom prst="diamond">
+            <a:avLst/>
+          </a:prstGeom>
+        </p:spPr>
+        <p:style>
+          <a:lnRef idx="2">
+            <a:schemeClr val="accent1">
+              <a:shade val="50000"/>
+            </a:schemeClr>
+          </a:lnRef>
+          <a:fillRef idx="1">
+            <a:schemeClr val="accent1"/>
+          </a:fillRef>
+          <a:effectRef idx="0">
+            <a:schemeClr val="accent1"/>
+          </a:effectRef>
+          <a:fontRef idx="minor">
+            <a:schemeClr val="lt1"/>
+          </a:fontRef>
+        </p:style>
+        <p:txBody>
+          <a:bodyPr rtlCol="0" anchor="ctr"/>
+          <a:lstStyle/>
+          <a:p>
+            <a:pPr algn="ctr"/>
+            <a:endParaRPr lang="en-US"/>
+          </a:p>
+        </p:txBody>
+      </p:sp>
+      <p:sp>
+        <p:nvSpPr>
+          <p:cNvPr id="203" name="Oval 202"/>
+          <p:cNvSpPr/>
+          <p:nvPr/>
+        </p:nvSpPr>
+        <p:spPr>
+          <a:xfrm>
+            <a:off x="4139842" y="6506178"/>
+            <a:ext cx="211428" cy="211428"/>
+          </a:xfrm>
+          <a:prstGeom prst="ellipse">
+            <a:avLst/>
+          </a:prstGeom>
+        </p:spPr>
+        <p:style>
+          <a:lnRef idx="2">
+            <a:schemeClr val="accent1">
+              <a:shade val="50000"/>
+            </a:schemeClr>
+          </a:lnRef>
+          <a:fillRef idx="1">
+            <a:schemeClr val="accent1"/>
+          </a:fillRef>
+          <a:effectRef idx="0">
+            <a:schemeClr val="accent1"/>
+          </a:effectRef>
+          <a:fontRef idx="minor">
+            <a:schemeClr val="lt1"/>
+          </a:fontRef>
+        </p:style>
+        <p:txBody>
+          <a:bodyPr rtlCol="0" anchor="ctr"/>
+          <a:lstStyle/>
+          <a:p>
+            <a:pPr algn="ctr"/>
+            <a:endParaRPr lang="en-US"/>
+          </a:p>
+        </p:txBody>
+      </p:sp>
+      <p:cxnSp>
+        <p:nvCxnSpPr>
+          <p:cNvPr id="205" name="Straight Arrow Connector 204"/>
+          <p:cNvCxnSpPr>
+            <a:stCxn id="202" idx="2"/>
+            <a:endCxn id="203" idx="0"/>
+          </p:cNvCxnSpPr>
+          <p:nvPr/>
+        </p:nvCxnSpPr>
+        <p:spPr>
+          <a:xfrm>
+            <a:off x="4229100" y="6199563"/>
+            <a:ext cx="16456" cy="306615"/>
+          </a:xfrm>
+          <a:prstGeom prst="straightConnector1">
+            <a:avLst/>
+          </a:prstGeom>
+          <a:ln>
+            <a:tailEnd type="arrow"/>
+          </a:ln>
+        </p:spPr>
+        <p:style>
+          <a:lnRef idx="1">
+            <a:schemeClr val="accent1"/>
+          </a:lnRef>
+          <a:fillRef idx="0">
+            <a:schemeClr val="accent1"/>
+          </a:fillRef>
+          <a:effectRef idx="0">
+            <a:schemeClr val="accent1"/>
+          </a:effectRef>
+          <a:fontRef idx="minor">
+            <a:schemeClr val="tx1"/>
+          </a:fontRef>
+        </p:style>
+      </p:cxnSp>
+      <p:cxnSp>
+        <p:nvCxnSpPr>
+          <p:cNvPr id="216" name="Straight Arrow Connector 215"/>
+          <p:cNvCxnSpPr>
+            <a:stCxn id="13" idx="2"/>
+            <a:endCxn id="202" idx="0"/>
+          </p:cNvCxnSpPr>
+          <p:nvPr/>
+        </p:nvCxnSpPr>
+        <p:spPr>
+          <a:xfrm>
+            <a:off x="4226954" y="4450656"/>
+            <a:ext cx="2146" cy="1444107"/>
+          </a:xfrm>
+          <a:prstGeom prst="straightConnector1">
+            <a:avLst/>
+          </a:prstGeom>
+          <a:ln>
+            <a:tailEnd type="arrow"/>
+          </a:ln>
+        </p:spPr>
+        <p:style>
+          <a:lnRef idx="1">
+            <a:schemeClr val="accent1"/>
+          </a:lnRef>
+          <a:fillRef idx="0">
+            <a:schemeClr val="accent1"/>
+          </a:fillRef>
+          <a:effectRef idx="0">
+            <a:schemeClr val="accent1"/>
+          </a:effectRef>
+          <a:fontRef idx="minor">
+            <a:schemeClr val="tx1"/>
+          </a:fontRef>
+        </p:style>
+      </p:cxnSp>
+      <p:cxnSp>
+        <p:nvCxnSpPr>
+          <p:cNvPr id="222" name="Straight Connector 221"/>
+          <p:cNvCxnSpPr>
+            <a:stCxn id="183" idx="2"/>
+          </p:cNvCxnSpPr>
+          <p:nvPr/>
+        </p:nvCxnSpPr>
+        <p:spPr>
+          <a:xfrm>
+            <a:off x="7714893" y="5885844"/>
+            <a:ext cx="0" cy="161319"/>
+          </a:xfrm>
+          <a:prstGeom prst="line">
+            <a:avLst/>
+          </a:prstGeom>
+        </p:spPr>
+        <p:style>
+          <a:lnRef idx="1">
+            <a:schemeClr val="accent1"/>
+          </a:lnRef>
+          <a:fillRef idx="0">
+            <a:schemeClr val="accent1"/>
+          </a:fillRef>
+          <a:effectRef idx="0">
+            <a:schemeClr val="accent1"/>
+          </a:effectRef>
+          <a:fontRef idx="minor">
+            <a:schemeClr val="tx1"/>
+          </a:fontRef>
+        </p:style>
+      </p:cxnSp>
+      <p:cxnSp>
+        <p:nvCxnSpPr>
+          <p:cNvPr id="230" name="Straight Arrow Connector 229"/>
+          <p:cNvCxnSpPr>
+            <a:endCxn id="202" idx="3"/>
+          </p:cNvCxnSpPr>
+          <p:nvPr/>
+        </p:nvCxnSpPr>
+        <p:spPr>
+          <a:xfrm flipH="1">
+            <a:off x="4381500" y="6047163"/>
+            <a:ext cx="3333393" cy="0"/>
+          </a:xfrm>
+          <a:prstGeom prst="straightConnector1">
+            <a:avLst/>
+          </a:prstGeom>
+          <a:ln>
+            <a:tailEnd type="arrow"/>
+          </a:ln>
+        </p:spPr>
+        <p:style>
+          <a:lnRef idx="1">
+            <a:schemeClr val="accent1"/>
+          </a:lnRef>
+          <a:fillRef idx="0">
+            <a:schemeClr val="accent1"/>
+          </a:fillRef>
+          <a:effectRef idx="0">
+            <a:schemeClr val="accent1"/>
+          </a:effectRef>
+          <a:fontRef idx="minor">
+            <a:schemeClr val="tx1"/>
+          </a:fontRef>
+        </p:style>
+      </p:cxnSp>
+      <p:cxnSp>
+        <p:nvCxnSpPr>
+          <p:cNvPr id="233" name="Straight Arrow Connector 232"/>
+          <p:cNvCxnSpPr>
+            <a:stCxn id="184" idx="2"/>
+          </p:cNvCxnSpPr>
+          <p:nvPr/>
+        </p:nvCxnSpPr>
+        <p:spPr>
+          <a:xfrm>
+            <a:off x="5752743" y="5885844"/>
+            <a:ext cx="0" cy="180975"/>
+          </a:xfrm>
+          <a:prstGeom prst="straightConnector1">
+            <a:avLst/>
+          </a:prstGeom>
+          <a:ln>
+            <a:tailEnd type="arrow"/>
+          </a:ln>
+        </p:spPr>
+        <p:style>
+          <a:lnRef idx="1">
+            <a:schemeClr val="accent1"/>
+          </a:lnRef>
+          <a:fillRef idx="0">
+            <a:schemeClr val="accent1"/>
+          </a:fillRef>
+          <a:effectRef idx="0">
+            <a:schemeClr val="accent1"/>
+          </a:effectRef>
+          <a:fontRef idx="minor">
+            <a:schemeClr val="tx1"/>
+          </a:fontRef>
+        </p:style>
+      </p:cxnSp>
+      <p:cxnSp>
+        <p:nvCxnSpPr>
+          <p:cNvPr id="240" name="Straight Connector 239"/>
+          <p:cNvCxnSpPr/>
+          <p:nvPr/>
+        </p:nvCxnSpPr>
+        <p:spPr>
+          <a:xfrm flipV="1">
+            <a:off x="457200" y="6352870"/>
+            <a:ext cx="3788356" cy="9828"/>
+          </a:xfrm>
+          <a:prstGeom prst="line">
+            <a:avLst/>
+          </a:prstGeom>
+        </p:spPr>
+        <p:style>
+          <a:lnRef idx="1">
+            <a:schemeClr val="accent1"/>
+          </a:lnRef>
+          <a:fillRef idx="0">
+            <a:schemeClr val="accent1"/>
+          </a:fillRef>
+          <a:effectRef idx="0">
+            <a:schemeClr val="accent1"/>
+          </a:effectRef>
+          <a:fontRef idx="minor">
+            <a:schemeClr val="tx1"/>
+          </a:fontRef>
+        </p:style>
+      </p:cxnSp>
+      <p:cxnSp>
+        <p:nvCxnSpPr>
+          <p:cNvPr id="243" name="Straight Connector 242"/>
+          <p:cNvCxnSpPr/>
+          <p:nvPr/>
+        </p:nvCxnSpPr>
+        <p:spPr>
+          <a:xfrm flipV="1">
+            <a:off x="457200" y="2971800"/>
+            <a:ext cx="0" cy="3390898"/>
+          </a:xfrm>
+          <a:prstGeom prst="line">
+            <a:avLst/>
+          </a:prstGeom>
+        </p:spPr>
+        <p:style>
+          <a:lnRef idx="1">
+            <a:schemeClr val="accent1"/>
+          </a:lnRef>
+          <a:fillRef idx="0">
+            <a:schemeClr val="accent1"/>
+          </a:fillRef>
+          <a:effectRef idx="0">
+            <a:schemeClr val="accent1"/>
+          </a:effectRef>
+          <a:fontRef idx="minor">
+            <a:schemeClr val="tx1"/>
+          </a:fontRef>
+        </p:style>
+      </p:cxnSp>
+      <p:sp>
+        <p:nvSpPr>
+          <p:cNvPr id="255" name="TextBox 254"/>
           <p:cNvSpPr txBox="1"/>
           <p:nvPr/>
         </p:nvSpPr>
         <p:spPr>
           <a:xfrm>
-            <a:off x="1219200" y="5562600"/>
-            <a:ext cx="6248400" cy="307777"/>
+            <a:off x="4931855" y="1702494"/>
+            <a:ext cx="1098127" cy="461665"/>
           </a:xfrm>
           <a:prstGeom prst="rect">
             <a:avLst/>
@@ -4157,35 +5757,23 @@
           <a:lstStyle/>
           <a:p>
             <a:r>
-              <a:rPr lang="en-US" sz="1400" dirty="0" smtClean="0"/>
-              <a:t>*</a:t>
-            </a:r>
-            <a:r>
-              <a:rPr lang="en-US" sz="1400" i="1" dirty="0" smtClean="0"/>
-              <a:t>File lists would be stored in a text field in a </a:t>
-            </a:r>
-            <a:r>
-              <a:rPr lang="en-US" sz="1400" i="1" dirty="0" err="1" smtClean="0"/>
-              <a:t>json</a:t>
-            </a:r>
-            <a:r>
-              <a:rPr lang="en-US" sz="1400" i="1" dirty="0" smtClean="0"/>
-              <a:t>/array format.</a:t>
-            </a:r>
-            <a:endParaRPr lang="en-US" sz="1400" i="1" dirty="0"/>
-          </a:p>
-        </p:txBody>
-      </p:sp>
-      <p:sp>
-        <p:nvSpPr>
-          <p:cNvPr id="12" name="TextBox 11"/>
+              <a:rPr lang="en-US" sz="1200" dirty="0" smtClean="0"/>
+              <a:t>Drive already authenticated</a:t>
+            </a:r>
+            <a:endParaRPr lang="en-US" sz="1200" dirty="0"/>
+          </a:p>
+        </p:txBody>
+      </p:sp>
+      <p:sp>
+        <p:nvSpPr>
+          <p:cNvPr id="256" name="TextBox 255"/>
           <p:cNvSpPr txBox="1"/>
           <p:nvPr/>
         </p:nvSpPr>
         <p:spPr>
           <a:xfrm>
-            <a:off x="3733800" y="3771064"/>
-            <a:ext cx="1752600" cy="523220"/>
+            <a:off x="2133600" y="1685830"/>
+            <a:ext cx="1331353" cy="461665"/>
           </a:xfrm>
           <a:prstGeom prst="rect">
             <a:avLst/>
@@ -4199,26 +5787,143 @@
           <a:lstStyle/>
           <a:p>
             <a:r>
-              <a:rPr lang="en-US" sz="1400" dirty="0" smtClean="0"/>
-              <a:t>Referential integrity constraint</a:t>
-            </a:r>
-            <a:endParaRPr lang="en-US" sz="1400" dirty="0"/>
+              <a:rPr lang="en-US" sz="1200" dirty="0" err="1" smtClean="0"/>
+              <a:t>Dropbox</a:t>
+            </a:r>
+            <a:r>
+              <a:rPr lang="en-US" sz="1200" dirty="0" smtClean="0"/>
+              <a:t> already authenticated</a:t>
+            </a:r>
+            <a:endParaRPr lang="en-US" sz="1200" dirty="0"/>
+          </a:p>
+        </p:txBody>
+      </p:sp>
+      <p:sp>
+        <p:nvSpPr>
+          <p:cNvPr id="257" name="TextBox 256"/>
+          <p:cNvSpPr txBox="1"/>
+          <p:nvPr/>
+        </p:nvSpPr>
+        <p:spPr>
+          <a:xfrm>
+            <a:off x="8013766" y="1689757"/>
+            <a:ext cx="1098127" cy="646331"/>
+          </a:xfrm>
+          <a:prstGeom prst="rect">
+            <a:avLst/>
+          </a:prstGeom>
+          <a:noFill/>
+        </p:spPr>
+        <p:txBody>
+          <a:bodyPr wrap="square" rtlCol="0">
+            <a:spAutoFit/>
+          </a:bodyPr>
+          <a:lstStyle/>
+          <a:p>
+            <a:pPr algn="ctr"/>
+            <a:r>
+              <a:rPr lang="en-US" sz="1200" dirty="0" err="1" smtClean="0"/>
+              <a:t>skyDrive</a:t>
+            </a:r>
+            <a:r>
+              <a:rPr lang="en-US" sz="1200" dirty="0" smtClean="0"/>
+              <a:t>    already </a:t>
+            </a:r>
+            <a:r>
+              <a:rPr lang="en-US" sz="1200" dirty="0" smtClean="0"/>
+              <a:t>authenticated</a:t>
+            </a:r>
+            <a:endParaRPr lang="en-US" sz="1200" dirty="0"/>
+          </a:p>
+        </p:txBody>
+      </p:sp>
+      <p:sp>
+        <p:nvSpPr>
+          <p:cNvPr id="285" name="TextBox 284"/>
+          <p:cNvSpPr txBox="1"/>
+          <p:nvPr/>
+        </p:nvSpPr>
+        <p:spPr>
+          <a:xfrm>
+            <a:off x="5501319" y="176728"/>
+            <a:ext cx="3249608" cy="769441"/>
+          </a:xfrm>
+          <a:prstGeom prst="rect">
+            <a:avLst/>
+          </a:prstGeom>
+          <a:noFill/>
+        </p:spPr>
+        <p:txBody>
+          <a:bodyPr wrap="none" rtlCol="0">
+            <a:spAutoFit/>
+          </a:bodyPr>
+          <a:lstStyle/>
+          <a:p>
+            <a:r>
+              <a:rPr lang="en-US" sz="4400" b="1" dirty="0" smtClean="0"/>
+              <a:t>Process View</a:t>
+            </a:r>
+            <a:endParaRPr lang="en-US" sz="4400" b="1" dirty="0"/>
+          </a:p>
+        </p:txBody>
+      </p:sp>
+      <p:sp>
+        <p:nvSpPr>
+          <p:cNvPr id="79" name="Rectangle 78"/>
+          <p:cNvSpPr/>
+          <p:nvPr/>
+        </p:nvSpPr>
+        <p:spPr>
+          <a:xfrm>
+            <a:off x="3586632" y="2819400"/>
+            <a:ext cx="1295400" cy="304800"/>
+          </a:xfrm>
+          <a:prstGeom prst="rect">
+            <a:avLst/>
+          </a:prstGeom>
+        </p:spPr>
+        <p:style>
+          <a:lnRef idx="2">
+            <a:schemeClr val="accent1">
+              <a:shade val="50000"/>
+            </a:schemeClr>
+          </a:lnRef>
+          <a:fillRef idx="1">
+            <a:schemeClr val="accent1"/>
+          </a:fillRef>
+          <a:effectRef idx="0">
+            <a:schemeClr val="accent1"/>
+          </a:effectRef>
+          <a:fontRef idx="minor">
+            <a:schemeClr val="lt1"/>
+          </a:fontRef>
+        </p:style>
+        <p:txBody>
+          <a:bodyPr rtlCol="0" anchor="ctr"/>
+          <a:lstStyle/>
+          <a:p>
+            <a:pPr algn="ctr"/>
+            <a:r>
+              <a:rPr lang="en-US" sz="1200" dirty="0" smtClean="0"/>
+              <a:t>Sync</a:t>
+            </a:r>
+            <a:endParaRPr lang="en-US" sz="1200" dirty="0"/>
           </a:p>
         </p:txBody>
       </p:sp>
       <p:cxnSp>
         <p:nvCxnSpPr>
-          <p:cNvPr id="14" name="Straight Arrow Connector 13"/>
+          <p:cNvPr id="21" name="Straight Arrow Connector 20"/>
           <p:cNvCxnSpPr>
-            <a:stCxn id="8" idx="1"/>
-            <a:endCxn id="7" idx="3"/>
+            <a:stCxn id="79" idx="2"/>
+            <a:endCxn id="11" idx="0"/>
           </p:cNvCxnSpPr>
           <p:nvPr/>
         </p:nvCxnSpPr>
         <p:spPr>
-          <a:xfrm flipH="1" flipV="1">
-            <a:off x="3441562" y="3775075"/>
-            <a:ext cx="2425838" cy="12700"/>
+          <a:xfrm flipH="1">
+            <a:off x="4229100" y="3124200"/>
+            <a:ext cx="5232" cy="436069"/>
           </a:xfrm>
           <a:prstGeom prst="straightConnector1">
             <a:avLst/>
@@ -4242,10 +5947,151 @@
           </a:fontRef>
         </p:style>
       </p:cxnSp>
+      <p:cxnSp>
+        <p:nvCxnSpPr>
+          <p:cNvPr id="24" name="Elbow Connector 23"/>
+          <p:cNvCxnSpPr>
+            <a:stCxn id="14" idx="2"/>
+            <a:endCxn id="202" idx="1"/>
+          </p:cNvCxnSpPr>
+          <p:nvPr/>
+        </p:nvCxnSpPr>
+        <p:spPr>
+          <a:xfrm rot="16200000" flipH="1">
+            <a:off x="2154497" y="4124959"/>
+            <a:ext cx="1596507" cy="2247900"/>
+          </a:xfrm>
+          <a:prstGeom prst="bentConnector2">
+            <a:avLst/>
+          </a:prstGeom>
+          <a:ln>
+            <a:tailEnd type="arrow"/>
+          </a:ln>
+        </p:spPr>
+        <p:style>
+          <a:lnRef idx="1">
+            <a:schemeClr val="accent1"/>
+          </a:lnRef>
+          <a:fillRef idx="0">
+            <a:schemeClr val="accent1"/>
+          </a:fillRef>
+          <a:effectRef idx="0">
+            <a:schemeClr val="accent1"/>
+          </a:effectRef>
+          <a:fontRef idx="minor">
+            <a:schemeClr val="tx1"/>
+          </a:fontRef>
+        </p:style>
+      </p:cxnSp>
+      <p:cxnSp>
+        <p:nvCxnSpPr>
+          <p:cNvPr id="28" name="Straight Arrow Connector 27"/>
+          <p:cNvCxnSpPr>
+            <a:endCxn id="79" idx="1"/>
+          </p:cNvCxnSpPr>
+          <p:nvPr/>
+        </p:nvCxnSpPr>
+        <p:spPr>
+          <a:xfrm>
+            <a:off x="457200" y="2971800"/>
+            <a:ext cx="3129432" cy="0"/>
+          </a:xfrm>
+          <a:prstGeom prst="straightConnector1">
+            <a:avLst/>
+          </a:prstGeom>
+          <a:ln>
+            <a:tailEnd type="arrow"/>
+          </a:ln>
+        </p:spPr>
+        <p:style>
+          <a:lnRef idx="1">
+            <a:schemeClr val="accent1"/>
+          </a:lnRef>
+          <a:fillRef idx="0">
+            <a:schemeClr val="accent1"/>
+          </a:fillRef>
+          <a:effectRef idx="0">
+            <a:schemeClr val="accent1"/>
+          </a:effectRef>
+          <a:fontRef idx="minor">
+            <a:schemeClr val="tx1"/>
+          </a:fontRef>
+        </p:style>
+      </p:cxnSp>
+      <p:sp>
+        <p:nvSpPr>
+          <p:cNvPr id="93" name="Diamond 92"/>
+          <p:cNvSpPr/>
+          <p:nvPr/>
+        </p:nvSpPr>
+        <p:spPr>
+          <a:xfrm>
+            <a:off x="304800" y="4667249"/>
+            <a:ext cx="304800" cy="304800"/>
+          </a:xfrm>
+          <a:prstGeom prst="diamond">
+            <a:avLst/>
+          </a:prstGeom>
+        </p:spPr>
+        <p:style>
+          <a:lnRef idx="2">
+            <a:schemeClr val="accent1">
+              <a:shade val="50000"/>
+            </a:schemeClr>
+          </a:lnRef>
+          <a:fillRef idx="1">
+            <a:schemeClr val="accent1"/>
+          </a:fillRef>
+          <a:effectRef idx="0">
+            <a:schemeClr val="accent1"/>
+          </a:effectRef>
+          <a:fontRef idx="minor">
+            <a:schemeClr val="lt1"/>
+          </a:fontRef>
+        </p:style>
+        <p:txBody>
+          <a:bodyPr rtlCol="0" anchor="ctr"/>
+          <a:lstStyle/>
+          <a:p>
+            <a:pPr algn="ctr"/>
+            <a:endParaRPr lang="en-US"/>
+          </a:p>
+        </p:txBody>
+      </p:sp>
+      <p:sp>
+        <p:nvSpPr>
+          <p:cNvPr id="94" name="TextBox 93"/>
+          <p:cNvSpPr txBox="1"/>
+          <p:nvPr/>
+        </p:nvSpPr>
+        <p:spPr>
+          <a:xfrm>
+            <a:off x="457201" y="4941876"/>
+            <a:ext cx="838200" cy="461665"/>
+          </a:xfrm>
+          <a:prstGeom prst="rect">
+            <a:avLst/>
+          </a:prstGeom>
+          <a:noFill/>
+        </p:spPr>
+        <p:txBody>
+          <a:bodyPr wrap="square" rtlCol="0">
+            <a:spAutoFit/>
+          </a:bodyPr>
+          <a:lstStyle/>
+          <a:p>
+            <a:r>
+              <a:rPr lang="en-US" sz="1200" dirty="0" smtClean="0"/>
+              <a:t>Sync Options</a:t>
+            </a:r>
+            <a:endParaRPr lang="en-US" sz="1200" dirty="0"/>
+          </a:p>
+        </p:txBody>
+      </p:sp>
     </p:spTree>
     <p:extLst>
       <p:ext uri="{BB962C8B-B14F-4D97-AF65-F5344CB8AC3E}">
-        <p14:creationId xmlns:p14="http://schemas.microsoft.com/office/powerpoint/2010/main" val="3089615848"/>
+        <p14:creationId xmlns:p14="http://schemas.microsoft.com/office/powerpoint/2010/main" val="2339124558"/>
       </p:ext>
     </p:extLst>
   </p:cSld>
@@ -4281,18 +6127,21 @@
       </p:grpSpPr>
       <p:sp>
         <p:nvSpPr>
-          <p:cNvPr id="4" name="Oval 3"/>
+          <p:cNvPr id="5" name="Rectangle 4"/>
           <p:cNvSpPr/>
           <p:nvPr/>
         </p:nvSpPr>
         <p:spPr>
           <a:xfrm>
-            <a:off x="4133850" y="91425"/>
-            <a:ext cx="211428" cy="211428"/>
-          </a:xfrm>
-          <a:prstGeom prst="ellipse">
-            <a:avLst/>
-          </a:prstGeom>
+            <a:off x="1850858" y="1520825"/>
+            <a:ext cx="2416342" cy="3581400"/>
+          </a:xfrm>
+          <a:prstGeom prst="rect">
+            <a:avLst/>
+          </a:prstGeom>
+          <a:solidFill>
+            <a:schemeClr val="bg1"/>
+          </a:solidFill>
         </p:spPr>
         <p:style>
           <a:lnRef idx="2">
@@ -4321,14 +6170,14 @@
       </p:sp>
       <p:sp>
         <p:nvSpPr>
-          <p:cNvPr id="5" name="Rectangle 4"/>
+          <p:cNvPr id="9" name="Rectangle 8"/>
           <p:cNvSpPr/>
           <p:nvPr/>
         </p:nvSpPr>
         <p:spPr>
           <a:xfrm>
-            <a:off x="3581400" y="697806"/>
-            <a:ext cx="1295400" cy="304800"/>
+            <a:off x="2025316" y="4340225"/>
+            <a:ext cx="2089484" cy="533400"/>
           </a:xfrm>
           <a:prstGeom prst="rect">
             <a:avLst/>
@@ -4356,23 +6205,31 @@
           <a:p>
             <a:pPr algn="ctr"/>
             <a:r>
-              <a:rPr lang="en-US" sz="1200" dirty="0" smtClean="0"/>
-              <a:t>open application</a:t>
-            </a:r>
-            <a:endParaRPr lang="en-US" sz="1200" dirty="0"/>
-          </a:p>
-        </p:txBody>
-      </p:sp>
-      <p:sp>
-        <p:nvSpPr>
-          <p:cNvPr id="6" name="Rectangle 5"/>
+              <a:rPr lang="en-US" dirty="0" smtClean="0"/>
+              <a:t>Operating System </a:t>
+            </a:r>
+            <a:r>
+              <a:rPr lang="en-US" dirty="0" smtClean="0"/>
+              <a:t>(Linux</a:t>
+            </a:r>
+            <a:r>
+              <a:rPr lang="en-US" dirty="0" smtClean="0"/>
+              <a:t>)</a:t>
+            </a:r>
+            <a:endParaRPr lang="en-US" dirty="0"/>
+          </a:p>
+        </p:txBody>
+      </p:sp>
+      <p:sp>
+        <p:nvSpPr>
+          <p:cNvPr id="10" name="Rectangle 9"/>
           <p:cNvSpPr/>
           <p:nvPr/>
         </p:nvSpPr>
         <p:spPr>
           <a:xfrm>
-            <a:off x="3579254" y="1307406"/>
-            <a:ext cx="1295400" cy="304800"/>
+            <a:off x="2025316" y="2047705"/>
+            <a:ext cx="2089484" cy="413252"/>
           </a:xfrm>
           <a:prstGeom prst="rect">
             <a:avLst/>
@@ -4400,25 +6257,25 @@
           <a:p>
             <a:pPr algn="ctr"/>
             <a:r>
-              <a:rPr lang="en-US" sz="1200" dirty="0" smtClean="0"/>
-              <a:t>Check database</a:t>
-            </a:r>
-            <a:endParaRPr lang="en-US" sz="1200" dirty="0"/>
-          </a:p>
-        </p:txBody>
-      </p:sp>
-      <p:sp>
-        <p:nvSpPr>
-          <p:cNvPr id="7" name="Diamond 6"/>
+              <a:rPr lang="en-US" sz="1600" dirty="0" smtClean="0"/>
+              <a:t>Python Application</a:t>
+            </a:r>
+            <a:endParaRPr lang="en-US" sz="1600" dirty="0"/>
+          </a:p>
+        </p:txBody>
+      </p:sp>
+      <p:sp>
+        <p:nvSpPr>
+          <p:cNvPr id="12" name="Rectangle 11"/>
           <p:cNvSpPr/>
           <p:nvPr/>
         </p:nvSpPr>
         <p:spPr>
           <a:xfrm>
-            <a:off x="4076700" y="1917006"/>
-            <a:ext cx="304800" cy="304800"/>
-          </a:xfrm>
-          <a:prstGeom prst="diamond">
+            <a:off x="2794000" y="3502025"/>
+            <a:ext cx="1320800" cy="384175"/>
+          </a:xfrm>
+          <a:prstGeom prst="rect">
             <a:avLst/>
           </a:prstGeom>
         </p:spPr>
@@ -4443,24 +6300,125 @@
           <a:lstStyle/>
           <a:p>
             <a:pPr algn="ctr"/>
-            <a:endParaRPr lang="en-US"/>
-          </a:p>
-        </p:txBody>
-      </p:sp>
-      <p:sp>
-        <p:nvSpPr>
-          <p:cNvPr id="8" name="Rectangle 7"/>
+            <a:r>
+              <a:rPr lang="en-US" sz="1600" dirty="0" smtClean="0"/>
+              <a:t>File System</a:t>
+            </a:r>
+            <a:endParaRPr lang="en-US" sz="1600" dirty="0"/>
+          </a:p>
+        </p:txBody>
+      </p:sp>
+      <p:cxnSp>
+        <p:nvCxnSpPr>
+          <p:cNvPr id="17" name="Straight Connector 16"/>
+          <p:cNvCxnSpPr>
+            <a:stCxn id="12" idx="0"/>
+          </p:cNvCxnSpPr>
+          <p:nvPr/>
+        </p:nvCxnSpPr>
+        <p:spPr>
+          <a:xfrm flipV="1">
+            <a:off x="3454400" y="2460957"/>
+            <a:ext cx="0" cy="1041068"/>
+          </a:xfrm>
+          <a:prstGeom prst="line">
+            <a:avLst/>
+          </a:prstGeom>
+        </p:spPr>
+        <p:style>
+          <a:lnRef idx="1">
+            <a:schemeClr val="accent1"/>
+          </a:lnRef>
+          <a:fillRef idx="0">
+            <a:schemeClr val="accent1"/>
+          </a:fillRef>
+          <a:effectRef idx="0">
+            <a:schemeClr val="accent1"/>
+          </a:effectRef>
+          <a:fontRef idx="minor">
+            <a:schemeClr val="tx1"/>
+          </a:fontRef>
+        </p:style>
+      </p:cxnSp>
+      <p:cxnSp>
+        <p:nvCxnSpPr>
+          <p:cNvPr id="22" name="Straight Connector 21"/>
+          <p:cNvCxnSpPr>
+            <a:stCxn id="12" idx="2"/>
+          </p:cNvCxnSpPr>
+          <p:nvPr/>
+        </p:nvCxnSpPr>
+        <p:spPr>
+          <a:xfrm>
+            <a:off x="3454400" y="3886200"/>
+            <a:ext cx="0" cy="669925"/>
+          </a:xfrm>
+          <a:prstGeom prst="line">
+            <a:avLst/>
+          </a:prstGeom>
+        </p:spPr>
+        <p:style>
+          <a:lnRef idx="1">
+            <a:schemeClr val="accent1"/>
+          </a:lnRef>
+          <a:fillRef idx="0">
+            <a:schemeClr val="accent1"/>
+          </a:fillRef>
+          <a:effectRef idx="0">
+            <a:schemeClr val="accent1"/>
+          </a:effectRef>
+          <a:fontRef idx="minor">
+            <a:schemeClr val="tx1"/>
+          </a:fontRef>
+        </p:style>
+      </p:cxnSp>
+      <p:cxnSp>
+        <p:nvCxnSpPr>
+          <p:cNvPr id="26" name="Straight Connector 25"/>
+          <p:cNvCxnSpPr/>
+          <p:nvPr/>
+        </p:nvCxnSpPr>
+        <p:spPr>
+          <a:xfrm>
+            <a:off x="2444416" y="2460957"/>
+            <a:ext cx="0" cy="1879268"/>
+          </a:xfrm>
+          <a:prstGeom prst="line">
+            <a:avLst/>
+          </a:prstGeom>
+        </p:spPr>
+        <p:style>
+          <a:lnRef idx="1">
+            <a:schemeClr val="accent1"/>
+          </a:lnRef>
+          <a:fillRef idx="0">
+            <a:schemeClr val="accent1"/>
+          </a:fillRef>
+          <a:effectRef idx="0">
+            <a:schemeClr val="accent1"/>
+          </a:effectRef>
+          <a:fontRef idx="minor">
+            <a:schemeClr val="tx1"/>
+          </a:fontRef>
+        </p:style>
+      </p:cxnSp>
+      <p:sp>
+        <p:nvSpPr>
+          <p:cNvPr id="70" name="Rectangle 69"/>
           <p:cNvSpPr/>
           <p:nvPr/>
         </p:nvSpPr>
         <p:spPr>
           <a:xfrm>
-            <a:off x="6629400" y="2514800"/>
-            <a:ext cx="1295400" cy="304800"/>
+            <a:off x="6934200" y="1546225"/>
+            <a:ext cx="2895600" cy="3581400"/>
           </a:xfrm>
           <a:prstGeom prst="rect">
             <a:avLst/>
           </a:prstGeom>
+          <a:solidFill>
+            <a:schemeClr val="bg1"/>
+          </a:solidFill>
         </p:spPr>
         <p:style>
           <a:lnRef idx="2">
@@ -4483,24 +6441,20 @@
           <a:lstStyle/>
           <a:p>
             <a:pPr algn="ctr"/>
-            <a:r>
-              <a:rPr lang="en-US" sz="1200" dirty="0" smtClean="0"/>
-              <a:t>Authenticate Box</a:t>
-            </a:r>
-            <a:endParaRPr lang="en-US" sz="1200" dirty="0"/>
-          </a:p>
-        </p:txBody>
-      </p:sp>
-      <p:sp>
-        <p:nvSpPr>
-          <p:cNvPr id="9" name="Rectangle 8"/>
+            <a:endParaRPr lang="en-US"/>
+          </a:p>
+        </p:txBody>
+      </p:sp>
+      <p:sp>
+        <p:nvSpPr>
+          <p:cNvPr id="71" name="Rectangle 70"/>
           <p:cNvSpPr/>
           <p:nvPr/>
         </p:nvSpPr>
         <p:spPr>
           <a:xfrm>
-            <a:off x="3464954" y="2501921"/>
-            <a:ext cx="1524000" cy="304800"/>
+            <a:off x="7391400" y="2108535"/>
+            <a:ext cx="1684421" cy="2040356"/>
           </a:xfrm>
           <a:prstGeom prst="rect">
             <a:avLst/>
@@ -4528,23 +6482,53 @@
           <a:p>
             <a:pPr algn="ctr"/>
             <a:r>
-              <a:rPr lang="en-US" sz="1200" dirty="0" smtClean="0"/>
-              <a:t>Authenticate Drive</a:t>
-            </a:r>
-            <a:endParaRPr lang="en-US" sz="1200" dirty="0"/>
-          </a:p>
-        </p:txBody>
-      </p:sp>
-      <p:sp>
-        <p:nvSpPr>
-          <p:cNvPr id="10" name="Rectangle 9"/>
+              <a:rPr lang="en-US" dirty="0" smtClean="0"/>
+              <a:t>Cloud Server</a:t>
+            </a:r>
+            <a:endParaRPr lang="en-US" dirty="0"/>
+          </a:p>
+        </p:txBody>
+      </p:sp>
+      <p:cxnSp>
+        <p:nvCxnSpPr>
+          <p:cNvPr id="80" name="Straight Connector 79"/>
+          <p:cNvCxnSpPr/>
+          <p:nvPr/>
+        </p:nvCxnSpPr>
+        <p:spPr>
+          <a:xfrm>
+            <a:off x="4114800" y="2231774"/>
+            <a:ext cx="3276600" cy="22557"/>
+          </a:xfrm>
+          <a:prstGeom prst="line">
+            <a:avLst/>
+          </a:prstGeom>
+        </p:spPr>
+        <p:style>
+          <a:lnRef idx="1">
+            <a:schemeClr val="accent1"/>
+          </a:lnRef>
+          <a:fillRef idx="0">
+            <a:schemeClr val="accent1"/>
+          </a:fillRef>
+          <a:effectRef idx="0">
+            <a:schemeClr val="accent1"/>
+          </a:effectRef>
+          <a:fontRef idx="minor">
+            <a:schemeClr val="tx1"/>
+          </a:fontRef>
+        </p:style>
+      </p:cxnSp>
+      <p:sp>
+        <p:nvSpPr>
+          <p:cNvPr id="84" name="Rectangle 83"/>
           <p:cNvSpPr/>
           <p:nvPr/>
         </p:nvSpPr>
         <p:spPr>
           <a:xfrm>
-            <a:off x="342900" y="2515873"/>
-            <a:ext cx="1600200" cy="303727"/>
+            <a:off x="5334000" y="1828800"/>
+            <a:ext cx="914400" cy="363625"/>
           </a:xfrm>
           <a:prstGeom prst="rect">
             <a:avLst/>
@@ -4572,29 +6556,25 @@
           <a:p>
             <a:pPr algn="ctr"/>
             <a:r>
-              <a:rPr lang="en-US" sz="1200" dirty="0" smtClean="0"/>
-              <a:t>Authenticate </a:t>
-            </a:r>
-            <a:r>
-              <a:rPr lang="en-US" sz="1200" dirty="0" err="1" smtClean="0"/>
-              <a:t>Dropbox</a:t>
-            </a:r>
-            <a:endParaRPr lang="en-US" sz="1200" dirty="0"/>
-          </a:p>
-        </p:txBody>
-      </p:sp>
-      <p:sp>
-        <p:nvSpPr>
-          <p:cNvPr id="11" name="Diamond 10"/>
+              <a:rPr lang="en-US" sz="1400" u="sng" dirty="0" smtClean="0"/>
+              <a:t>API Calls</a:t>
+            </a:r>
+            <a:endParaRPr lang="en-US" sz="1400" u="sng" dirty="0"/>
+          </a:p>
+        </p:txBody>
+      </p:sp>
+      <p:sp>
+        <p:nvSpPr>
+          <p:cNvPr id="94" name="Rectangle 93"/>
           <p:cNvSpPr/>
           <p:nvPr/>
         </p:nvSpPr>
         <p:spPr>
           <a:xfrm>
-            <a:off x="4076700" y="3560269"/>
-            <a:ext cx="304800" cy="304800"/>
-          </a:xfrm>
-          <a:prstGeom prst="diamond">
+            <a:off x="2444416" y="1647321"/>
+            <a:ext cx="1371600" cy="285581"/>
+          </a:xfrm>
+          <a:prstGeom prst="rect">
             <a:avLst/>
           </a:prstGeom>
         </p:spPr>
@@ -4619,2293 +6599,39 @@
           <a:lstStyle/>
           <a:p>
             <a:pPr algn="ctr"/>
-            <a:endParaRPr lang="en-US"/>
-          </a:p>
-        </p:txBody>
-      </p:sp>
-      <p:sp>
-        <p:nvSpPr>
-          <p:cNvPr id="12" name="Rectangle 11"/>
+            <a:r>
+              <a:rPr lang="en-US" sz="1600" b="1" dirty="0" smtClean="0"/>
+              <a:t>Client/Server</a:t>
+            </a:r>
+            <a:endParaRPr lang="en-US" sz="1600" b="1" dirty="0"/>
+          </a:p>
+        </p:txBody>
+      </p:sp>
+      <p:sp>
+        <p:nvSpPr>
+          <p:cNvPr id="96" name="Rectangle 95"/>
           <p:cNvSpPr/>
           <p:nvPr/>
         </p:nvSpPr>
         <p:spPr>
           <a:xfrm>
-            <a:off x="5839496" y="4145856"/>
-            <a:ext cx="1524000" cy="304800"/>
+            <a:off x="2784809" y="304800"/>
+            <a:ext cx="3353162" cy="769441"/>
           </a:xfrm>
           <a:prstGeom prst="rect">
             <a:avLst/>
           </a:prstGeom>
         </p:spPr>
-        <p:style>
-          <a:lnRef idx="2">
-            <a:schemeClr val="accent1">
-              <a:shade val="50000"/>
-            </a:schemeClr>
-          </a:lnRef>
-          <a:fillRef idx="1">
-            <a:schemeClr val="accent1"/>
-          </a:fillRef>
-          <a:effectRef idx="0">
-            <a:schemeClr val="accent1"/>
-          </a:effectRef>
-          <a:fontRef idx="minor">
-            <a:schemeClr val="lt1"/>
-          </a:fontRef>
-        </p:style>
-        <p:txBody>
-          <a:bodyPr rtlCol="0" anchor="ctr"/>
-          <a:lstStyle/>
-          <a:p>
-            <a:pPr algn="ctr"/>
-            <a:r>
-              <a:rPr lang="en-US" sz="1200" dirty="0" smtClean="0"/>
-              <a:t>Upload</a:t>
-            </a:r>
-            <a:endParaRPr lang="en-US" sz="1200" dirty="0"/>
-          </a:p>
-        </p:txBody>
-      </p:sp>
-      <p:sp>
-        <p:nvSpPr>
-          <p:cNvPr id="13" name="Rectangle 12"/>
-          <p:cNvSpPr/>
-          <p:nvPr/>
-        </p:nvSpPr>
-        <p:spPr>
-          <a:xfrm>
-            <a:off x="3464954" y="4145856"/>
-            <a:ext cx="1524000" cy="304800"/>
-          </a:xfrm>
-          <a:prstGeom prst="rect">
-            <a:avLst/>
-          </a:prstGeom>
-        </p:spPr>
-        <p:style>
-          <a:lnRef idx="2">
-            <a:schemeClr val="accent1">
-              <a:shade val="50000"/>
-            </a:schemeClr>
-          </a:lnRef>
-          <a:fillRef idx="1">
-            <a:schemeClr val="accent1"/>
-          </a:fillRef>
-          <a:effectRef idx="0">
-            <a:schemeClr val="accent1"/>
-          </a:effectRef>
-          <a:fontRef idx="minor">
-            <a:schemeClr val="lt1"/>
-          </a:fontRef>
-        </p:style>
-        <p:txBody>
-          <a:bodyPr rtlCol="0" anchor="ctr"/>
-          <a:lstStyle/>
-          <a:p>
-            <a:pPr algn="ctr"/>
-            <a:r>
-              <a:rPr lang="en-US" sz="1200" dirty="0" smtClean="0"/>
-              <a:t>Download</a:t>
-            </a:r>
-            <a:endParaRPr lang="en-US" sz="1200" dirty="0"/>
-          </a:p>
-        </p:txBody>
-      </p:sp>
-      <p:sp>
-        <p:nvSpPr>
-          <p:cNvPr id="14" name="Rectangle 13"/>
-          <p:cNvSpPr/>
-          <p:nvPr/>
-        </p:nvSpPr>
-        <p:spPr>
-          <a:xfrm>
-            <a:off x="1066800" y="4145856"/>
-            <a:ext cx="1524000" cy="304800"/>
-          </a:xfrm>
-          <a:prstGeom prst="rect">
-            <a:avLst/>
-          </a:prstGeom>
-        </p:spPr>
-        <p:style>
-          <a:lnRef idx="2">
-            <a:schemeClr val="accent1">
-              <a:shade val="50000"/>
-            </a:schemeClr>
-          </a:lnRef>
-          <a:fillRef idx="1">
-            <a:schemeClr val="accent1"/>
-          </a:fillRef>
-          <a:effectRef idx="0">
-            <a:schemeClr val="accent1"/>
-          </a:effectRef>
-          <a:fontRef idx="minor">
-            <a:schemeClr val="lt1"/>
-          </a:fontRef>
-        </p:style>
-        <p:txBody>
-          <a:bodyPr rtlCol="0" anchor="ctr"/>
-          <a:lstStyle/>
-          <a:p>
-            <a:pPr algn="ctr"/>
-            <a:r>
-              <a:rPr lang="en-US" sz="1200" dirty="0" smtClean="0"/>
-              <a:t>Browse Files</a:t>
-            </a:r>
-            <a:endParaRPr lang="en-US" sz="1200" dirty="0"/>
-          </a:p>
-        </p:txBody>
-      </p:sp>
-      <p:sp>
-        <p:nvSpPr>
-          <p:cNvPr id="16" name="Diamond 15"/>
-          <p:cNvSpPr/>
-          <p:nvPr/>
-        </p:nvSpPr>
-        <p:spPr>
-          <a:xfrm>
-            <a:off x="1676400" y="4812606"/>
-            <a:ext cx="304800" cy="304800"/>
-          </a:xfrm>
-          <a:prstGeom prst="diamond">
-            <a:avLst/>
-          </a:prstGeom>
-        </p:spPr>
-        <p:style>
-          <a:lnRef idx="2">
-            <a:schemeClr val="accent1">
-              <a:shade val="50000"/>
-            </a:schemeClr>
-          </a:lnRef>
-          <a:fillRef idx="1">
-            <a:schemeClr val="accent1"/>
-          </a:fillRef>
-          <a:effectRef idx="0">
-            <a:schemeClr val="accent1"/>
-          </a:effectRef>
-          <a:fontRef idx="minor">
-            <a:schemeClr val="lt1"/>
-          </a:fontRef>
-        </p:style>
-        <p:txBody>
-          <a:bodyPr rtlCol="0" anchor="ctr"/>
-          <a:lstStyle/>
-          <a:p>
-            <a:pPr algn="ctr"/>
-            <a:endParaRPr lang="en-US"/>
-          </a:p>
-        </p:txBody>
-      </p:sp>
-      <p:sp>
-        <p:nvSpPr>
-          <p:cNvPr id="18" name="Rectangle 17"/>
-          <p:cNvSpPr/>
-          <p:nvPr/>
-        </p:nvSpPr>
-        <p:spPr>
-          <a:xfrm>
-            <a:off x="2190750" y="5576752"/>
-            <a:ext cx="1524000" cy="304800"/>
-          </a:xfrm>
-          <a:prstGeom prst="rect">
-            <a:avLst/>
-          </a:prstGeom>
-        </p:spPr>
-        <p:style>
-          <a:lnRef idx="2">
-            <a:schemeClr val="accent1">
-              <a:shade val="50000"/>
-            </a:schemeClr>
-          </a:lnRef>
-          <a:fillRef idx="1">
-            <a:schemeClr val="accent1"/>
-          </a:fillRef>
-          <a:effectRef idx="0">
-            <a:schemeClr val="accent1"/>
-          </a:effectRef>
-          <a:fontRef idx="minor">
-            <a:schemeClr val="lt1"/>
-          </a:fontRef>
-        </p:style>
-        <p:txBody>
-          <a:bodyPr rtlCol="0" anchor="ctr"/>
-          <a:lstStyle/>
-          <a:p>
-            <a:pPr algn="ctr"/>
-            <a:r>
-              <a:rPr lang="en-US" sz="1200" dirty="0" smtClean="0"/>
-              <a:t>See Last modified</a:t>
-            </a:r>
-            <a:endParaRPr lang="en-US" sz="1200" dirty="0"/>
-          </a:p>
-        </p:txBody>
-      </p:sp>
-      <p:sp>
-        <p:nvSpPr>
-          <p:cNvPr id="19" name="Rectangle 18"/>
-          <p:cNvSpPr/>
-          <p:nvPr/>
-        </p:nvSpPr>
-        <p:spPr>
-          <a:xfrm>
-            <a:off x="228600" y="5576752"/>
-            <a:ext cx="1524000" cy="304800"/>
-          </a:xfrm>
-          <a:prstGeom prst="rect">
-            <a:avLst/>
-          </a:prstGeom>
-        </p:spPr>
-        <p:style>
-          <a:lnRef idx="2">
-            <a:schemeClr val="accent1">
-              <a:shade val="50000"/>
-            </a:schemeClr>
-          </a:lnRef>
-          <a:fillRef idx="1">
-            <a:schemeClr val="accent1"/>
-          </a:fillRef>
-          <a:effectRef idx="0">
-            <a:schemeClr val="accent1"/>
-          </a:effectRef>
-          <a:fontRef idx="minor">
-            <a:schemeClr val="lt1"/>
-          </a:fontRef>
-        </p:style>
-        <p:txBody>
-          <a:bodyPr rtlCol="0" anchor="ctr"/>
-          <a:lstStyle/>
-          <a:p>
-            <a:pPr algn="ctr"/>
-            <a:r>
-              <a:rPr lang="en-US" sz="1200" dirty="0" smtClean="0"/>
-              <a:t>See Actual Location</a:t>
-            </a:r>
-            <a:endParaRPr lang="en-US" sz="1200" dirty="0"/>
-          </a:p>
-        </p:txBody>
-      </p:sp>
-      <p:cxnSp>
-        <p:nvCxnSpPr>
-          <p:cNvPr id="30" name="Straight Arrow Connector 29"/>
-          <p:cNvCxnSpPr>
-            <a:stCxn id="5" idx="2"/>
-            <a:endCxn id="6" idx="0"/>
-          </p:cNvCxnSpPr>
-          <p:nvPr/>
-        </p:nvCxnSpPr>
-        <p:spPr>
-          <a:xfrm flipH="1">
-            <a:off x="4226954" y="1002606"/>
-            <a:ext cx="2146" cy="304800"/>
-          </a:xfrm>
-          <a:prstGeom prst="straightConnector1">
-            <a:avLst/>
-          </a:prstGeom>
-          <a:ln>
-            <a:tailEnd type="arrow"/>
-          </a:ln>
-        </p:spPr>
-        <p:style>
-          <a:lnRef idx="1">
-            <a:schemeClr val="accent1"/>
-          </a:lnRef>
-          <a:fillRef idx="0">
-            <a:schemeClr val="accent1"/>
-          </a:fillRef>
-          <a:effectRef idx="0">
-            <a:schemeClr val="accent1"/>
-          </a:effectRef>
-          <a:fontRef idx="minor">
-            <a:schemeClr val="tx1"/>
-          </a:fontRef>
-        </p:style>
-      </p:cxnSp>
-      <p:cxnSp>
-        <p:nvCxnSpPr>
-          <p:cNvPr id="33" name="Straight Arrow Connector 32"/>
-          <p:cNvCxnSpPr>
-            <a:stCxn id="6" idx="2"/>
-            <a:endCxn id="7" idx="0"/>
-          </p:cNvCxnSpPr>
-          <p:nvPr/>
-        </p:nvCxnSpPr>
-        <p:spPr>
-          <a:xfrm>
-            <a:off x="4226954" y="1612206"/>
-            <a:ext cx="2146" cy="304800"/>
-          </a:xfrm>
-          <a:prstGeom prst="straightConnector1">
-            <a:avLst/>
-          </a:prstGeom>
-          <a:ln>
-            <a:tailEnd type="arrow"/>
-          </a:ln>
-        </p:spPr>
-        <p:style>
-          <a:lnRef idx="1">
-            <a:schemeClr val="accent1"/>
-          </a:lnRef>
-          <a:fillRef idx="0">
-            <a:schemeClr val="accent1"/>
-          </a:fillRef>
-          <a:effectRef idx="0">
-            <a:schemeClr val="accent1"/>
-          </a:effectRef>
-          <a:fontRef idx="minor">
-            <a:schemeClr val="tx1"/>
-          </a:fontRef>
-        </p:style>
-      </p:cxnSp>
-      <p:cxnSp>
-        <p:nvCxnSpPr>
-          <p:cNvPr id="38" name="Straight Arrow Connector 37"/>
-          <p:cNvCxnSpPr>
-            <a:stCxn id="4" idx="4"/>
-            <a:endCxn id="5" idx="0"/>
-          </p:cNvCxnSpPr>
-          <p:nvPr/>
-        </p:nvCxnSpPr>
-        <p:spPr>
-          <a:xfrm flipH="1">
-            <a:off x="4229100" y="302853"/>
-            <a:ext cx="10464" cy="394953"/>
-          </a:xfrm>
-          <a:prstGeom prst="straightConnector1">
-            <a:avLst/>
-          </a:prstGeom>
-          <a:ln>
-            <a:tailEnd type="arrow"/>
-          </a:ln>
-        </p:spPr>
-        <p:style>
-          <a:lnRef idx="1">
-            <a:schemeClr val="accent1"/>
-          </a:lnRef>
-          <a:fillRef idx="0">
-            <a:schemeClr val="accent1"/>
-          </a:fillRef>
-          <a:effectRef idx="0">
-            <a:schemeClr val="accent1"/>
-          </a:effectRef>
-          <a:fontRef idx="minor">
-            <a:schemeClr val="tx1"/>
-          </a:fontRef>
-        </p:style>
-      </p:cxnSp>
-      <p:cxnSp>
-        <p:nvCxnSpPr>
-          <p:cNvPr id="42" name="Straight Arrow Connector 41"/>
-          <p:cNvCxnSpPr>
-            <a:stCxn id="7" idx="2"/>
-            <a:endCxn id="9" idx="0"/>
-          </p:cNvCxnSpPr>
-          <p:nvPr/>
-        </p:nvCxnSpPr>
-        <p:spPr>
-          <a:xfrm flipH="1">
-            <a:off x="4226954" y="2221806"/>
-            <a:ext cx="2146" cy="280115"/>
-          </a:xfrm>
-          <a:prstGeom prst="straightConnector1">
-            <a:avLst/>
-          </a:prstGeom>
-          <a:ln>
-            <a:tailEnd type="arrow"/>
-          </a:ln>
-        </p:spPr>
-        <p:style>
-          <a:lnRef idx="1">
-            <a:schemeClr val="accent1"/>
-          </a:lnRef>
-          <a:fillRef idx="0">
-            <a:schemeClr val="accent1"/>
-          </a:fillRef>
-          <a:effectRef idx="0">
-            <a:schemeClr val="accent1"/>
-          </a:effectRef>
-          <a:fontRef idx="minor">
-            <a:schemeClr val="tx1"/>
-          </a:fontRef>
-        </p:style>
-      </p:cxnSp>
-      <p:cxnSp>
-        <p:nvCxnSpPr>
-          <p:cNvPr id="55" name="Straight Connector 54"/>
-          <p:cNvCxnSpPr/>
-          <p:nvPr/>
-        </p:nvCxnSpPr>
-        <p:spPr>
-          <a:xfrm>
-            <a:off x="5181600" y="2069406"/>
-            <a:ext cx="0" cy="838200"/>
-          </a:xfrm>
-          <a:prstGeom prst="line">
-            <a:avLst/>
-          </a:prstGeom>
-        </p:spPr>
-        <p:style>
-          <a:lnRef idx="1">
-            <a:schemeClr val="accent1"/>
-          </a:lnRef>
-          <a:fillRef idx="0">
-            <a:schemeClr val="accent1"/>
-          </a:fillRef>
-          <a:effectRef idx="0">
-            <a:schemeClr val="accent1"/>
-          </a:effectRef>
-          <a:fontRef idx="minor">
-            <a:schemeClr val="tx1"/>
-          </a:fontRef>
-        </p:style>
-      </p:cxnSp>
-      <p:cxnSp>
-        <p:nvCxnSpPr>
-          <p:cNvPr id="58" name="Straight Arrow Connector 57"/>
-          <p:cNvCxnSpPr>
-            <a:stCxn id="9" idx="2"/>
-            <a:endCxn id="11" idx="0"/>
-          </p:cNvCxnSpPr>
-          <p:nvPr/>
-        </p:nvCxnSpPr>
-        <p:spPr>
-          <a:xfrm>
-            <a:off x="4226954" y="2806721"/>
-            <a:ext cx="2146" cy="753548"/>
-          </a:xfrm>
-          <a:prstGeom prst="straightConnector1">
-            <a:avLst/>
-          </a:prstGeom>
-          <a:ln>
-            <a:tailEnd type="arrow"/>
-          </a:ln>
-        </p:spPr>
-        <p:style>
-          <a:lnRef idx="1">
-            <a:schemeClr val="accent1"/>
-          </a:lnRef>
-          <a:fillRef idx="0">
-            <a:schemeClr val="accent1"/>
-          </a:fillRef>
-          <a:effectRef idx="0">
-            <a:schemeClr val="accent1"/>
-          </a:effectRef>
-          <a:fontRef idx="minor">
-            <a:schemeClr val="tx1"/>
-          </a:fontRef>
-        </p:style>
-      </p:cxnSp>
-      <p:cxnSp>
-        <p:nvCxnSpPr>
-          <p:cNvPr id="62" name="Straight Arrow Connector 61"/>
-          <p:cNvCxnSpPr/>
-          <p:nvPr/>
-        </p:nvCxnSpPr>
-        <p:spPr>
-          <a:xfrm flipH="1">
-            <a:off x="4226954" y="2907606"/>
-            <a:ext cx="954646" cy="0"/>
-          </a:xfrm>
-          <a:prstGeom prst="straightConnector1">
-            <a:avLst/>
-          </a:prstGeom>
-          <a:ln>
-            <a:tailEnd type="arrow"/>
-          </a:ln>
-        </p:spPr>
-        <p:style>
-          <a:lnRef idx="1">
-            <a:schemeClr val="accent1"/>
-          </a:lnRef>
-          <a:fillRef idx="0">
-            <a:schemeClr val="accent1"/>
-          </a:fillRef>
-          <a:effectRef idx="0">
-            <a:schemeClr val="accent1"/>
-          </a:effectRef>
-          <a:fontRef idx="minor">
-            <a:schemeClr val="tx1"/>
-          </a:fontRef>
-        </p:style>
-      </p:cxnSp>
-      <p:cxnSp>
-        <p:nvCxnSpPr>
-          <p:cNvPr id="66" name="Straight Connector 65"/>
-          <p:cNvCxnSpPr>
-            <a:endCxn id="7" idx="3"/>
-          </p:cNvCxnSpPr>
-          <p:nvPr/>
-        </p:nvCxnSpPr>
-        <p:spPr>
-          <a:xfrm flipH="1">
-            <a:off x="4381500" y="2069406"/>
-            <a:ext cx="800100" cy="0"/>
-          </a:xfrm>
-          <a:prstGeom prst="line">
-            <a:avLst/>
-          </a:prstGeom>
-        </p:spPr>
-        <p:style>
-          <a:lnRef idx="1">
-            <a:schemeClr val="accent1"/>
-          </a:lnRef>
-          <a:fillRef idx="0">
-            <a:schemeClr val="accent1"/>
-          </a:fillRef>
-          <a:effectRef idx="0">
-            <a:schemeClr val="accent1"/>
-          </a:effectRef>
-          <a:fontRef idx="minor">
-            <a:schemeClr val="tx1"/>
-          </a:fontRef>
-        </p:style>
-      </p:cxnSp>
-      <p:cxnSp>
-        <p:nvCxnSpPr>
-          <p:cNvPr id="72" name="Straight Arrow Connector 71"/>
-          <p:cNvCxnSpPr>
-            <a:stCxn id="95" idx="2"/>
-            <a:endCxn id="8" idx="0"/>
-          </p:cNvCxnSpPr>
-          <p:nvPr/>
-        </p:nvCxnSpPr>
-        <p:spPr>
-          <a:xfrm flipH="1">
-            <a:off x="7277100" y="2221806"/>
-            <a:ext cx="5433" cy="292994"/>
-          </a:xfrm>
-          <a:prstGeom prst="straightConnector1">
-            <a:avLst/>
-          </a:prstGeom>
-          <a:ln>
-            <a:tailEnd type="arrow"/>
-          </a:ln>
-        </p:spPr>
-        <p:style>
-          <a:lnRef idx="1">
-            <a:schemeClr val="accent1"/>
-          </a:lnRef>
-          <a:fillRef idx="0">
-            <a:schemeClr val="accent1"/>
-          </a:fillRef>
-          <a:effectRef idx="0">
-            <a:schemeClr val="accent1"/>
-          </a:effectRef>
-          <a:fontRef idx="minor">
-            <a:schemeClr val="tx1"/>
-          </a:fontRef>
-        </p:style>
-      </p:cxnSp>
-      <p:cxnSp>
-        <p:nvCxnSpPr>
-          <p:cNvPr id="78" name="Straight Connector 77"/>
-          <p:cNvCxnSpPr/>
-          <p:nvPr/>
-        </p:nvCxnSpPr>
-        <p:spPr>
-          <a:xfrm>
-            <a:off x="8229600" y="2069406"/>
-            <a:ext cx="0" cy="983087"/>
-          </a:xfrm>
-          <a:prstGeom prst="line">
-            <a:avLst/>
-          </a:prstGeom>
-        </p:spPr>
-        <p:style>
-          <a:lnRef idx="1">
-            <a:schemeClr val="accent1"/>
-          </a:lnRef>
-          <a:fillRef idx="0">
-            <a:schemeClr val="accent1"/>
-          </a:fillRef>
-          <a:effectRef idx="0">
-            <a:schemeClr val="accent1"/>
-          </a:effectRef>
-          <a:fontRef idx="minor">
-            <a:schemeClr val="tx1"/>
-          </a:fontRef>
-        </p:style>
-      </p:cxnSp>
-      <p:cxnSp>
-        <p:nvCxnSpPr>
-          <p:cNvPr id="83" name="Straight Arrow Connector 82"/>
-          <p:cNvCxnSpPr/>
-          <p:nvPr/>
-        </p:nvCxnSpPr>
-        <p:spPr>
-          <a:xfrm flipH="1">
-            <a:off x="4239564" y="3052493"/>
-            <a:ext cx="3990036" cy="0"/>
-          </a:xfrm>
-          <a:prstGeom prst="straightConnector1">
-            <a:avLst/>
-          </a:prstGeom>
-          <a:ln>
-            <a:tailEnd type="arrow"/>
-          </a:ln>
-        </p:spPr>
-        <p:style>
-          <a:lnRef idx="1">
-            <a:schemeClr val="accent1"/>
-          </a:lnRef>
-          <a:fillRef idx="0">
-            <a:schemeClr val="accent1"/>
-          </a:fillRef>
-          <a:effectRef idx="0">
-            <a:schemeClr val="accent1"/>
-          </a:effectRef>
-          <a:fontRef idx="minor">
-            <a:schemeClr val="tx1"/>
-          </a:fontRef>
-        </p:style>
-      </p:cxnSp>
-      <p:cxnSp>
-        <p:nvCxnSpPr>
-          <p:cNvPr id="92" name="Straight Connector 91"/>
-          <p:cNvCxnSpPr/>
-          <p:nvPr/>
-        </p:nvCxnSpPr>
-        <p:spPr>
-          <a:xfrm>
-            <a:off x="4226954" y="1764606"/>
-            <a:ext cx="3055579" cy="0"/>
-          </a:xfrm>
-          <a:prstGeom prst="line">
-            <a:avLst/>
-          </a:prstGeom>
-        </p:spPr>
-        <p:style>
-          <a:lnRef idx="1">
-            <a:schemeClr val="accent1"/>
-          </a:lnRef>
-          <a:fillRef idx="0">
-            <a:schemeClr val="accent1"/>
-          </a:fillRef>
-          <a:effectRef idx="0">
-            <a:schemeClr val="accent1"/>
-          </a:effectRef>
-          <a:fontRef idx="minor">
-            <a:schemeClr val="tx1"/>
-          </a:fontRef>
-        </p:style>
-      </p:cxnSp>
-      <p:sp>
-        <p:nvSpPr>
-          <p:cNvPr id="95" name="Diamond 94"/>
-          <p:cNvSpPr/>
-          <p:nvPr/>
-        </p:nvSpPr>
-        <p:spPr>
-          <a:xfrm>
-            <a:off x="7130133" y="1917006"/>
-            <a:ext cx="304800" cy="304800"/>
-          </a:xfrm>
-          <a:prstGeom prst="diamond">
-            <a:avLst/>
-          </a:prstGeom>
-        </p:spPr>
-        <p:style>
-          <a:lnRef idx="2">
-            <a:schemeClr val="accent1">
-              <a:shade val="50000"/>
-            </a:schemeClr>
-          </a:lnRef>
-          <a:fillRef idx="1">
-            <a:schemeClr val="accent1"/>
-          </a:fillRef>
-          <a:effectRef idx="0">
-            <a:schemeClr val="accent1"/>
-          </a:effectRef>
-          <a:fontRef idx="minor">
-            <a:schemeClr val="lt1"/>
-          </a:fontRef>
-        </p:style>
-        <p:txBody>
-          <a:bodyPr rtlCol="0" anchor="ctr"/>
-          <a:lstStyle/>
-          <a:p>
-            <a:pPr algn="ctr"/>
-            <a:endParaRPr lang="en-US"/>
-          </a:p>
-        </p:txBody>
-      </p:sp>
-      <p:cxnSp>
-        <p:nvCxnSpPr>
-          <p:cNvPr id="98" name="Straight Arrow Connector 97"/>
-          <p:cNvCxnSpPr>
-            <a:endCxn id="95" idx="0"/>
-          </p:cNvCxnSpPr>
-          <p:nvPr/>
-        </p:nvCxnSpPr>
-        <p:spPr>
-          <a:xfrm>
-            <a:off x="7282533" y="1764606"/>
-            <a:ext cx="0" cy="152400"/>
-          </a:xfrm>
-          <a:prstGeom prst="straightConnector1">
-            <a:avLst/>
-          </a:prstGeom>
-          <a:ln>
-            <a:tailEnd type="arrow"/>
-          </a:ln>
-        </p:spPr>
-        <p:style>
-          <a:lnRef idx="1">
-            <a:schemeClr val="accent1"/>
-          </a:lnRef>
-          <a:fillRef idx="0">
-            <a:schemeClr val="accent1"/>
-          </a:fillRef>
-          <a:effectRef idx="0">
-            <a:schemeClr val="accent1"/>
-          </a:effectRef>
-          <a:fontRef idx="minor">
-            <a:schemeClr val="tx1"/>
-          </a:fontRef>
-        </p:style>
-      </p:cxnSp>
-      <p:cxnSp>
-        <p:nvCxnSpPr>
-          <p:cNvPr id="101" name="Straight Connector 100"/>
-          <p:cNvCxnSpPr>
-            <a:stCxn id="95" idx="3"/>
-          </p:cNvCxnSpPr>
-          <p:nvPr/>
-        </p:nvCxnSpPr>
-        <p:spPr>
-          <a:xfrm>
-            <a:off x="7434933" y="2069406"/>
-            <a:ext cx="794667" cy="0"/>
-          </a:xfrm>
-          <a:prstGeom prst="line">
-            <a:avLst/>
-          </a:prstGeom>
-        </p:spPr>
-        <p:style>
-          <a:lnRef idx="1">
-            <a:schemeClr val="accent1"/>
-          </a:lnRef>
-          <a:fillRef idx="0">
-            <a:schemeClr val="accent1"/>
-          </a:fillRef>
-          <a:effectRef idx="0">
-            <a:schemeClr val="accent1"/>
-          </a:effectRef>
-          <a:fontRef idx="minor">
-            <a:schemeClr val="tx1"/>
-          </a:fontRef>
-        </p:style>
-      </p:cxnSp>
-      <p:cxnSp>
-        <p:nvCxnSpPr>
-          <p:cNvPr id="108" name="Straight Arrow Connector 107"/>
-          <p:cNvCxnSpPr>
-            <a:stCxn id="8" idx="2"/>
-          </p:cNvCxnSpPr>
-          <p:nvPr/>
-        </p:nvCxnSpPr>
-        <p:spPr>
-          <a:xfrm>
-            <a:off x="7277100" y="2819600"/>
-            <a:ext cx="5433" cy="232893"/>
-          </a:xfrm>
-          <a:prstGeom prst="straightConnector1">
-            <a:avLst/>
-          </a:prstGeom>
-          <a:ln>
-            <a:tailEnd type="arrow"/>
-          </a:ln>
-        </p:spPr>
-        <p:style>
-          <a:lnRef idx="1">
-            <a:schemeClr val="accent1"/>
-          </a:lnRef>
-          <a:fillRef idx="0">
-            <a:schemeClr val="accent1"/>
-          </a:fillRef>
-          <a:effectRef idx="0">
-            <a:schemeClr val="accent1"/>
-          </a:effectRef>
-          <a:fontRef idx="minor">
-            <a:schemeClr val="tx1"/>
-          </a:fontRef>
-        </p:style>
-      </p:cxnSp>
-      <p:sp>
-        <p:nvSpPr>
-          <p:cNvPr id="110" name="Diamond 109"/>
-          <p:cNvSpPr/>
-          <p:nvPr/>
-        </p:nvSpPr>
-        <p:spPr>
-          <a:xfrm>
-            <a:off x="990600" y="1903649"/>
-            <a:ext cx="304800" cy="304800"/>
-          </a:xfrm>
-          <a:prstGeom prst="diamond">
-            <a:avLst/>
-          </a:prstGeom>
-        </p:spPr>
-        <p:style>
-          <a:lnRef idx="2">
-            <a:schemeClr val="accent1">
-              <a:shade val="50000"/>
-            </a:schemeClr>
-          </a:lnRef>
-          <a:fillRef idx="1">
-            <a:schemeClr val="accent1"/>
-          </a:fillRef>
-          <a:effectRef idx="0">
-            <a:schemeClr val="accent1"/>
-          </a:effectRef>
-          <a:fontRef idx="minor">
-            <a:schemeClr val="lt1"/>
-          </a:fontRef>
-        </p:style>
-        <p:txBody>
-          <a:bodyPr rtlCol="0" anchor="ctr"/>
-          <a:lstStyle/>
-          <a:p>
-            <a:pPr algn="ctr"/>
-            <a:endParaRPr lang="en-US"/>
-          </a:p>
-        </p:txBody>
-      </p:sp>
-      <p:cxnSp>
-        <p:nvCxnSpPr>
-          <p:cNvPr id="112" name="Straight Connector 111"/>
-          <p:cNvCxnSpPr/>
-          <p:nvPr/>
-        </p:nvCxnSpPr>
-        <p:spPr>
-          <a:xfrm flipH="1">
-            <a:off x="1143000" y="1764606"/>
-            <a:ext cx="3083954" cy="0"/>
-          </a:xfrm>
-          <a:prstGeom prst="line">
-            <a:avLst/>
-          </a:prstGeom>
-        </p:spPr>
-        <p:style>
-          <a:lnRef idx="1">
-            <a:schemeClr val="accent1"/>
-          </a:lnRef>
-          <a:fillRef idx="0">
-            <a:schemeClr val="accent1"/>
-          </a:fillRef>
-          <a:effectRef idx="0">
-            <a:schemeClr val="accent1"/>
-          </a:effectRef>
-          <a:fontRef idx="minor">
-            <a:schemeClr val="tx1"/>
-          </a:fontRef>
-        </p:style>
-      </p:cxnSp>
-      <p:cxnSp>
-        <p:nvCxnSpPr>
-          <p:cNvPr id="115" name="Straight Arrow Connector 114"/>
-          <p:cNvCxnSpPr>
-            <a:endCxn id="110" idx="0"/>
-          </p:cNvCxnSpPr>
-          <p:nvPr/>
-        </p:nvCxnSpPr>
-        <p:spPr>
-          <a:xfrm>
-            <a:off x="1143000" y="1751249"/>
-            <a:ext cx="0" cy="152400"/>
-          </a:xfrm>
-          <a:prstGeom prst="straightConnector1">
-            <a:avLst/>
-          </a:prstGeom>
-          <a:ln>
-            <a:tailEnd type="arrow"/>
-          </a:ln>
-        </p:spPr>
-        <p:style>
-          <a:lnRef idx="1">
-            <a:schemeClr val="accent1"/>
-          </a:lnRef>
-          <a:fillRef idx="0">
-            <a:schemeClr val="accent1"/>
-          </a:fillRef>
-          <a:effectRef idx="0">
-            <a:schemeClr val="accent1"/>
-          </a:effectRef>
-          <a:fontRef idx="minor">
-            <a:schemeClr val="tx1"/>
-          </a:fontRef>
-        </p:style>
-      </p:cxnSp>
-      <p:cxnSp>
-        <p:nvCxnSpPr>
-          <p:cNvPr id="118" name="Straight Arrow Connector 117"/>
-          <p:cNvCxnSpPr>
-            <a:stCxn id="110" idx="2"/>
-            <a:endCxn id="10" idx="0"/>
-          </p:cNvCxnSpPr>
-          <p:nvPr/>
-        </p:nvCxnSpPr>
-        <p:spPr>
-          <a:xfrm>
-            <a:off x="1143000" y="2208449"/>
-            <a:ext cx="0" cy="307424"/>
-          </a:xfrm>
-          <a:prstGeom prst="straightConnector1">
-            <a:avLst/>
-          </a:prstGeom>
-          <a:ln>
-            <a:tailEnd type="arrow"/>
-          </a:ln>
-        </p:spPr>
-        <p:style>
-          <a:lnRef idx="1">
-            <a:schemeClr val="accent1"/>
-          </a:lnRef>
-          <a:fillRef idx="0">
-            <a:schemeClr val="accent1"/>
-          </a:fillRef>
-          <a:effectRef idx="0">
-            <a:schemeClr val="accent1"/>
-          </a:effectRef>
-          <a:fontRef idx="minor">
-            <a:schemeClr val="tx1"/>
-          </a:fontRef>
-        </p:style>
-      </p:cxnSp>
-      <p:cxnSp>
-        <p:nvCxnSpPr>
-          <p:cNvPr id="125" name="Straight Connector 124"/>
-          <p:cNvCxnSpPr>
-            <a:stCxn id="110" idx="3"/>
-          </p:cNvCxnSpPr>
-          <p:nvPr/>
-        </p:nvCxnSpPr>
-        <p:spPr>
-          <a:xfrm>
-            <a:off x="1295400" y="2056049"/>
-            <a:ext cx="1147293" cy="0"/>
-          </a:xfrm>
-          <a:prstGeom prst="line">
-            <a:avLst/>
-          </a:prstGeom>
-        </p:spPr>
-        <p:style>
-          <a:lnRef idx="1">
-            <a:schemeClr val="accent1"/>
-          </a:lnRef>
-          <a:fillRef idx="0">
-            <a:schemeClr val="accent1"/>
-          </a:fillRef>
-          <a:effectRef idx="0">
-            <a:schemeClr val="accent1"/>
-          </a:effectRef>
-          <a:fontRef idx="minor">
-            <a:schemeClr val="tx1"/>
-          </a:fontRef>
-        </p:style>
-      </p:cxnSp>
-      <p:cxnSp>
-        <p:nvCxnSpPr>
-          <p:cNvPr id="131" name="Straight Connector 130"/>
-          <p:cNvCxnSpPr>
-            <a:stCxn id="10" idx="2"/>
-          </p:cNvCxnSpPr>
-          <p:nvPr/>
-        </p:nvCxnSpPr>
-        <p:spPr>
-          <a:xfrm>
-            <a:off x="1143000" y="2819600"/>
-            <a:ext cx="0" cy="221087"/>
-          </a:xfrm>
-          <a:prstGeom prst="line">
-            <a:avLst/>
-          </a:prstGeom>
-        </p:spPr>
-        <p:style>
-          <a:lnRef idx="1">
-            <a:schemeClr val="accent1"/>
-          </a:lnRef>
-          <a:fillRef idx="0">
-            <a:schemeClr val="accent1"/>
-          </a:fillRef>
-          <a:effectRef idx="0">
-            <a:schemeClr val="accent1"/>
-          </a:effectRef>
-          <a:fontRef idx="minor">
-            <a:schemeClr val="tx1"/>
-          </a:fontRef>
-        </p:style>
-      </p:cxnSp>
-      <p:cxnSp>
-        <p:nvCxnSpPr>
-          <p:cNvPr id="134" name="Straight Arrow Connector 133"/>
-          <p:cNvCxnSpPr/>
-          <p:nvPr/>
-        </p:nvCxnSpPr>
-        <p:spPr>
-          <a:xfrm>
-            <a:off x="1143000" y="3040687"/>
-            <a:ext cx="3096564" cy="11806"/>
-          </a:xfrm>
-          <a:prstGeom prst="straightConnector1">
-            <a:avLst/>
-          </a:prstGeom>
-          <a:ln>
-            <a:tailEnd type="arrow"/>
-          </a:ln>
-        </p:spPr>
-        <p:style>
-          <a:lnRef idx="1">
-            <a:schemeClr val="accent1"/>
-          </a:lnRef>
-          <a:fillRef idx="0">
-            <a:schemeClr val="accent1"/>
-          </a:fillRef>
-          <a:effectRef idx="0">
-            <a:schemeClr val="accent1"/>
-          </a:effectRef>
-          <a:fontRef idx="minor">
-            <a:schemeClr val="tx1"/>
-          </a:fontRef>
-        </p:style>
-      </p:cxnSp>
-      <p:cxnSp>
-        <p:nvCxnSpPr>
-          <p:cNvPr id="137" name="Straight Arrow Connector 136"/>
-          <p:cNvCxnSpPr/>
-          <p:nvPr/>
-        </p:nvCxnSpPr>
-        <p:spPr>
-          <a:xfrm>
-            <a:off x="2442693" y="2069406"/>
-            <a:ext cx="0" cy="983087"/>
-          </a:xfrm>
-          <a:prstGeom prst="straightConnector1">
-            <a:avLst/>
-          </a:prstGeom>
-          <a:ln>
-            <a:tailEnd type="arrow"/>
-          </a:ln>
-        </p:spPr>
-        <p:style>
-          <a:lnRef idx="1">
-            <a:schemeClr val="accent1"/>
-          </a:lnRef>
-          <a:fillRef idx="0">
-            <a:schemeClr val="accent1"/>
-          </a:fillRef>
-          <a:effectRef idx="0">
-            <a:schemeClr val="accent1"/>
-          </a:effectRef>
-          <a:fontRef idx="minor">
-            <a:schemeClr val="tx1"/>
-          </a:fontRef>
-        </p:style>
-      </p:cxnSp>
-      <p:cxnSp>
-        <p:nvCxnSpPr>
-          <p:cNvPr id="140" name="Straight Arrow Connector 139"/>
-          <p:cNvCxnSpPr>
-            <a:stCxn id="11" idx="2"/>
-            <a:endCxn id="13" idx="0"/>
-          </p:cNvCxnSpPr>
-          <p:nvPr/>
-        </p:nvCxnSpPr>
-        <p:spPr>
-          <a:xfrm flipH="1">
-            <a:off x="4226954" y="3865069"/>
-            <a:ext cx="2146" cy="280787"/>
-          </a:xfrm>
-          <a:prstGeom prst="straightConnector1">
-            <a:avLst/>
-          </a:prstGeom>
-          <a:ln>
-            <a:tailEnd type="arrow"/>
-          </a:ln>
-        </p:spPr>
-        <p:style>
-          <a:lnRef idx="1">
-            <a:schemeClr val="accent1"/>
-          </a:lnRef>
-          <a:fillRef idx="0">
-            <a:schemeClr val="accent1"/>
-          </a:fillRef>
-          <a:effectRef idx="0">
-            <a:schemeClr val="accent1"/>
-          </a:effectRef>
-          <a:fontRef idx="minor">
-            <a:schemeClr val="tx1"/>
-          </a:fontRef>
-        </p:style>
-      </p:cxnSp>
-      <p:cxnSp>
-        <p:nvCxnSpPr>
-          <p:cNvPr id="146" name="Straight Connector 145"/>
-          <p:cNvCxnSpPr>
-            <a:stCxn id="11" idx="1"/>
-          </p:cNvCxnSpPr>
-          <p:nvPr/>
-        </p:nvCxnSpPr>
-        <p:spPr>
-          <a:xfrm flipH="1">
-            <a:off x="1828800" y="3712669"/>
-            <a:ext cx="2247900" cy="0"/>
-          </a:xfrm>
-          <a:prstGeom prst="line">
-            <a:avLst/>
-          </a:prstGeom>
-        </p:spPr>
-        <p:style>
-          <a:lnRef idx="1">
-            <a:schemeClr val="accent1"/>
-          </a:lnRef>
-          <a:fillRef idx="0">
-            <a:schemeClr val="accent1"/>
-          </a:fillRef>
-          <a:effectRef idx="0">
-            <a:schemeClr val="accent1"/>
-          </a:effectRef>
-          <a:fontRef idx="minor">
-            <a:schemeClr val="tx1"/>
-          </a:fontRef>
-        </p:style>
-      </p:cxnSp>
-      <p:cxnSp>
-        <p:nvCxnSpPr>
-          <p:cNvPr id="152" name="Straight Arrow Connector 151"/>
-          <p:cNvCxnSpPr>
-            <a:endCxn id="14" idx="0"/>
-          </p:cNvCxnSpPr>
-          <p:nvPr/>
-        </p:nvCxnSpPr>
-        <p:spPr>
-          <a:xfrm>
-            <a:off x="1828800" y="3712669"/>
-            <a:ext cx="0" cy="433187"/>
-          </a:xfrm>
-          <a:prstGeom prst="straightConnector1">
-            <a:avLst/>
-          </a:prstGeom>
-          <a:ln>
-            <a:tailEnd type="arrow"/>
-          </a:ln>
-        </p:spPr>
-        <p:style>
-          <a:lnRef idx="1">
-            <a:schemeClr val="accent1"/>
-          </a:lnRef>
-          <a:fillRef idx="0">
-            <a:schemeClr val="accent1"/>
-          </a:fillRef>
-          <a:effectRef idx="0">
-            <a:schemeClr val="accent1"/>
-          </a:effectRef>
-          <a:fontRef idx="minor">
-            <a:schemeClr val="tx1"/>
-          </a:fontRef>
-        </p:style>
-      </p:cxnSp>
-      <p:cxnSp>
-        <p:nvCxnSpPr>
-          <p:cNvPr id="155" name="Straight Connector 154"/>
-          <p:cNvCxnSpPr>
-            <a:stCxn id="11" idx="3"/>
-          </p:cNvCxnSpPr>
-          <p:nvPr/>
-        </p:nvCxnSpPr>
-        <p:spPr>
-          <a:xfrm>
-            <a:off x="4381500" y="3712669"/>
-            <a:ext cx="2219996" cy="0"/>
-          </a:xfrm>
-          <a:prstGeom prst="line">
-            <a:avLst/>
-          </a:prstGeom>
-        </p:spPr>
-        <p:style>
-          <a:lnRef idx="1">
-            <a:schemeClr val="accent1"/>
-          </a:lnRef>
-          <a:fillRef idx="0">
-            <a:schemeClr val="accent1"/>
-          </a:fillRef>
-          <a:effectRef idx="0">
-            <a:schemeClr val="accent1"/>
-          </a:effectRef>
-          <a:fontRef idx="minor">
-            <a:schemeClr val="tx1"/>
-          </a:fontRef>
-        </p:style>
-      </p:cxnSp>
-      <p:cxnSp>
-        <p:nvCxnSpPr>
-          <p:cNvPr id="158" name="Straight Arrow Connector 157"/>
-          <p:cNvCxnSpPr>
-            <a:endCxn id="12" idx="0"/>
-          </p:cNvCxnSpPr>
-          <p:nvPr/>
-        </p:nvCxnSpPr>
-        <p:spPr>
-          <a:xfrm>
-            <a:off x="6601496" y="3712669"/>
-            <a:ext cx="0" cy="433187"/>
-          </a:xfrm>
-          <a:prstGeom prst="straightConnector1">
-            <a:avLst/>
-          </a:prstGeom>
-          <a:ln>
-            <a:tailEnd type="arrow"/>
-          </a:ln>
-        </p:spPr>
-        <p:style>
-          <a:lnRef idx="1">
-            <a:schemeClr val="accent1"/>
-          </a:lnRef>
-          <a:fillRef idx="0">
-            <a:schemeClr val="accent1"/>
-          </a:fillRef>
-          <a:effectRef idx="0">
-            <a:schemeClr val="accent1"/>
-          </a:effectRef>
-          <a:fontRef idx="minor">
-            <a:schemeClr val="tx1"/>
-          </a:fontRef>
-        </p:style>
-      </p:cxnSp>
-      <p:cxnSp>
-        <p:nvCxnSpPr>
-          <p:cNvPr id="161" name="Straight Arrow Connector 160"/>
-          <p:cNvCxnSpPr>
-            <a:stCxn id="14" idx="2"/>
-            <a:endCxn id="16" idx="0"/>
-          </p:cNvCxnSpPr>
-          <p:nvPr/>
-        </p:nvCxnSpPr>
-        <p:spPr>
-          <a:xfrm>
-            <a:off x="1828800" y="4450656"/>
-            <a:ext cx="0" cy="361950"/>
-          </a:xfrm>
-          <a:prstGeom prst="straightConnector1">
-            <a:avLst/>
-          </a:prstGeom>
-          <a:ln>
-            <a:tailEnd type="arrow"/>
-          </a:ln>
-        </p:spPr>
-        <p:style>
-          <a:lnRef idx="1">
-            <a:schemeClr val="accent1"/>
-          </a:lnRef>
-          <a:fillRef idx="0">
-            <a:schemeClr val="accent1"/>
-          </a:fillRef>
-          <a:effectRef idx="0">
-            <a:schemeClr val="accent1"/>
-          </a:effectRef>
-          <a:fontRef idx="minor">
-            <a:schemeClr val="tx1"/>
-          </a:fontRef>
-        </p:style>
-      </p:cxnSp>
-      <p:cxnSp>
-        <p:nvCxnSpPr>
-          <p:cNvPr id="168" name="Straight Connector 167"/>
-          <p:cNvCxnSpPr>
-            <a:stCxn id="16" idx="1"/>
-          </p:cNvCxnSpPr>
-          <p:nvPr/>
-        </p:nvCxnSpPr>
-        <p:spPr>
-          <a:xfrm flipH="1">
-            <a:off x="990600" y="4965006"/>
-            <a:ext cx="685800" cy="0"/>
-          </a:xfrm>
-          <a:prstGeom prst="line">
-            <a:avLst/>
-          </a:prstGeom>
-        </p:spPr>
-        <p:style>
-          <a:lnRef idx="1">
-            <a:schemeClr val="accent1"/>
-          </a:lnRef>
-          <a:fillRef idx="0">
-            <a:schemeClr val="accent1"/>
-          </a:fillRef>
-          <a:effectRef idx="0">
-            <a:schemeClr val="accent1"/>
-          </a:effectRef>
-          <a:fontRef idx="minor">
-            <a:schemeClr val="tx1"/>
-          </a:fontRef>
-        </p:style>
-      </p:cxnSp>
-      <p:cxnSp>
-        <p:nvCxnSpPr>
-          <p:cNvPr id="171" name="Straight Arrow Connector 170"/>
-          <p:cNvCxnSpPr>
-            <a:endCxn id="19" idx="0"/>
-          </p:cNvCxnSpPr>
-          <p:nvPr/>
-        </p:nvCxnSpPr>
-        <p:spPr>
-          <a:xfrm>
-            <a:off x="990600" y="4965006"/>
-            <a:ext cx="0" cy="611746"/>
-          </a:xfrm>
-          <a:prstGeom prst="straightConnector1">
-            <a:avLst/>
-          </a:prstGeom>
-          <a:ln>
-            <a:tailEnd type="arrow"/>
-          </a:ln>
-        </p:spPr>
-        <p:style>
-          <a:lnRef idx="1">
-            <a:schemeClr val="accent1"/>
-          </a:lnRef>
-          <a:fillRef idx="0">
-            <a:schemeClr val="accent1"/>
-          </a:fillRef>
-          <a:effectRef idx="0">
-            <a:schemeClr val="accent1"/>
-          </a:effectRef>
-          <a:fontRef idx="minor">
-            <a:schemeClr val="tx1"/>
-          </a:fontRef>
-        </p:style>
-      </p:cxnSp>
-      <p:cxnSp>
-        <p:nvCxnSpPr>
-          <p:cNvPr id="174" name="Straight Connector 173"/>
-          <p:cNvCxnSpPr>
-            <a:stCxn id="16" idx="3"/>
-          </p:cNvCxnSpPr>
-          <p:nvPr/>
-        </p:nvCxnSpPr>
-        <p:spPr>
-          <a:xfrm>
-            <a:off x="1981200" y="4965006"/>
-            <a:ext cx="971550" cy="0"/>
-          </a:xfrm>
-          <a:prstGeom prst="line">
-            <a:avLst/>
-          </a:prstGeom>
-        </p:spPr>
-        <p:style>
-          <a:lnRef idx="1">
-            <a:schemeClr val="accent1"/>
-          </a:lnRef>
-          <a:fillRef idx="0">
-            <a:schemeClr val="accent1"/>
-          </a:fillRef>
-          <a:effectRef idx="0">
-            <a:schemeClr val="accent1"/>
-          </a:effectRef>
-          <a:fontRef idx="minor">
-            <a:schemeClr val="tx1"/>
-          </a:fontRef>
-        </p:style>
-      </p:cxnSp>
-      <p:cxnSp>
-        <p:nvCxnSpPr>
-          <p:cNvPr id="177" name="Straight Arrow Connector 176"/>
-          <p:cNvCxnSpPr>
-            <a:endCxn id="18" idx="0"/>
-          </p:cNvCxnSpPr>
-          <p:nvPr/>
-        </p:nvCxnSpPr>
-        <p:spPr>
-          <a:xfrm>
-            <a:off x="2952750" y="4967152"/>
-            <a:ext cx="0" cy="609600"/>
-          </a:xfrm>
-          <a:prstGeom prst="straightConnector1">
-            <a:avLst/>
-          </a:prstGeom>
-          <a:ln>
-            <a:tailEnd type="arrow"/>
-          </a:ln>
-        </p:spPr>
-        <p:style>
-          <a:lnRef idx="1">
-            <a:schemeClr val="accent1"/>
-          </a:lnRef>
-          <a:fillRef idx="0">
-            <a:schemeClr val="accent1"/>
-          </a:fillRef>
-          <a:effectRef idx="0">
-            <a:schemeClr val="accent1"/>
-          </a:effectRef>
-          <a:fontRef idx="minor">
-            <a:schemeClr val="tx1"/>
-          </a:fontRef>
-        </p:style>
-      </p:cxnSp>
-      <p:sp>
-        <p:nvSpPr>
-          <p:cNvPr id="182" name="Diamond 181"/>
-          <p:cNvSpPr/>
-          <p:nvPr/>
-        </p:nvSpPr>
-        <p:spPr>
-          <a:xfrm>
-            <a:off x="6438543" y="4816898"/>
-            <a:ext cx="304800" cy="304800"/>
-          </a:xfrm>
-          <a:prstGeom prst="diamond">
-            <a:avLst/>
-          </a:prstGeom>
-        </p:spPr>
-        <p:style>
-          <a:lnRef idx="2">
-            <a:schemeClr val="accent1">
-              <a:shade val="50000"/>
-            </a:schemeClr>
-          </a:lnRef>
-          <a:fillRef idx="1">
-            <a:schemeClr val="accent1"/>
-          </a:fillRef>
-          <a:effectRef idx="0">
-            <a:schemeClr val="accent1"/>
-          </a:effectRef>
-          <a:fontRef idx="minor">
-            <a:schemeClr val="lt1"/>
-          </a:fontRef>
-        </p:style>
-        <p:txBody>
-          <a:bodyPr rtlCol="0" anchor="ctr"/>
-          <a:lstStyle/>
-          <a:p>
-            <a:pPr algn="ctr"/>
-            <a:endParaRPr lang="en-US"/>
-          </a:p>
-        </p:txBody>
-      </p:sp>
-      <p:sp>
-        <p:nvSpPr>
-          <p:cNvPr id="183" name="Rectangle 182"/>
-          <p:cNvSpPr/>
-          <p:nvPr/>
-        </p:nvSpPr>
-        <p:spPr>
-          <a:xfrm>
-            <a:off x="6952893" y="5581044"/>
-            <a:ext cx="1524000" cy="304800"/>
-          </a:xfrm>
-          <a:prstGeom prst="rect">
-            <a:avLst/>
-          </a:prstGeom>
-        </p:spPr>
-        <p:style>
-          <a:lnRef idx="2">
-            <a:schemeClr val="accent1">
-              <a:shade val="50000"/>
-            </a:schemeClr>
-          </a:lnRef>
-          <a:fillRef idx="1">
-            <a:schemeClr val="accent1"/>
-          </a:fillRef>
-          <a:effectRef idx="0">
-            <a:schemeClr val="accent1"/>
-          </a:effectRef>
-          <a:fontRef idx="minor">
-            <a:schemeClr val="lt1"/>
-          </a:fontRef>
-        </p:style>
-        <p:txBody>
-          <a:bodyPr rtlCol="0" anchor="ctr"/>
-          <a:lstStyle/>
-          <a:p>
-            <a:pPr algn="ctr"/>
-            <a:r>
-              <a:rPr lang="en-US" sz="1200" dirty="0" smtClean="0"/>
-              <a:t>Upload to any</a:t>
-            </a:r>
-            <a:endParaRPr lang="en-US" sz="1200" dirty="0"/>
-          </a:p>
-        </p:txBody>
-      </p:sp>
-      <p:sp>
-        <p:nvSpPr>
-          <p:cNvPr id="184" name="Rectangle 183"/>
-          <p:cNvSpPr/>
-          <p:nvPr/>
-        </p:nvSpPr>
-        <p:spPr>
-          <a:xfrm>
-            <a:off x="4990743" y="5581044"/>
-            <a:ext cx="1524000" cy="304800"/>
-          </a:xfrm>
-          <a:prstGeom prst="rect">
-            <a:avLst/>
-          </a:prstGeom>
-        </p:spPr>
-        <p:style>
-          <a:lnRef idx="2">
-            <a:schemeClr val="accent1">
-              <a:shade val="50000"/>
-            </a:schemeClr>
-          </a:lnRef>
-          <a:fillRef idx="1">
-            <a:schemeClr val="accent1"/>
-          </a:fillRef>
-          <a:effectRef idx="0">
-            <a:schemeClr val="accent1"/>
-          </a:effectRef>
-          <a:fontRef idx="minor">
-            <a:schemeClr val="lt1"/>
-          </a:fontRef>
-        </p:style>
-        <p:txBody>
-          <a:bodyPr rtlCol="0" anchor="ctr"/>
-          <a:lstStyle/>
-          <a:p>
-            <a:pPr algn="ctr"/>
-            <a:r>
-              <a:rPr lang="en-US" sz="1200" dirty="0" smtClean="0"/>
-              <a:t>Upload to specific</a:t>
-            </a:r>
-            <a:endParaRPr lang="en-US" sz="1200" dirty="0"/>
-          </a:p>
-        </p:txBody>
-      </p:sp>
-      <p:cxnSp>
-        <p:nvCxnSpPr>
-          <p:cNvPr id="185" name="Straight Connector 184"/>
-          <p:cNvCxnSpPr>
-            <a:stCxn id="182" idx="1"/>
-          </p:cNvCxnSpPr>
-          <p:nvPr/>
-        </p:nvCxnSpPr>
-        <p:spPr>
-          <a:xfrm flipH="1">
-            <a:off x="5752743" y="4969298"/>
-            <a:ext cx="685800" cy="0"/>
-          </a:xfrm>
-          <a:prstGeom prst="line">
-            <a:avLst/>
-          </a:prstGeom>
-        </p:spPr>
-        <p:style>
-          <a:lnRef idx="1">
-            <a:schemeClr val="accent1"/>
-          </a:lnRef>
-          <a:fillRef idx="0">
-            <a:schemeClr val="accent1"/>
-          </a:fillRef>
-          <a:effectRef idx="0">
-            <a:schemeClr val="accent1"/>
-          </a:effectRef>
-          <a:fontRef idx="minor">
-            <a:schemeClr val="tx1"/>
-          </a:fontRef>
-        </p:style>
-      </p:cxnSp>
-      <p:cxnSp>
-        <p:nvCxnSpPr>
-          <p:cNvPr id="186" name="Straight Arrow Connector 185"/>
-          <p:cNvCxnSpPr>
-            <a:endCxn id="184" idx="0"/>
-          </p:cNvCxnSpPr>
-          <p:nvPr/>
-        </p:nvCxnSpPr>
-        <p:spPr>
-          <a:xfrm>
-            <a:off x="5752743" y="4969298"/>
-            <a:ext cx="0" cy="611746"/>
-          </a:xfrm>
-          <a:prstGeom prst="straightConnector1">
-            <a:avLst/>
-          </a:prstGeom>
-          <a:ln>
-            <a:tailEnd type="arrow"/>
-          </a:ln>
-        </p:spPr>
-        <p:style>
-          <a:lnRef idx="1">
-            <a:schemeClr val="accent1"/>
-          </a:lnRef>
-          <a:fillRef idx="0">
-            <a:schemeClr val="accent1"/>
-          </a:fillRef>
-          <a:effectRef idx="0">
-            <a:schemeClr val="accent1"/>
-          </a:effectRef>
-          <a:fontRef idx="minor">
-            <a:schemeClr val="tx1"/>
-          </a:fontRef>
-        </p:style>
-      </p:cxnSp>
-      <p:cxnSp>
-        <p:nvCxnSpPr>
-          <p:cNvPr id="187" name="Straight Connector 186"/>
-          <p:cNvCxnSpPr>
-            <a:stCxn id="182" idx="3"/>
-          </p:cNvCxnSpPr>
-          <p:nvPr/>
-        </p:nvCxnSpPr>
-        <p:spPr>
-          <a:xfrm>
-            <a:off x="6743343" y="4969298"/>
-            <a:ext cx="971550" cy="0"/>
-          </a:xfrm>
-          <a:prstGeom prst="line">
-            <a:avLst/>
-          </a:prstGeom>
-        </p:spPr>
-        <p:style>
-          <a:lnRef idx="1">
-            <a:schemeClr val="accent1"/>
-          </a:lnRef>
-          <a:fillRef idx="0">
-            <a:schemeClr val="accent1"/>
-          </a:fillRef>
-          <a:effectRef idx="0">
-            <a:schemeClr val="accent1"/>
-          </a:effectRef>
-          <a:fontRef idx="minor">
-            <a:schemeClr val="tx1"/>
-          </a:fontRef>
-        </p:style>
-      </p:cxnSp>
-      <p:cxnSp>
-        <p:nvCxnSpPr>
-          <p:cNvPr id="188" name="Straight Arrow Connector 187"/>
-          <p:cNvCxnSpPr>
-            <a:endCxn id="183" idx="0"/>
-          </p:cNvCxnSpPr>
-          <p:nvPr/>
-        </p:nvCxnSpPr>
-        <p:spPr>
-          <a:xfrm>
-            <a:off x="7714893" y="4971444"/>
-            <a:ext cx="0" cy="609600"/>
-          </a:xfrm>
-          <a:prstGeom prst="straightConnector1">
-            <a:avLst/>
-          </a:prstGeom>
-          <a:ln>
-            <a:tailEnd type="arrow"/>
-          </a:ln>
-        </p:spPr>
-        <p:style>
-          <a:lnRef idx="1">
-            <a:schemeClr val="accent1"/>
-          </a:lnRef>
-          <a:fillRef idx="0">
-            <a:schemeClr val="accent1"/>
-          </a:fillRef>
-          <a:effectRef idx="0">
-            <a:schemeClr val="accent1"/>
-          </a:effectRef>
-          <a:fontRef idx="minor">
-            <a:schemeClr val="tx1"/>
-          </a:fontRef>
-        </p:style>
-      </p:cxnSp>
-      <p:cxnSp>
-        <p:nvCxnSpPr>
-          <p:cNvPr id="190" name="Straight Arrow Connector 189"/>
-          <p:cNvCxnSpPr>
-            <a:stCxn id="12" idx="2"/>
-            <a:endCxn id="182" idx="0"/>
-          </p:cNvCxnSpPr>
-          <p:nvPr/>
-        </p:nvCxnSpPr>
-        <p:spPr>
-          <a:xfrm flipH="1">
-            <a:off x="6590943" y="4450656"/>
-            <a:ext cx="10553" cy="366242"/>
-          </a:xfrm>
-          <a:prstGeom prst="straightConnector1">
-            <a:avLst/>
-          </a:prstGeom>
-          <a:ln>
-            <a:tailEnd type="arrow"/>
-          </a:ln>
-        </p:spPr>
-        <p:style>
-          <a:lnRef idx="1">
-            <a:schemeClr val="accent1"/>
-          </a:lnRef>
-          <a:fillRef idx="0">
-            <a:schemeClr val="accent1"/>
-          </a:fillRef>
-          <a:effectRef idx="0">
-            <a:schemeClr val="accent1"/>
-          </a:effectRef>
-          <a:fontRef idx="minor">
-            <a:schemeClr val="tx1"/>
-          </a:fontRef>
-        </p:style>
-      </p:cxnSp>
-      <p:sp>
-        <p:nvSpPr>
-          <p:cNvPr id="202" name="Diamond 201"/>
-          <p:cNvSpPr/>
-          <p:nvPr/>
-        </p:nvSpPr>
-        <p:spPr>
-          <a:xfrm>
-            <a:off x="4076700" y="5894763"/>
-            <a:ext cx="304800" cy="304800"/>
-          </a:xfrm>
-          <a:prstGeom prst="diamond">
-            <a:avLst/>
-          </a:prstGeom>
-        </p:spPr>
-        <p:style>
-          <a:lnRef idx="2">
-            <a:schemeClr val="accent1">
-              <a:shade val="50000"/>
-            </a:schemeClr>
-          </a:lnRef>
-          <a:fillRef idx="1">
-            <a:schemeClr val="accent1"/>
-          </a:fillRef>
-          <a:effectRef idx="0">
-            <a:schemeClr val="accent1"/>
-          </a:effectRef>
-          <a:fontRef idx="minor">
-            <a:schemeClr val="lt1"/>
-          </a:fontRef>
-        </p:style>
-        <p:txBody>
-          <a:bodyPr rtlCol="0" anchor="ctr"/>
-          <a:lstStyle/>
-          <a:p>
-            <a:pPr algn="ctr"/>
-            <a:endParaRPr lang="en-US"/>
-          </a:p>
-        </p:txBody>
-      </p:sp>
-      <p:sp>
-        <p:nvSpPr>
-          <p:cNvPr id="203" name="Oval 202"/>
-          <p:cNvSpPr/>
-          <p:nvPr/>
-        </p:nvSpPr>
-        <p:spPr>
-          <a:xfrm>
-            <a:off x="4139842" y="6506178"/>
-            <a:ext cx="211428" cy="211428"/>
-          </a:xfrm>
-          <a:prstGeom prst="ellipse">
-            <a:avLst/>
-          </a:prstGeom>
-        </p:spPr>
-        <p:style>
-          <a:lnRef idx="2">
-            <a:schemeClr val="accent1">
-              <a:shade val="50000"/>
-            </a:schemeClr>
-          </a:lnRef>
-          <a:fillRef idx="1">
-            <a:schemeClr val="accent1"/>
-          </a:fillRef>
-          <a:effectRef idx="0">
-            <a:schemeClr val="accent1"/>
-          </a:effectRef>
-          <a:fontRef idx="minor">
-            <a:schemeClr val="lt1"/>
-          </a:fontRef>
-        </p:style>
-        <p:txBody>
-          <a:bodyPr rtlCol="0" anchor="ctr"/>
-          <a:lstStyle/>
-          <a:p>
-            <a:pPr algn="ctr"/>
-            <a:endParaRPr lang="en-US"/>
-          </a:p>
-        </p:txBody>
-      </p:sp>
-      <p:cxnSp>
-        <p:nvCxnSpPr>
-          <p:cNvPr id="205" name="Straight Arrow Connector 204"/>
-          <p:cNvCxnSpPr>
-            <a:stCxn id="202" idx="2"/>
-            <a:endCxn id="203" idx="0"/>
-          </p:cNvCxnSpPr>
-          <p:nvPr/>
-        </p:nvCxnSpPr>
-        <p:spPr>
-          <a:xfrm>
-            <a:off x="4229100" y="6199563"/>
-            <a:ext cx="16456" cy="306615"/>
-          </a:xfrm>
-          <a:prstGeom prst="straightConnector1">
-            <a:avLst/>
-          </a:prstGeom>
-          <a:ln>
-            <a:tailEnd type="arrow"/>
-          </a:ln>
-        </p:spPr>
-        <p:style>
-          <a:lnRef idx="1">
-            <a:schemeClr val="accent1"/>
-          </a:lnRef>
-          <a:fillRef idx="0">
-            <a:schemeClr val="accent1"/>
-          </a:fillRef>
-          <a:effectRef idx="0">
-            <a:schemeClr val="accent1"/>
-          </a:effectRef>
-          <a:fontRef idx="minor">
-            <a:schemeClr val="tx1"/>
-          </a:fontRef>
-        </p:style>
-      </p:cxnSp>
-      <p:cxnSp>
-        <p:nvCxnSpPr>
-          <p:cNvPr id="208" name="Straight Connector 207"/>
-          <p:cNvCxnSpPr>
-            <a:stCxn id="19" idx="2"/>
-          </p:cNvCxnSpPr>
-          <p:nvPr/>
-        </p:nvCxnSpPr>
-        <p:spPr>
-          <a:xfrm>
-            <a:off x="990600" y="5881552"/>
-            <a:ext cx="0" cy="165611"/>
-          </a:xfrm>
-          <a:prstGeom prst="line">
-            <a:avLst/>
-          </a:prstGeom>
-        </p:spPr>
-        <p:style>
-          <a:lnRef idx="1">
-            <a:schemeClr val="accent1"/>
-          </a:lnRef>
-          <a:fillRef idx="0">
-            <a:schemeClr val="accent1"/>
-          </a:fillRef>
-          <a:effectRef idx="0">
-            <a:schemeClr val="accent1"/>
-          </a:effectRef>
-          <a:fontRef idx="minor">
-            <a:schemeClr val="tx1"/>
-          </a:fontRef>
-        </p:style>
-      </p:cxnSp>
-      <p:cxnSp>
-        <p:nvCxnSpPr>
-          <p:cNvPr id="211" name="Straight Arrow Connector 210"/>
-          <p:cNvCxnSpPr>
-            <a:endCxn id="202" idx="1"/>
-          </p:cNvCxnSpPr>
-          <p:nvPr/>
-        </p:nvCxnSpPr>
-        <p:spPr>
-          <a:xfrm>
-            <a:off x="990600" y="6047163"/>
-            <a:ext cx="3086100" cy="0"/>
-          </a:xfrm>
-          <a:prstGeom prst="straightConnector1">
-            <a:avLst/>
-          </a:prstGeom>
-          <a:ln>
-            <a:tailEnd type="arrow"/>
-          </a:ln>
-        </p:spPr>
-        <p:style>
-          <a:lnRef idx="1">
-            <a:schemeClr val="accent1"/>
-          </a:lnRef>
-          <a:fillRef idx="0">
-            <a:schemeClr val="accent1"/>
-          </a:fillRef>
-          <a:effectRef idx="0">
-            <a:schemeClr val="accent1"/>
-          </a:effectRef>
-          <a:fontRef idx="minor">
-            <a:schemeClr val="tx1"/>
-          </a:fontRef>
-        </p:style>
-      </p:cxnSp>
-      <p:cxnSp>
-        <p:nvCxnSpPr>
-          <p:cNvPr id="216" name="Straight Arrow Connector 215"/>
-          <p:cNvCxnSpPr>
-            <a:stCxn id="13" idx="2"/>
-            <a:endCxn id="202" idx="0"/>
-          </p:cNvCxnSpPr>
-          <p:nvPr/>
-        </p:nvCxnSpPr>
-        <p:spPr>
-          <a:xfrm>
-            <a:off x="4226954" y="4450656"/>
-            <a:ext cx="2146" cy="1444107"/>
-          </a:xfrm>
-          <a:prstGeom prst="straightConnector1">
-            <a:avLst/>
-          </a:prstGeom>
-          <a:ln>
-            <a:tailEnd type="arrow"/>
-          </a:ln>
-        </p:spPr>
-        <p:style>
-          <a:lnRef idx="1">
-            <a:schemeClr val="accent1"/>
-          </a:lnRef>
-          <a:fillRef idx="0">
-            <a:schemeClr val="accent1"/>
-          </a:fillRef>
-          <a:effectRef idx="0">
-            <a:schemeClr val="accent1"/>
-          </a:effectRef>
-          <a:fontRef idx="minor">
-            <a:schemeClr val="tx1"/>
-          </a:fontRef>
-        </p:style>
-      </p:cxnSp>
-      <p:cxnSp>
-        <p:nvCxnSpPr>
-          <p:cNvPr id="219" name="Straight Arrow Connector 218"/>
-          <p:cNvCxnSpPr>
-            <a:stCxn id="18" idx="2"/>
-          </p:cNvCxnSpPr>
-          <p:nvPr/>
-        </p:nvCxnSpPr>
-        <p:spPr>
-          <a:xfrm>
-            <a:off x="2952750" y="5881552"/>
-            <a:ext cx="0" cy="185267"/>
-          </a:xfrm>
-          <a:prstGeom prst="straightConnector1">
-            <a:avLst/>
-          </a:prstGeom>
-          <a:ln>
-            <a:tailEnd type="arrow"/>
-          </a:ln>
-        </p:spPr>
-        <p:style>
-          <a:lnRef idx="1">
-            <a:schemeClr val="accent1"/>
-          </a:lnRef>
-          <a:fillRef idx="0">
-            <a:schemeClr val="accent1"/>
-          </a:fillRef>
-          <a:effectRef idx="0">
-            <a:schemeClr val="accent1"/>
-          </a:effectRef>
-          <a:fontRef idx="minor">
-            <a:schemeClr val="tx1"/>
-          </a:fontRef>
-        </p:style>
-      </p:cxnSp>
-      <p:cxnSp>
-        <p:nvCxnSpPr>
-          <p:cNvPr id="222" name="Straight Connector 221"/>
-          <p:cNvCxnSpPr>
-            <a:stCxn id="183" idx="2"/>
-          </p:cNvCxnSpPr>
-          <p:nvPr/>
-        </p:nvCxnSpPr>
-        <p:spPr>
-          <a:xfrm>
-            <a:off x="7714893" y="5885844"/>
-            <a:ext cx="0" cy="161319"/>
-          </a:xfrm>
-          <a:prstGeom prst="line">
-            <a:avLst/>
-          </a:prstGeom>
-        </p:spPr>
-        <p:style>
-          <a:lnRef idx="1">
-            <a:schemeClr val="accent1"/>
-          </a:lnRef>
-          <a:fillRef idx="0">
-            <a:schemeClr val="accent1"/>
-          </a:fillRef>
-          <a:effectRef idx="0">
-            <a:schemeClr val="accent1"/>
-          </a:effectRef>
-          <a:fontRef idx="minor">
-            <a:schemeClr val="tx1"/>
-          </a:fontRef>
-        </p:style>
-      </p:cxnSp>
-      <p:cxnSp>
-        <p:nvCxnSpPr>
-          <p:cNvPr id="230" name="Straight Arrow Connector 229"/>
-          <p:cNvCxnSpPr>
-            <a:endCxn id="202" idx="3"/>
-          </p:cNvCxnSpPr>
-          <p:nvPr/>
-        </p:nvCxnSpPr>
-        <p:spPr>
-          <a:xfrm flipH="1">
-            <a:off x="4381500" y="6047163"/>
-            <a:ext cx="3333393" cy="0"/>
-          </a:xfrm>
-          <a:prstGeom prst="straightConnector1">
-            <a:avLst/>
-          </a:prstGeom>
-          <a:ln>
-            <a:tailEnd type="arrow"/>
-          </a:ln>
-        </p:spPr>
-        <p:style>
-          <a:lnRef idx="1">
-            <a:schemeClr val="accent1"/>
-          </a:lnRef>
-          <a:fillRef idx="0">
-            <a:schemeClr val="accent1"/>
-          </a:fillRef>
-          <a:effectRef idx="0">
-            <a:schemeClr val="accent1"/>
-          </a:effectRef>
-          <a:fontRef idx="minor">
-            <a:schemeClr val="tx1"/>
-          </a:fontRef>
-        </p:style>
-      </p:cxnSp>
-      <p:cxnSp>
-        <p:nvCxnSpPr>
-          <p:cNvPr id="233" name="Straight Arrow Connector 232"/>
-          <p:cNvCxnSpPr>
-            <a:stCxn id="184" idx="2"/>
-          </p:cNvCxnSpPr>
-          <p:nvPr/>
-        </p:nvCxnSpPr>
-        <p:spPr>
-          <a:xfrm>
-            <a:off x="5752743" y="5885844"/>
-            <a:ext cx="0" cy="180975"/>
-          </a:xfrm>
-          <a:prstGeom prst="straightConnector1">
-            <a:avLst/>
-          </a:prstGeom>
-          <a:ln>
-            <a:tailEnd type="arrow"/>
-          </a:ln>
-        </p:spPr>
-        <p:style>
-          <a:lnRef idx="1">
-            <a:schemeClr val="accent1"/>
-          </a:lnRef>
-          <a:fillRef idx="0">
-            <a:schemeClr val="accent1"/>
-          </a:fillRef>
-          <a:effectRef idx="0">
-            <a:schemeClr val="accent1"/>
-          </a:effectRef>
-          <a:fontRef idx="minor">
-            <a:schemeClr val="tx1"/>
-          </a:fontRef>
-        </p:style>
-      </p:cxnSp>
-      <p:cxnSp>
-        <p:nvCxnSpPr>
-          <p:cNvPr id="240" name="Straight Connector 239"/>
-          <p:cNvCxnSpPr/>
-          <p:nvPr/>
-        </p:nvCxnSpPr>
-        <p:spPr>
-          <a:xfrm>
-            <a:off x="4239564" y="6362698"/>
-            <a:ext cx="4523436" cy="0"/>
-          </a:xfrm>
-          <a:prstGeom prst="line">
-            <a:avLst/>
-          </a:prstGeom>
-        </p:spPr>
-        <p:style>
-          <a:lnRef idx="1">
-            <a:schemeClr val="accent1"/>
-          </a:lnRef>
-          <a:fillRef idx="0">
-            <a:schemeClr val="accent1"/>
-          </a:fillRef>
-          <a:effectRef idx="0">
-            <a:schemeClr val="accent1"/>
-          </a:effectRef>
-          <a:fontRef idx="minor">
-            <a:schemeClr val="tx1"/>
-          </a:fontRef>
-        </p:style>
-      </p:cxnSp>
-      <p:cxnSp>
-        <p:nvCxnSpPr>
-          <p:cNvPr id="243" name="Straight Connector 242"/>
-          <p:cNvCxnSpPr/>
-          <p:nvPr/>
-        </p:nvCxnSpPr>
-        <p:spPr>
-          <a:xfrm flipV="1">
-            <a:off x="8763000" y="3352800"/>
-            <a:ext cx="0" cy="3009898"/>
-          </a:xfrm>
-          <a:prstGeom prst="line">
-            <a:avLst/>
-          </a:prstGeom>
-        </p:spPr>
-        <p:style>
-          <a:lnRef idx="1">
-            <a:schemeClr val="accent1"/>
-          </a:lnRef>
-          <a:fillRef idx="0">
-            <a:schemeClr val="accent1"/>
-          </a:fillRef>
-          <a:effectRef idx="0">
-            <a:schemeClr val="accent1"/>
-          </a:effectRef>
-          <a:fontRef idx="minor">
-            <a:schemeClr val="tx1"/>
-          </a:fontRef>
-        </p:style>
-      </p:cxnSp>
-      <p:cxnSp>
-        <p:nvCxnSpPr>
-          <p:cNvPr id="246" name="Straight Arrow Connector 245"/>
-          <p:cNvCxnSpPr/>
-          <p:nvPr/>
-        </p:nvCxnSpPr>
-        <p:spPr>
-          <a:xfrm flipH="1">
-            <a:off x="4239564" y="3352800"/>
-            <a:ext cx="4523436" cy="0"/>
-          </a:xfrm>
-          <a:prstGeom prst="straightConnector1">
-            <a:avLst/>
-          </a:prstGeom>
-          <a:ln>
-            <a:tailEnd type="arrow"/>
-          </a:ln>
-        </p:spPr>
-        <p:style>
-          <a:lnRef idx="1">
-            <a:schemeClr val="accent1"/>
-          </a:lnRef>
-          <a:fillRef idx="0">
-            <a:schemeClr val="accent1"/>
-          </a:fillRef>
-          <a:effectRef idx="0">
-            <a:schemeClr val="accent1"/>
-          </a:effectRef>
-          <a:fontRef idx="minor">
-            <a:schemeClr val="tx1"/>
-          </a:fontRef>
-        </p:style>
-      </p:cxnSp>
-      <p:sp>
-        <p:nvSpPr>
-          <p:cNvPr id="255" name="TextBox 254"/>
-          <p:cNvSpPr txBox="1"/>
-          <p:nvPr/>
-        </p:nvSpPr>
-        <p:spPr>
-          <a:xfrm>
-            <a:off x="4931855" y="2234543"/>
-            <a:ext cx="1098127" cy="461665"/>
-          </a:xfrm>
-          <a:prstGeom prst="rect">
-            <a:avLst/>
-          </a:prstGeom>
-          <a:noFill/>
-        </p:spPr>
-        <p:txBody>
-          <a:bodyPr wrap="square" rtlCol="0">
+        <p:txBody>
+          <a:bodyPr wrap="none">
             <a:spAutoFit/>
           </a:bodyPr>
           <a:lstStyle/>
           <a:p>
-            <a:r>
-              <a:rPr lang="en-US" sz="1200" dirty="0" smtClean="0"/>
-              <a:t>Drive already authenticated</a:t>
-            </a:r>
-            <a:endParaRPr lang="en-US" sz="1200" dirty="0"/>
-          </a:p>
-        </p:txBody>
-      </p:sp>
-      <p:sp>
-        <p:nvSpPr>
-          <p:cNvPr id="256" name="TextBox 255"/>
-          <p:cNvSpPr txBox="1"/>
-          <p:nvPr/>
-        </p:nvSpPr>
-        <p:spPr>
-          <a:xfrm>
-            <a:off x="2133600" y="2217879"/>
-            <a:ext cx="1331353" cy="461665"/>
-          </a:xfrm>
-          <a:prstGeom prst="rect">
-            <a:avLst/>
-          </a:prstGeom>
-          <a:noFill/>
-        </p:spPr>
-        <p:txBody>
-          <a:bodyPr wrap="square" rtlCol="0">
-            <a:spAutoFit/>
-          </a:bodyPr>
-          <a:lstStyle/>
-          <a:p>
-            <a:r>
-              <a:rPr lang="en-US" sz="1200" dirty="0" err="1" smtClean="0"/>
-              <a:t>Dropbox</a:t>
-            </a:r>
-            <a:r>
-              <a:rPr lang="en-US" sz="1200" dirty="0" smtClean="0"/>
-              <a:t> already authenticated</a:t>
-            </a:r>
-            <a:endParaRPr lang="en-US" sz="1200" dirty="0"/>
-          </a:p>
-        </p:txBody>
-      </p:sp>
-      <p:sp>
-        <p:nvSpPr>
-          <p:cNvPr id="257" name="TextBox 256"/>
-          <p:cNvSpPr txBox="1"/>
-          <p:nvPr/>
-        </p:nvSpPr>
-        <p:spPr>
-          <a:xfrm>
-            <a:off x="8013766" y="2221806"/>
-            <a:ext cx="1098127" cy="461665"/>
-          </a:xfrm>
-          <a:prstGeom prst="rect">
-            <a:avLst/>
-          </a:prstGeom>
-          <a:noFill/>
-        </p:spPr>
-        <p:txBody>
-          <a:bodyPr wrap="square" rtlCol="0">
-            <a:spAutoFit/>
-          </a:bodyPr>
-          <a:lstStyle/>
-          <a:p>
-            <a:r>
-              <a:rPr lang="en-US" sz="1200" dirty="0" smtClean="0"/>
-              <a:t>Box already authenticated</a:t>
-            </a:r>
-            <a:endParaRPr lang="en-US" sz="1200" dirty="0"/>
-          </a:p>
-        </p:txBody>
-      </p:sp>
-      <p:sp>
-        <p:nvSpPr>
-          <p:cNvPr id="285" name="TextBox 284"/>
-          <p:cNvSpPr txBox="1"/>
-          <p:nvPr/>
-        </p:nvSpPr>
-        <p:spPr>
-          <a:xfrm>
-            <a:off x="5501319" y="176728"/>
-            <a:ext cx="3249608" cy="769441"/>
-          </a:xfrm>
-          <a:prstGeom prst="rect">
-            <a:avLst/>
-          </a:prstGeom>
-          <a:noFill/>
-        </p:spPr>
-        <p:txBody>
-          <a:bodyPr wrap="none" rtlCol="0">
-            <a:spAutoFit/>
-          </a:bodyPr>
-          <a:lstStyle/>
-          <a:p>
+            <a:pPr algn="ctr"/>
             <a:r>
               <a:rPr lang="en-US" sz="4400" b="1" dirty="0" smtClean="0"/>
-              <a:t>Process View</a:t>
+              <a:t>Physical View</a:t>
             </a:r>
             <a:endParaRPr lang="en-US" sz="4400" b="1" dirty="0"/>
           </a:p>
@@ -6914,7 +6640,7 @@
     </p:spTree>
     <p:extLst>
       <p:ext uri="{BB962C8B-B14F-4D97-AF65-F5344CB8AC3E}">
-        <p14:creationId xmlns:p14="http://schemas.microsoft.com/office/powerpoint/2010/main" val="2339124558"/>
+        <p14:creationId xmlns:p14="http://schemas.microsoft.com/office/powerpoint/2010/main" val="1216127189"/>
       </p:ext>
     </p:extLst>
   </p:cSld>
@@ -6950,14 +6676,14 @@
       </p:grpSpPr>
       <p:sp>
         <p:nvSpPr>
-          <p:cNvPr id="4" name="Rectangle 3"/>
+          <p:cNvPr id="6" name="Rectangle 5"/>
           <p:cNvSpPr/>
           <p:nvPr/>
         </p:nvSpPr>
         <p:spPr>
           <a:xfrm>
-            <a:off x="304800" y="1546225"/>
-            <a:ext cx="2514600" cy="3581400"/>
+            <a:off x="1371600" y="990600"/>
+            <a:ext cx="6513384" cy="5585296"/>
           </a:xfrm>
           <a:prstGeom prst="rect">
             <a:avLst/>
@@ -6993,905 +6719,14 @@
       </p:sp>
       <p:sp>
         <p:nvSpPr>
-          <p:cNvPr id="5" name="Rectangle 4"/>
+          <p:cNvPr id="4" name="Rectangle 3"/>
           <p:cNvSpPr/>
           <p:nvPr/>
         </p:nvSpPr>
         <p:spPr>
           <a:xfrm>
-            <a:off x="4670258" y="1520825"/>
-            <a:ext cx="2416342" cy="3581400"/>
-          </a:xfrm>
-          <a:prstGeom prst="rect">
-            <a:avLst/>
-          </a:prstGeom>
-          <a:solidFill>
-            <a:schemeClr val="bg1"/>
-          </a:solidFill>
-        </p:spPr>
-        <p:style>
-          <a:lnRef idx="2">
-            <a:schemeClr val="accent1">
-              <a:shade val="50000"/>
-            </a:schemeClr>
-          </a:lnRef>
-          <a:fillRef idx="1">
-            <a:schemeClr val="accent1"/>
-          </a:fillRef>
-          <a:effectRef idx="0">
-            <a:schemeClr val="accent1"/>
-          </a:effectRef>
-          <a:fontRef idx="minor">
-            <a:schemeClr val="lt1"/>
-          </a:fontRef>
-        </p:style>
-        <p:txBody>
-          <a:bodyPr rtlCol="0" anchor="ctr"/>
-          <a:lstStyle/>
-          <a:p>
-            <a:pPr algn="ctr"/>
-            <a:endParaRPr lang="en-US"/>
-          </a:p>
-        </p:txBody>
-      </p:sp>
-      <p:sp>
-        <p:nvSpPr>
-          <p:cNvPr id="6" name="Rectangle 5"/>
-          <p:cNvSpPr/>
-          <p:nvPr/>
-        </p:nvSpPr>
-        <p:spPr>
-          <a:xfrm>
-            <a:off x="457200" y="2219325"/>
-            <a:ext cx="2209800" cy="468897"/>
-          </a:xfrm>
-          <a:prstGeom prst="rect">
-            <a:avLst/>
-          </a:prstGeom>
-        </p:spPr>
-        <p:style>
-          <a:lnRef idx="2">
-            <a:schemeClr val="accent1">
-              <a:shade val="50000"/>
-            </a:schemeClr>
-          </a:lnRef>
-          <a:fillRef idx="1">
-            <a:schemeClr val="accent1"/>
-          </a:fillRef>
-          <a:effectRef idx="0">
-            <a:schemeClr val="accent1"/>
-          </a:effectRef>
-          <a:fontRef idx="minor">
-            <a:schemeClr val="lt1"/>
-          </a:fontRef>
-        </p:style>
-        <p:txBody>
-          <a:bodyPr rtlCol="0" anchor="ctr"/>
-          <a:lstStyle/>
-          <a:p>
-            <a:pPr algn="ctr"/>
-            <a:r>
-              <a:rPr lang="en-US" dirty="0" smtClean="0"/>
-              <a:t>Browser</a:t>
-            </a:r>
-            <a:endParaRPr lang="en-US" dirty="0"/>
-          </a:p>
-        </p:txBody>
-      </p:sp>
-      <p:sp>
-        <p:nvSpPr>
-          <p:cNvPr id="8" name="Rectangle 7"/>
-          <p:cNvSpPr/>
-          <p:nvPr/>
-        </p:nvSpPr>
-        <p:spPr>
-          <a:xfrm>
-            <a:off x="447040" y="3811905"/>
-            <a:ext cx="2219960" cy="820420"/>
-          </a:xfrm>
-          <a:prstGeom prst="rect">
-            <a:avLst/>
-          </a:prstGeom>
-        </p:spPr>
-        <p:style>
-          <a:lnRef idx="2">
-            <a:schemeClr val="accent1">
-              <a:shade val="50000"/>
-            </a:schemeClr>
-          </a:lnRef>
-          <a:fillRef idx="1">
-            <a:schemeClr val="accent1"/>
-          </a:fillRef>
-          <a:effectRef idx="0">
-            <a:schemeClr val="accent1"/>
-          </a:effectRef>
-          <a:fontRef idx="minor">
-            <a:schemeClr val="lt1"/>
-          </a:fontRef>
-        </p:style>
-        <p:txBody>
-          <a:bodyPr rtlCol="0" anchor="ctr"/>
-          <a:lstStyle/>
-          <a:p>
-            <a:pPr algn="ctr"/>
-            <a:r>
-              <a:rPr lang="en-US" sz="1600" dirty="0" smtClean="0"/>
-              <a:t>Operating System (Windows, Linux, OS X, Android etc.)</a:t>
-            </a:r>
-            <a:endParaRPr lang="en-US" sz="1600" dirty="0"/>
-          </a:p>
-        </p:txBody>
-      </p:sp>
-      <p:sp>
-        <p:nvSpPr>
-          <p:cNvPr id="9" name="Rectangle 8"/>
-          <p:cNvSpPr/>
-          <p:nvPr/>
-        </p:nvSpPr>
-        <p:spPr>
-          <a:xfrm>
-            <a:off x="4844716" y="4340225"/>
-            <a:ext cx="2089484" cy="533400"/>
-          </a:xfrm>
-          <a:prstGeom prst="rect">
-            <a:avLst/>
-          </a:prstGeom>
-        </p:spPr>
-        <p:style>
-          <a:lnRef idx="2">
-            <a:schemeClr val="accent1">
-              <a:shade val="50000"/>
-            </a:schemeClr>
-          </a:lnRef>
-          <a:fillRef idx="1">
-            <a:schemeClr val="accent1"/>
-          </a:fillRef>
-          <a:effectRef idx="0">
-            <a:schemeClr val="accent1"/>
-          </a:effectRef>
-          <a:fontRef idx="minor">
-            <a:schemeClr val="lt1"/>
-          </a:fontRef>
-        </p:style>
-        <p:txBody>
-          <a:bodyPr rtlCol="0" anchor="ctr"/>
-          <a:lstStyle/>
-          <a:p>
-            <a:pPr algn="ctr"/>
-            <a:r>
-              <a:rPr lang="en-US" dirty="0" smtClean="0"/>
-              <a:t>Operating System (Arch Linux)</a:t>
-            </a:r>
-            <a:endParaRPr lang="en-US" dirty="0"/>
-          </a:p>
-        </p:txBody>
-      </p:sp>
-      <p:sp>
-        <p:nvSpPr>
-          <p:cNvPr id="10" name="Rectangle 9"/>
-          <p:cNvSpPr/>
-          <p:nvPr/>
-        </p:nvSpPr>
-        <p:spPr>
-          <a:xfrm>
-            <a:off x="4844716" y="2047705"/>
-            <a:ext cx="2089484" cy="826504"/>
-          </a:xfrm>
-          <a:prstGeom prst="rect">
-            <a:avLst/>
-          </a:prstGeom>
-        </p:spPr>
-        <p:style>
-          <a:lnRef idx="2">
-            <a:schemeClr val="accent1">
-              <a:shade val="50000"/>
-            </a:schemeClr>
-          </a:lnRef>
-          <a:fillRef idx="1">
-            <a:schemeClr val="accent1"/>
-          </a:fillRef>
-          <a:effectRef idx="0">
-            <a:schemeClr val="accent1"/>
-          </a:effectRef>
-          <a:fontRef idx="minor">
-            <a:schemeClr val="lt1"/>
-          </a:fontRef>
-        </p:style>
-        <p:txBody>
-          <a:bodyPr rtlCol="0" anchor="ctr"/>
-          <a:lstStyle/>
-          <a:p>
-            <a:pPr algn="ctr"/>
-            <a:r>
-              <a:rPr lang="en-US" sz="1600" dirty="0" smtClean="0"/>
-              <a:t>Apache HTTP Server 2.4.5</a:t>
-            </a:r>
-          </a:p>
-          <a:p>
-            <a:pPr algn="ctr"/>
-            <a:r>
-              <a:rPr lang="en-US" sz="1600" dirty="0" smtClean="0"/>
-              <a:t>and FTP Server</a:t>
-            </a:r>
-            <a:endParaRPr lang="en-US" sz="1600" dirty="0"/>
-          </a:p>
-        </p:txBody>
-      </p:sp>
-      <p:sp>
-        <p:nvSpPr>
-          <p:cNvPr id="12" name="Rectangle 11"/>
-          <p:cNvSpPr/>
-          <p:nvPr/>
-        </p:nvSpPr>
-        <p:spPr>
-          <a:xfrm>
-            <a:off x="5613400" y="3273425"/>
-            <a:ext cx="1320800" cy="533400"/>
-          </a:xfrm>
-          <a:prstGeom prst="rect">
-            <a:avLst/>
-          </a:prstGeom>
-        </p:spPr>
-        <p:style>
-          <a:lnRef idx="2">
-            <a:schemeClr val="accent1">
-              <a:shade val="50000"/>
-            </a:schemeClr>
-          </a:lnRef>
-          <a:fillRef idx="1">
-            <a:schemeClr val="accent1"/>
-          </a:fillRef>
-          <a:effectRef idx="0">
-            <a:schemeClr val="accent1"/>
-          </a:effectRef>
-          <a:fontRef idx="minor">
-            <a:schemeClr val="lt1"/>
-          </a:fontRef>
-        </p:style>
-        <p:txBody>
-          <a:bodyPr rtlCol="0" anchor="ctr"/>
-          <a:lstStyle/>
-          <a:p>
-            <a:pPr algn="ctr"/>
-            <a:r>
-              <a:rPr lang="en-US" sz="1600" dirty="0" err="1" smtClean="0"/>
-              <a:t>PostgreSQL</a:t>
-            </a:r>
-            <a:r>
-              <a:rPr lang="en-US" sz="1600" dirty="0" smtClean="0"/>
-              <a:t> 9.3.1</a:t>
-            </a:r>
-            <a:endParaRPr lang="en-US" sz="1600" dirty="0"/>
-          </a:p>
-        </p:txBody>
-      </p:sp>
-      <p:cxnSp>
-        <p:nvCxnSpPr>
-          <p:cNvPr id="14" name="Straight Connector 13"/>
-          <p:cNvCxnSpPr>
-            <a:stCxn id="6" idx="2"/>
-            <a:endCxn id="8" idx="0"/>
-          </p:cNvCxnSpPr>
-          <p:nvPr/>
-        </p:nvCxnSpPr>
-        <p:spPr>
-          <a:xfrm flipH="1">
-            <a:off x="1557020" y="2688222"/>
-            <a:ext cx="5080" cy="1123683"/>
-          </a:xfrm>
-          <a:prstGeom prst="line">
-            <a:avLst/>
-          </a:prstGeom>
-        </p:spPr>
-        <p:style>
-          <a:lnRef idx="1">
-            <a:schemeClr val="accent1"/>
-          </a:lnRef>
-          <a:fillRef idx="0">
-            <a:schemeClr val="accent1"/>
-          </a:fillRef>
-          <a:effectRef idx="0">
-            <a:schemeClr val="accent1"/>
-          </a:effectRef>
-          <a:fontRef idx="minor">
-            <a:schemeClr val="tx1"/>
-          </a:fontRef>
-        </p:style>
-      </p:cxnSp>
-      <p:cxnSp>
-        <p:nvCxnSpPr>
-          <p:cNvPr id="17" name="Straight Connector 16"/>
-          <p:cNvCxnSpPr>
-            <a:stCxn id="12" idx="0"/>
-          </p:cNvCxnSpPr>
-          <p:nvPr/>
-        </p:nvCxnSpPr>
-        <p:spPr>
-          <a:xfrm flipV="1">
-            <a:off x="6273800" y="2727325"/>
-            <a:ext cx="0" cy="546100"/>
-          </a:xfrm>
-          <a:prstGeom prst="line">
-            <a:avLst/>
-          </a:prstGeom>
-        </p:spPr>
-        <p:style>
-          <a:lnRef idx="1">
-            <a:schemeClr val="accent1"/>
-          </a:lnRef>
-          <a:fillRef idx="0">
-            <a:schemeClr val="accent1"/>
-          </a:fillRef>
-          <a:effectRef idx="0">
-            <a:schemeClr val="accent1"/>
-          </a:effectRef>
-          <a:fontRef idx="minor">
-            <a:schemeClr val="tx1"/>
-          </a:fontRef>
-        </p:style>
-      </p:cxnSp>
-      <p:cxnSp>
-        <p:nvCxnSpPr>
-          <p:cNvPr id="22" name="Straight Connector 21"/>
-          <p:cNvCxnSpPr>
-            <a:stCxn id="12" idx="2"/>
-          </p:cNvCxnSpPr>
-          <p:nvPr/>
-        </p:nvCxnSpPr>
-        <p:spPr>
-          <a:xfrm>
-            <a:off x="6273800" y="3806825"/>
-            <a:ext cx="0" cy="520700"/>
-          </a:xfrm>
-          <a:prstGeom prst="line">
-            <a:avLst/>
-          </a:prstGeom>
-        </p:spPr>
-        <p:style>
-          <a:lnRef idx="1">
-            <a:schemeClr val="accent1"/>
-          </a:lnRef>
-          <a:fillRef idx="0">
-            <a:schemeClr val="accent1"/>
-          </a:fillRef>
-          <a:effectRef idx="0">
-            <a:schemeClr val="accent1"/>
-          </a:effectRef>
-          <a:fontRef idx="minor">
-            <a:schemeClr val="tx1"/>
-          </a:fontRef>
-        </p:style>
-      </p:cxnSp>
-      <p:cxnSp>
-        <p:nvCxnSpPr>
-          <p:cNvPr id="26" name="Straight Connector 25"/>
-          <p:cNvCxnSpPr/>
-          <p:nvPr/>
-        </p:nvCxnSpPr>
-        <p:spPr>
-          <a:xfrm>
-            <a:off x="5263816" y="2740025"/>
-            <a:ext cx="0" cy="1600200"/>
-          </a:xfrm>
-          <a:prstGeom prst="line">
-            <a:avLst/>
-          </a:prstGeom>
-        </p:spPr>
-        <p:style>
-          <a:lnRef idx="1">
-            <a:schemeClr val="accent1"/>
-          </a:lnRef>
-          <a:fillRef idx="0">
-            <a:schemeClr val="accent1"/>
-          </a:fillRef>
-          <a:effectRef idx="0">
-            <a:schemeClr val="accent1"/>
-          </a:effectRef>
-          <a:fontRef idx="minor">
-            <a:schemeClr val="tx1"/>
-          </a:fontRef>
-        </p:style>
-      </p:cxnSp>
-      <p:cxnSp>
-        <p:nvCxnSpPr>
-          <p:cNvPr id="29" name="Straight Connector 28"/>
-          <p:cNvCxnSpPr>
-            <a:stCxn id="6" idx="3"/>
-            <a:endCxn id="10" idx="1"/>
-          </p:cNvCxnSpPr>
-          <p:nvPr/>
-        </p:nvCxnSpPr>
-        <p:spPr>
-          <a:xfrm>
-            <a:off x="2667000" y="2453774"/>
-            <a:ext cx="2177716" cy="7183"/>
-          </a:xfrm>
-          <a:prstGeom prst="line">
-            <a:avLst/>
-          </a:prstGeom>
-        </p:spPr>
-        <p:style>
-          <a:lnRef idx="1">
-            <a:schemeClr val="accent1"/>
-          </a:lnRef>
-          <a:fillRef idx="0">
-            <a:schemeClr val="accent1"/>
-          </a:fillRef>
-          <a:effectRef idx="0">
-            <a:schemeClr val="accent1"/>
-          </a:effectRef>
-          <a:fontRef idx="minor">
-            <a:schemeClr val="tx1"/>
-          </a:fontRef>
-        </p:style>
-      </p:cxnSp>
-      <p:sp>
-        <p:nvSpPr>
-          <p:cNvPr id="31" name="Rectangle 30"/>
-          <p:cNvSpPr/>
-          <p:nvPr/>
-        </p:nvSpPr>
-        <p:spPr>
-          <a:xfrm>
-            <a:off x="2714625" y="2101015"/>
-            <a:ext cx="882316" cy="302795"/>
-          </a:xfrm>
-          <a:prstGeom prst="rect">
-            <a:avLst/>
-          </a:prstGeom>
-        </p:spPr>
-        <p:style>
-          <a:lnRef idx="2">
-            <a:schemeClr val="accent1">
-              <a:shade val="50000"/>
-            </a:schemeClr>
-          </a:lnRef>
-          <a:fillRef idx="1">
-            <a:schemeClr val="accent1"/>
-          </a:fillRef>
-          <a:effectRef idx="0">
-            <a:schemeClr val="accent1"/>
-          </a:effectRef>
-          <a:fontRef idx="minor">
-            <a:schemeClr val="lt1"/>
-          </a:fontRef>
-        </p:style>
-        <p:txBody>
-          <a:bodyPr rtlCol="0" anchor="ctr"/>
-          <a:lstStyle/>
-          <a:p>
-            <a:pPr algn="ctr"/>
-            <a:r>
-              <a:rPr lang="en-US" sz="1200" u="sng" dirty="0" smtClean="0"/>
-              <a:t>Upload</a:t>
-            </a:r>
-            <a:endParaRPr lang="en-US" sz="1200" u="sng" dirty="0"/>
-          </a:p>
-        </p:txBody>
-      </p:sp>
-      <p:sp>
-        <p:nvSpPr>
-          <p:cNvPr id="32" name="Rectangle 31"/>
-          <p:cNvSpPr/>
-          <p:nvPr/>
-        </p:nvSpPr>
-        <p:spPr>
-          <a:xfrm>
-            <a:off x="3892216" y="2861677"/>
-            <a:ext cx="882316" cy="302795"/>
-          </a:xfrm>
-          <a:prstGeom prst="rect">
-            <a:avLst/>
-          </a:prstGeom>
-        </p:spPr>
-        <p:style>
-          <a:lnRef idx="2">
-            <a:schemeClr val="accent1">
-              <a:shade val="50000"/>
-            </a:schemeClr>
-          </a:lnRef>
-          <a:fillRef idx="1">
-            <a:schemeClr val="accent1"/>
-          </a:fillRef>
-          <a:effectRef idx="0">
-            <a:schemeClr val="accent1"/>
-          </a:effectRef>
-          <a:fontRef idx="minor">
-            <a:schemeClr val="lt1"/>
-          </a:fontRef>
-        </p:style>
-        <p:txBody>
-          <a:bodyPr rtlCol="0" anchor="ctr"/>
-          <a:lstStyle/>
-          <a:p>
-            <a:pPr algn="ctr"/>
-            <a:r>
-              <a:rPr lang="en-US" sz="1200" u="sng" dirty="0" smtClean="0"/>
-              <a:t>Listing</a:t>
-            </a:r>
-            <a:endParaRPr lang="en-US" sz="1200" u="sng" dirty="0"/>
-          </a:p>
-        </p:txBody>
-      </p:sp>
-      <p:sp>
-        <p:nvSpPr>
-          <p:cNvPr id="33" name="Rectangle 32"/>
-          <p:cNvSpPr/>
-          <p:nvPr/>
-        </p:nvSpPr>
-        <p:spPr>
-          <a:xfrm>
-            <a:off x="3739816" y="2511425"/>
-            <a:ext cx="1034716" cy="302795"/>
-          </a:xfrm>
-          <a:prstGeom prst="rect">
-            <a:avLst/>
-          </a:prstGeom>
-        </p:spPr>
-        <p:style>
-          <a:lnRef idx="2">
-            <a:schemeClr val="accent1">
-              <a:shade val="50000"/>
-            </a:schemeClr>
-          </a:lnRef>
-          <a:fillRef idx="1">
-            <a:schemeClr val="accent1"/>
-          </a:fillRef>
-          <a:effectRef idx="0">
-            <a:schemeClr val="accent1"/>
-          </a:effectRef>
-          <a:fontRef idx="minor">
-            <a:schemeClr val="lt1"/>
-          </a:fontRef>
-        </p:style>
-        <p:txBody>
-          <a:bodyPr rtlCol="0" anchor="ctr"/>
-          <a:lstStyle/>
-          <a:p>
-            <a:pPr algn="ctr"/>
-            <a:r>
-              <a:rPr lang="en-US" sz="1200" u="sng" dirty="0" smtClean="0"/>
-              <a:t>Download</a:t>
-            </a:r>
-            <a:endParaRPr lang="en-US" sz="1200" u="sng" dirty="0"/>
-          </a:p>
-        </p:txBody>
-      </p:sp>
-      <p:sp>
-        <p:nvSpPr>
-          <p:cNvPr id="34" name="Rectangle 33"/>
-          <p:cNvSpPr/>
-          <p:nvPr/>
-        </p:nvSpPr>
-        <p:spPr>
-          <a:xfrm>
-            <a:off x="2714625" y="1762124"/>
-            <a:ext cx="882316" cy="302795"/>
-          </a:xfrm>
-          <a:prstGeom prst="rect">
-            <a:avLst/>
-          </a:prstGeom>
-        </p:spPr>
-        <p:style>
-          <a:lnRef idx="2">
-            <a:schemeClr val="accent1">
-              <a:shade val="50000"/>
-            </a:schemeClr>
-          </a:lnRef>
-          <a:fillRef idx="1">
-            <a:schemeClr val="accent1"/>
-          </a:fillRef>
-          <a:effectRef idx="0">
-            <a:schemeClr val="accent1"/>
-          </a:effectRef>
-          <a:fontRef idx="minor">
-            <a:schemeClr val="lt1"/>
-          </a:fontRef>
-        </p:style>
-        <p:txBody>
-          <a:bodyPr rtlCol="0" anchor="ctr"/>
-          <a:lstStyle/>
-          <a:p>
-            <a:pPr algn="ctr"/>
-            <a:r>
-              <a:rPr lang="en-US" sz="1200" u="sng" dirty="0" smtClean="0"/>
-              <a:t>Request</a:t>
-            </a:r>
-            <a:endParaRPr lang="en-US" sz="1200" u="sng" dirty="0"/>
-          </a:p>
-        </p:txBody>
-      </p:sp>
-      <p:sp>
-        <p:nvSpPr>
-          <p:cNvPr id="70" name="Rectangle 69"/>
-          <p:cNvSpPr/>
-          <p:nvPr/>
-        </p:nvSpPr>
-        <p:spPr>
-          <a:xfrm>
-            <a:off x="8001000" y="1546225"/>
-            <a:ext cx="1828800" cy="3581400"/>
-          </a:xfrm>
-          <a:prstGeom prst="rect">
-            <a:avLst/>
-          </a:prstGeom>
-          <a:solidFill>
-            <a:schemeClr val="bg1"/>
-          </a:solidFill>
-        </p:spPr>
-        <p:style>
-          <a:lnRef idx="2">
-            <a:schemeClr val="accent1">
-              <a:shade val="50000"/>
-            </a:schemeClr>
-          </a:lnRef>
-          <a:fillRef idx="1">
-            <a:schemeClr val="accent1"/>
-          </a:fillRef>
-          <a:effectRef idx="0">
-            <a:schemeClr val="accent1"/>
-          </a:effectRef>
-          <a:fontRef idx="minor">
-            <a:schemeClr val="lt1"/>
-          </a:fontRef>
-        </p:style>
-        <p:txBody>
-          <a:bodyPr rtlCol="0" anchor="ctr"/>
-          <a:lstStyle/>
-          <a:p>
-            <a:pPr algn="ctr"/>
-            <a:endParaRPr lang="en-US"/>
-          </a:p>
-        </p:txBody>
-      </p:sp>
-      <p:sp>
-        <p:nvSpPr>
-          <p:cNvPr id="71" name="Rectangle 70"/>
-          <p:cNvSpPr/>
-          <p:nvPr/>
-        </p:nvSpPr>
-        <p:spPr>
-          <a:xfrm>
-            <a:off x="8161421" y="2108535"/>
-            <a:ext cx="914400" cy="2040356"/>
-          </a:xfrm>
-          <a:prstGeom prst="rect">
-            <a:avLst/>
-          </a:prstGeom>
-        </p:spPr>
-        <p:style>
-          <a:lnRef idx="2">
-            <a:schemeClr val="accent1">
-              <a:shade val="50000"/>
-            </a:schemeClr>
-          </a:lnRef>
-          <a:fillRef idx="1">
-            <a:schemeClr val="accent1"/>
-          </a:fillRef>
-          <a:effectRef idx="0">
-            <a:schemeClr val="accent1"/>
-          </a:effectRef>
-          <a:fontRef idx="minor">
-            <a:schemeClr val="lt1"/>
-          </a:fontRef>
-        </p:style>
-        <p:txBody>
-          <a:bodyPr rtlCol="0" anchor="ctr"/>
-          <a:lstStyle/>
-          <a:p>
-            <a:pPr algn="ctr"/>
-            <a:r>
-              <a:rPr lang="en-US" dirty="0" smtClean="0"/>
-              <a:t>Cloud Server</a:t>
-            </a:r>
-            <a:endParaRPr lang="en-US" dirty="0"/>
-          </a:p>
-        </p:txBody>
-      </p:sp>
-      <p:cxnSp>
-        <p:nvCxnSpPr>
-          <p:cNvPr id="80" name="Straight Connector 79"/>
-          <p:cNvCxnSpPr>
-            <a:stCxn id="10" idx="3"/>
-          </p:cNvCxnSpPr>
-          <p:nvPr/>
-        </p:nvCxnSpPr>
-        <p:spPr>
-          <a:xfrm>
-            <a:off x="6934200" y="2460957"/>
-            <a:ext cx="1227221" cy="0"/>
-          </a:xfrm>
-          <a:prstGeom prst="line">
-            <a:avLst/>
-          </a:prstGeom>
-        </p:spPr>
-        <p:style>
-          <a:lnRef idx="1">
-            <a:schemeClr val="accent1"/>
-          </a:lnRef>
-          <a:fillRef idx="0">
-            <a:schemeClr val="accent1"/>
-          </a:fillRef>
-          <a:effectRef idx="0">
-            <a:schemeClr val="accent1"/>
-          </a:effectRef>
-          <a:fontRef idx="minor">
-            <a:schemeClr val="tx1"/>
-          </a:fontRef>
-        </p:style>
-      </p:cxnSp>
-      <p:sp>
-        <p:nvSpPr>
-          <p:cNvPr id="84" name="Rectangle 83"/>
-          <p:cNvSpPr/>
-          <p:nvPr/>
-        </p:nvSpPr>
-        <p:spPr>
-          <a:xfrm>
-            <a:off x="7086600" y="2047705"/>
-            <a:ext cx="914400" cy="363625"/>
-          </a:xfrm>
-          <a:prstGeom prst="rect">
-            <a:avLst/>
-          </a:prstGeom>
-        </p:spPr>
-        <p:style>
-          <a:lnRef idx="2">
-            <a:schemeClr val="accent1">
-              <a:shade val="50000"/>
-            </a:schemeClr>
-          </a:lnRef>
-          <a:fillRef idx="1">
-            <a:schemeClr val="accent1"/>
-          </a:fillRef>
-          <a:effectRef idx="0">
-            <a:schemeClr val="accent1"/>
-          </a:effectRef>
-          <a:fontRef idx="minor">
-            <a:schemeClr val="lt1"/>
-          </a:fontRef>
-        </p:style>
-        <p:txBody>
-          <a:bodyPr rtlCol="0" anchor="ctr"/>
-          <a:lstStyle/>
-          <a:p>
-            <a:pPr algn="ctr"/>
-            <a:r>
-              <a:rPr lang="en-US" sz="1400" u="sng" dirty="0" smtClean="0"/>
-              <a:t>API Calls</a:t>
-            </a:r>
-            <a:endParaRPr lang="en-US" sz="1400" u="sng" dirty="0"/>
-          </a:p>
-        </p:txBody>
-      </p:sp>
-      <p:sp>
-        <p:nvSpPr>
-          <p:cNvPr id="93" name="Rectangle 92"/>
-          <p:cNvSpPr/>
-          <p:nvPr/>
-        </p:nvSpPr>
-        <p:spPr>
-          <a:xfrm>
-            <a:off x="914400" y="1762124"/>
-            <a:ext cx="1371600" cy="285581"/>
-          </a:xfrm>
-          <a:prstGeom prst="rect">
-            <a:avLst/>
-          </a:prstGeom>
-        </p:spPr>
-        <p:style>
-          <a:lnRef idx="2">
-            <a:schemeClr val="accent1">
-              <a:shade val="50000"/>
-            </a:schemeClr>
-          </a:lnRef>
-          <a:fillRef idx="1">
-            <a:schemeClr val="accent1"/>
-          </a:fillRef>
-          <a:effectRef idx="0">
-            <a:schemeClr val="accent1"/>
-          </a:effectRef>
-          <a:fontRef idx="minor">
-            <a:schemeClr val="lt1"/>
-          </a:fontRef>
-        </p:style>
-        <p:txBody>
-          <a:bodyPr rtlCol="0" anchor="ctr"/>
-          <a:lstStyle/>
-          <a:p>
-            <a:pPr algn="ctr"/>
-            <a:r>
-              <a:rPr lang="en-US" sz="1600" b="1" dirty="0" smtClean="0"/>
-              <a:t>Client</a:t>
-            </a:r>
-            <a:endParaRPr lang="en-US" sz="1600" b="1" dirty="0"/>
-          </a:p>
-        </p:txBody>
-      </p:sp>
-      <p:sp>
-        <p:nvSpPr>
-          <p:cNvPr id="94" name="Rectangle 93"/>
-          <p:cNvSpPr/>
-          <p:nvPr/>
-        </p:nvSpPr>
-        <p:spPr>
-          <a:xfrm>
-            <a:off x="5263816" y="1647321"/>
-            <a:ext cx="1371600" cy="285581"/>
-          </a:xfrm>
-          <a:prstGeom prst="rect">
-            <a:avLst/>
-          </a:prstGeom>
-        </p:spPr>
-        <p:style>
-          <a:lnRef idx="2">
-            <a:schemeClr val="accent1">
-              <a:shade val="50000"/>
-            </a:schemeClr>
-          </a:lnRef>
-          <a:fillRef idx="1">
-            <a:schemeClr val="accent1"/>
-          </a:fillRef>
-          <a:effectRef idx="0">
-            <a:schemeClr val="accent1"/>
-          </a:effectRef>
-          <a:fontRef idx="minor">
-            <a:schemeClr val="lt1"/>
-          </a:fontRef>
-        </p:style>
-        <p:txBody>
-          <a:bodyPr rtlCol="0" anchor="ctr"/>
-          <a:lstStyle/>
-          <a:p>
-            <a:pPr algn="ctr"/>
-            <a:r>
-              <a:rPr lang="en-US" sz="1600" b="1" dirty="0" smtClean="0"/>
-              <a:t>Server</a:t>
-            </a:r>
-            <a:endParaRPr lang="en-US" sz="1600" b="1" dirty="0"/>
-          </a:p>
-        </p:txBody>
-      </p:sp>
-      <p:sp>
-        <p:nvSpPr>
-          <p:cNvPr id="95" name="TextBox 94"/>
-          <p:cNvSpPr txBox="1"/>
-          <p:nvPr/>
-        </p:nvSpPr>
-        <p:spPr>
-          <a:xfrm>
-            <a:off x="316832" y="5943600"/>
-            <a:ext cx="7714381" cy="307777"/>
-          </a:xfrm>
-          <a:prstGeom prst="rect">
-            <a:avLst/>
-          </a:prstGeom>
-          <a:noFill/>
-        </p:spPr>
-        <p:txBody>
-          <a:bodyPr wrap="square" rtlCol="0">
-            <a:spAutoFit/>
-          </a:bodyPr>
-          <a:lstStyle/>
-          <a:p>
-            <a:r>
-              <a:rPr lang="en-US" sz="1400" i="1" dirty="0" smtClean="0"/>
-              <a:t>*Client and Server can also be on the same machine.</a:t>
-            </a:r>
-            <a:endParaRPr lang="en-US" sz="1400" i="1" dirty="0"/>
-          </a:p>
-        </p:txBody>
-      </p:sp>
-      <p:sp>
-        <p:nvSpPr>
-          <p:cNvPr id="96" name="Rectangle 95"/>
-          <p:cNvSpPr/>
-          <p:nvPr/>
-        </p:nvSpPr>
-        <p:spPr>
-          <a:xfrm>
-            <a:off x="2784809" y="304800"/>
-            <a:ext cx="3353162" cy="769441"/>
+            <a:off x="3048000" y="221159"/>
+            <a:ext cx="2604817" cy="769441"/>
           </a:xfrm>
           <a:prstGeom prst="rect">
             <a:avLst/>
@@ -7906,7 +6741,7 @@
             <a:pPr algn="ctr"/>
             <a:r>
               <a:rPr lang="en-US" sz="4400" b="1" dirty="0" smtClean="0"/>
-              <a:t>Physical View</a:t>
+              <a:t>Current UI</a:t>
             </a:r>
             <a:endParaRPr lang="en-US" sz="4400" b="1" dirty="0"/>
           </a:p>
@@ -7915,7 +6750,7 @@
     </p:spTree>
     <p:extLst>
       <p:ext uri="{BB962C8B-B14F-4D97-AF65-F5344CB8AC3E}">
-        <p14:creationId xmlns:p14="http://schemas.microsoft.com/office/powerpoint/2010/main" val="1216127189"/>
+        <p14:creationId xmlns:p14="http://schemas.microsoft.com/office/powerpoint/2010/main" val="4167033902"/>
       </p:ext>
     </p:extLst>
   </p:cSld>
@@ -7951,116 +6786,6 @@
       </p:grpSpPr>
       <p:sp>
         <p:nvSpPr>
-          <p:cNvPr id="6" name="Rectangle 5"/>
-          <p:cNvSpPr/>
-          <p:nvPr/>
-        </p:nvSpPr>
-        <p:spPr>
-          <a:xfrm>
-            <a:off x="1371600" y="990600"/>
-            <a:ext cx="6513384" cy="5585296"/>
-          </a:xfrm>
-          <a:prstGeom prst="rect">
-            <a:avLst/>
-          </a:prstGeom>
-          <a:solidFill>
-            <a:schemeClr val="bg1"/>
-          </a:solidFill>
-        </p:spPr>
-        <p:style>
-          <a:lnRef idx="2">
-            <a:schemeClr val="accent1">
-              <a:shade val="50000"/>
-            </a:schemeClr>
-          </a:lnRef>
-          <a:fillRef idx="1">
-            <a:schemeClr val="accent1"/>
-          </a:fillRef>
-          <a:effectRef idx="0">
-            <a:schemeClr val="accent1"/>
-          </a:effectRef>
-          <a:fontRef idx="minor">
-            <a:schemeClr val="lt1"/>
-          </a:fontRef>
-        </p:style>
-        <p:txBody>
-          <a:bodyPr rtlCol="0" anchor="ctr"/>
-          <a:lstStyle/>
-          <a:p>
-            <a:pPr algn="ctr"/>
-            <a:endParaRPr lang="en-US"/>
-          </a:p>
-        </p:txBody>
-      </p:sp>
-      <p:sp>
-        <p:nvSpPr>
-          <p:cNvPr id="4" name="Rectangle 3"/>
-          <p:cNvSpPr/>
-          <p:nvPr/>
-        </p:nvSpPr>
-        <p:spPr>
-          <a:xfrm>
-            <a:off x="3048000" y="221159"/>
-            <a:ext cx="2604817" cy="769441"/>
-          </a:xfrm>
-          <a:prstGeom prst="rect">
-            <a:avLst/>
-          </a:prstGeom>
-        </p:spPr>
-        <p:txBody>
-          <a:bodyPr wrap="none">
-            <a:spAutoFit/>
-          </a:bodyPr>
-          <a:lstStyle/>
-          <a:p>
-            <a:pPr algn="ctr"/>
-            <a:r>
-              <a:rPr lang="en-US" sz="4400" b="1" dirty="0" smtClean="0"/>
-              <a:t>Current UI</a:t>
-            </a:r>
-            <a:endParaRPr lang="en-US" sz="4400" b="1" dirty="0"/>
-          </a:p>
-        </p:txBody>
-      </p:sp>
-    </p:spTree>
-    <p:extLst>
-      <p:ext uri="{BB962C8B-B14F-4D97-AF65-F5344CB8AC3E}">
-        <p14:creationId xmlns:p14="http://schemas.microsoft.com/office/powerpoint/2010/main" val="4167033902"/>
-      </p:ext>
-    </p:extLst>
-  </p:cSld>
-  <p:clrMapOvr>
-    <a:masterClrMapping/>
-  </p:clrMapOvr>
-  <p:timing>
-    <p:tnLst>
-      <p:par>
-        <p:cTn id="1" dur="indefinite" restart="never" nodeType="tmRoot"/>
-      </p:par>
-    </p:tnLst>
-  </p:timing>
-</p:sld>
-</file>
-
-<file path=ppt/slides/slide14.xml><?xml version="1.0" encoding="utf-8"?>
-<p:sld xmlns:a="http://schemas.openxmlformats.org/drawingml/2006/main" xmlns:r="http://schemas.openxmlformats.org/officeDocument/2006/relationships" xmlns:p="http://schemas.openxmlformats.org/presentationml/2006/main">
-  <p:cSld>
-    <p:spTree>
-      <p:nvGrpSpPr>
-        <p:cNvPr id="1" name=""/>
-        <p:cNvGrpSpPr/>
-        <p:nvPr/>
-      </p:nvGrpSpPr>
-      <p:grpSpPr>
-        <a:xfrm>
-          <a:off x="0" y="0"/>
-          <a:ext cx="0" cy="0"/>
-          <a:chOff x="0" y="0"/>
-          <a:chExt cx="0" cy="0"/>
-        </a:xfrm>
-      </p:grpSpPr>
-      <p:sp>
-        <p:nvSpPr>
           <p:cNvPr id="7" name="Rectangle 6"/>
           <p:cNvSpPr/>
           <p:nvPr/>
@@ -8152,7 +6877,7 @@
 </p:sld>
 </file>
 
-<file path=ppt/slides/slide15.xml><?xml version="1.0" encoding="utf-8"?>
+<file path=ppt/slides/slide14.xml><?xml version="1.0" encoding="utf-8"?>
 <p:sld xmlns:a="http://schemas.openxmlformats.org/drawingml/2006/main" xmlns:r="http://schemas.openxmlformats.org/officeDocument/2006/relationships" xmlns:p="http://schemas.openxmlformats.org/presentationml/2006/main">
   <p:cSld>
     <p:spTree>
@@ -8499,7 +7224,6 @@
               <a:rPr lang="en-US" dirty="0" smtClean="0"/>
               <a:t>Python</a:t>
             </a:r>
-            <a:endParaRPr lang="en-US" dirty="0" smtClean="0"/>
           </a:p>
           <a:p>
             <a:r>
@@ -8522,24 +7246,15 @@
           <a:p>
             <a:r>
               <a:rPr lang="en-US" dirty="0" smtClean="0"/>
-              <a:t>Third </a:t>
-            </a:r>
+              <a:t>Third party APIs</a:t>
+            </a:r>
+          </a:p>
+          <a:p>
+            <a:pPr lvl="1"/>
             <a:r>
               <a:rPr lang="en-US" dirty="0" smtClean="0"/>
-              <a:t>party APIs</a:t>
-            </a:r>
-          </a:p>
-          <a:p>
-            <a:pPr lvl="1"/>
-            <a:r>
-              <a:rPr lang="en-US" dirty="0" smtClean="0"/>
-              <a:t>Dropbox, Google Drive, </a:t>
-            </a:r>
-            <a:r>
-              <a:rPr lang="en-US" dirty="0" smtClean="0"/>
-              <a:t>SkyDrive</a:t>
-            </a:r>
-            <a:endParaRPr lang="en-US" dirty="0" smtClean="0"/>
+              <a:t>Dropbox, Google Drive, SkyDrive</a:t>
+            </a:r>
           </a:p>
         </p:txBody>
       </p:sp>
@@ -8638,13 +7353,11 @@
           <a:p>
             <a:r>
               <a:rPr lang="en-US" dirty="0" smtClean="0"/>
-              <a:t>See actual location of the file</a:t>
-            </a:r>
-          </a:p>
-          <a:p>
+              <a:t>Save </a:t>
+            </a:r>
             <a:r>
               <a:rPr lang="en-US" dirty="0" smtClean="0"/>
-              <a:t>Save a particular file in a specific cloud storage service</a:t>
+              <a:t>a particular file in a specific cloud storage service</a:t>
             </a:r>
             <a:endParaRPr lang="en-US" dirty="0"/>
           </a:p>
@@ -10107,8 +8820,13 @@
                   <a:schemeClr val="tx1"/>
                 </a:solidFill>
               </a:rPr>
-              <a:t>Box.net</a:t>
-            </a:r>
+              <a:t>SkyDrive</a:t>
+            </a:r>
+            <a:endParaRPr lang="en-US" sz="1600" dirty="0" smtClean="0">
+              <a:solidFill>
+                <a:schemeClr val="tx1"/>
+              </a:solidFill>
+            </a:endParaRPr>
           </a:p>
           <a:p>
             <a:pPr marL="285750" indent="-285750">
@@ -10656,7 +9374,7 @@
             <a:pPr algn="ctr"/>
             <a:r>
               <a:rPr lang="en-US" dirty="0" smtClean="0"/>
-              <a:t>Server</a:t>
+              <a:t>Cloud</a:t>
             </a:r>
             <a:endParaRPr lang="en-US" dirty="0"/>
           </a:p>
@@ -11167,8 +9885,8 @@
         </p:nvSpPr>
         <p:spPr>
           <a:xfrm rot="21048353">
-            <a:off x="1752600" y="2954642"/>
-            <a:ext cx="685800" cy="230832"/>
+            <a:off x="1668868" y="2961374"/>
+            <a:ext cx="770073" cy="230832"/>
           </a:xfrm>
           <a:prstGeom prst="rect">
             <a:avLst/>
@@ -11182,8 +9900,12 @@
           <a:lstStyle/>
           <a:p>
             <a:r>
+              <a:rPr lang="en-US" sz="900" dirty="0" err="1" smtClean="0"/>
+              <a:t>Api</a:t>
+            </a:r>
+            <a:r>
               <a:rPr lang="en-US" sz="900" dirty="0" smtClean="0"/>
-              <a:t>request</a:t>
+              <a:t> request</a:t>
             </a:r>
             <a:endParaRPr lang="en-US" sz="900" dirty="0"/>
           </a:p>
@@ -11521,8 +10243,9 @@
             </a:pPr>
             <a:r>
               <a:rPr lang="en-US" dirty="0" smtClean="0"/>
-              <a:t>Box</a:t>
-            </a:r>
+              <a:t>SkyDrive</a:t>
+            </a:r>
+            <a:endParaRPr lang="en-US" dirty="0" smtClean="0"/>
           </a:p>
           <a:p>
             <a:pPr marL="285750" indent="-285750">
@@ -11633,7 +10356,7 @@
         </p:nvSpPr>
         <p:spPr>
           <a:xfrm>
-            <a:off x="1034716" y="4191000"/>
+            <a:off x="1034716" y="4343400"/>
             <a:ext cx="1981200" cy="381000"/>
           </a:xfrm>
           <a:prstGeom prst="rect">
@@ -11710,7 +10433,7 @@
         <p:spPr>
           <a:xfrm>
             <a:off x="6140116" y="3886200"/>
-            <a:ext cx="1981200" cy="1066800"/>
+            <a:ext cx="1981200" cy="1219200"/>
           </a:xfrm>
           <a:prstGeom prst="rect">
             <a:avLst/>
@@ -11762,7 +10485,21 @@
             </a:pPr>
             <a:r>
               <a:rPr lang="en-US" dirty="0" smtClean="0"/>
-              <a:t>File List</a:t>
+              <a:t>File </a:t>
+            </a:r>
+            <a:r>
+              <a:rPr lang="en-US" dirty="0" smtClean="0"/>
+              <a:t>List</a:t>
+            </a:r>
+          </a:p>
+          <a:p>
+            <a:pPr marL="285750" indent="-285750">
+              <a:buFont typeface="Arial" pitchFamily="34" charset="0"/>
+              <a:buChar char="•"/>
+            </a:pPr>
+            <a:r>
+              <a:rPr lang="en-US" dirty="0" smtClean="0"/>
+              <a:t>Sync Files</a:t>
             </a:r>
             <a:endParaRPr lang="en-US" dirty="0"/>
           </a:p>
@@ -11808,8 +10545,8 @@
           <p:nvPr/>
         </p:nvCxnSpPr>
         <p:spPr>
-          <a:xfrm>
-            <a:off x="3015916" y="4381500"/>
+          <a:xfrm flipV="1">
+            <a:off x="3015916" y="4495800"/>
             <a:ext cx="3124200" cy="38100"/>
           </a:xfrm>
           <a:prstGeom prst="straightConnector1">
@@ -11881,8 +10618,8 @@
         </p:nvCxnSpPr>
         <p:spPr>
           <a:xfrm rot="5400000">
-            <a:off x="5930566" y="4400550"/>
-            <a:ext cx="647700" cy="1752600"/>
+            <a:off x="6006766" y="4476750"/>
+            <a:ext cx="495300" cy="1752600"/>
           </a:xfrm>
           <a:prstGeom prst="bentConnector2">
             <a:avLst/>
